--- a/pics/2020-09-17-MCMC/pics.pptx
+++ b/pics/2020-09-17-MCMC/pics.pptx
@@ -8,6 +8,7 @@
     <p:sldId id="256" r:id="rId2"/>
     <p:sldId id="257" r:id="rId3"/>
     <p:sldId id="258" r:id="rId4"/>
+    <p:sldId id="259" r:id="rId5"/>
   </p:sldIdLst>
   <p:sldSz cx="12192000" cy="6858000"/>
   <p:notesSz cx="6858000" cy="9144000"/>
@@ -4534,6 +4535,66 @@
 </p:sld>
 </file>
 
+<file path=ppt/slides/slide4.xml><?xml version="1.0" encoding="utf-8"?>
+<p:sld xmlns:a="http://schemas.openxmlformats.org/drawingml/2006/main" xmlns:r="http://schemas.openxmlformats.org/officeDocument/2006/relationships" xmlns:p="http://schemas.openxmlformats.org/presentationml/2006/main">
+  <p:cSld>
+    <p:spTree>
+      <p:nvGrpSpPr>
+        <p:cNvPr id="1" name=""/>
+        <p:cNvGrpSpPr/>
+        <p:nvPr/>
+      </p:nvGrpSpPr>
+      <p:grpSpPr>
+        <a:xfrm>
+          <a:off x="0" y="0"/>
+          <a:ext cx="0" cy="0"/>
+          <a:chOff x="0" y="0"/>
+          <a:chExt cx="0" cy="0"/>
+        </a:xfrm>
+      </p:grpSpPr>
+      <p:pic>
+        <p:nvPicPr>
+          <p:cNvPr id="5" name="그림 4">
+            <a:extLst>
+              <a:ext uri="{FF2B5EF4-FFF2-40B4-BE49-F238E27FC236}">
+                <a16:creationId xmlns:a16="http://schemas.microsoft.com/office/drawing/2014/main" id="{B5A352DF-B77B-4E21-ADBB-74210FEFE0EB}"/>
+              </a:ext>
+            </a:extLst>
+          </p:cNvPr>
+          <p:cNvPicPr>
+            <a:picLocks noChangeAspect="1"/>
+          </p:cNvPicPr>
+          <p:nvPr/>
+        </p:nvPicPr>
+        <p:blipFill>
+          <a:blip r:embed="rId2"/>
+          <a:stretch>
+            <a:fillRect/>
+          </a:stretch>
+        </p:blipFill>
+        <p:spPr>
+          <a:xfrm>
+            <a:off x="2331563" y="617012"/>
+            <a:ext cx="7528874" cy="5623976"/>
+          </a:xfrm>
+          <a:prstGeom prst="rect">
+            <a:avLst/>
+          </a:prstGeom>
+        </p:spPr>
+      </p:pic>
+    </p:spTree>
+    <p:extLst>
+      <p:ext uri="{BB962C8B-B14F-4D97-AF65-F5344CB8AC3E}">
+        <p14:creationId xmlns:p14="http://schemas.microsoft.com/office/powerpoint/2010/main" val="2469693803"/>
+      </p:ext>
+    </p:extLst>
+  </p:cSld>
+  <p:clrMapOvr>
+    <a:masterClrMapping/>
+  </p:clrMapOvr>
+</p:sld>
+</file>
+
 <file path=ppt/theme/theme1.xml><?xml version="1.0" encoding="utf-8"?>
 <a:theme xmlns:a="http://schemas.openxmlformats.org/drawingml/2006/main" name="Office 테마">
   <a:themeElements>

--- a/pics/2020-09-17-MCMC/pics.pptx
+++ b/pics/2020-09-17-MCMC/pics.pptx
@@ -9,6 +9,7 @@
     <p:sldId id="257" r:id="rId3"/>
     <p:sldId id="258" r:id="rId4"/>
     <p:sldId id="259" r:id="rId5"/>
+    <p:sldId id="260" r:id="rId6"/>
   </p:sldIdLst>
   <p:sldSz cx="12192000" cy="6858000"/>
   <p:notesSz cx="6858000" cy="9144000"/>
@@ -107,6 +108,11 @@
       </a:defRPr>
     </a:lvl9pPr>
   </p:defaultTextStyle>
+  <p:extLst>
+    <p:ext uri="{EFAFB233-063F-42B5-8137-9DF3F51BA10A}">
+      <p15:sldGuideLst xmlns:p15="http://schemas.microsoft.com/office/powerpoint/2012/main"/>
+    </p:ext>
+  </p:extLst>
 </p:presentation>
 </file>
 
@@ -3396,8 +3402,8 @@
           </a:fontRef>
         </p:style>
       </p:cxnSp>
-      <mc:AlternateContent xmlns:mc="http://schemas.openxmlformats.org/markup-compatibility/2006">
-        <mc:Choice xmlns:a14="http://schemas.microsoft.com/office/drawing/2010/main" Requires="a14">
+      <mc:AlternateContent xmlns:mc="http://schemas.openxmlformats.org/markup-compatibility/2006" xmlns:a14="http://schemas.microsoft.com/office/drawing/2010/main">
+        <mc:Choice Requires="a14">
           <p:sp>
             <p:nvSpPr>
               <p:cNvPr id="11" name="TextBox 10">
@@ -3479,7 +3485,7 @@
             </p:txBody>
           </p:sp>
         </mc:Choice>
-        <mc:Fallback>
+        <mc:Fallback xmlns="">
           <p:sp>
             <p:nvSpPr>
               <p:cNvPr id="11" name="TextBox 10">
@@ -3630,8 +3636,8 @@
           </a:fontRef>
         </p:style>
       </p:cxnSp>
-      <mc:AlternateContent xmlns:mc="http://schemas.openxmlformats.org/markup-compatibility/2006">
-        <mc:Choice xmlns:a14="http://schemas.microsoft.com/office/drawing/2010/main" Requires="a14">
+      <mc:AlternateContent xmlns:mc="http://schemas.openxmlformats.org/markup-compatibility/2006" xmlns:a14="http://schemas.microsoft.com/office/drawing/2010/main">
+        <mc:Choice Requires="a14">
           <p:sp>
             <p:nvSpPr>
               <p:cNvPr id="7" name="TextBox 6">
@@ -3713,7 +3719,7 @@
             </p:txBody>
           </p:sp>
         </mc:Choice>
-        <mc:Fallback>
+        <mc:Fallback xmlns="">
           <p:sp>
             <p:nvSpPr>
               <p:cNvPr id="7" name="TextBox 6">
@@ -3818,8 +3824,8 @@
           </a:prstGeom>
         </p:spPr>
       </p:pic>
-      <mc:AlternateContent xmlns:mc="http://schemas.openxmlformats.org/markup-compatibility/2006">
-        <mc:Choice xmlns:a14="http://schemas.microsoft.com/office/drawing/2010/main" Requires="a14">
+      <mc:AlternateContent xmlns:mc="http://schemas.openxmlformats.org/markup-compatibility/2006" xmlns:a14="http://schemas.microsoft.com/office/drawing/2010/main">
+        <mc:Choice Requires="a14">
           <p:sp>
             <p:nvSpPr>
               <p:cNvPr id="16" name="TextBox 15">
@@ -3901,7 +3907,7 @@
             </p:txBody>
           </p:sp>
         </mc:Choice>
-        <mc:Fallback>
+        <mc:Fallback xmlns="">
           <p:sp>
             <p:nvSpPr>
               <p:cNvPr id="16" name="TextBox 15">
@@ -4050,8 +4056,8 @@
           </a:p>
         </p:txBody>
       </p:sp>
-      <mc:AlternateContent xmlns:mc="http://schemas.openxmlformats.org/markup-compatibility/2006">
-        <mc:Choice xmlns:a14="http://schemas.microsoft.com/office/drawing/2010/main" Requires="a14">
+      <mc:AlternateContent xmlns:mc="http://schemas.openxmlformats.org/markup-compatibility/2006" xmlns:a14="http://schemas.microsoft.com/office/drawing/2010/main">
+        <mc:Choice Requires="a14">
           <p:sp>
             <p:nvSpPr>
               <p:cNvPr id="19" name="TextBox 18">
@@ -4133,7 +4139,7 @@
             </p:txBody>
           </p:sp>
         </mc:Choice>
-        <mc:Fallback>
+        <mc:Fallback xmlns="">
           <p:sp>
             <p:nvSpPr>
               <p:cNvPr id="19" name="TextBox 18">
@@ -4178,8 +4184,8 @@
           </p:sp>
         </mc:Fallback>
       </mc:AlternateContent>
-      <mc:AlternateContent xmlns:mc="http://schemas.openxmlformats.org/markup-compatibility/2006">
-        <mc:Choice xmlns:a14="http://schemas.microsoft.com/office/drawing/2010/main" Requires="a14">
+      <mc:AlternateContent xmlns:mc="http://schemas.openxmlformats.org/markup-compatibility/2006" xmlns:a14="http://schemas.microsoft.com/office/drawing/2010/main">
+        <mc:Choice Requires="a14">
           <p:sp>
             <p:nvSpPr>
               <p:cNvPr id="20" name="TextBox 19">
@@ -4261,7 +4267,7 @@
             </p:txBody>
           </p:sp>
         </mc:Choice>
-        <mc:Fallback>
+        <mc:Fallback xmlns="">
           <p:sp>
             <p:nvSpPr>
               <p:cNvPr id="20" name="TextBox 19">
@@ -4306,8 +4312,8 @@
           </p:sp>
         </mc:Fallback>
       </mc:AlternateContent>
-      <mc:AlternateContent xmlns:mc="http://schemas.openxmlformats.org/markup-compatibility/2006">
-        <mc:Choice xmlns:a14="http://schemas.microsoft.com/office/drawing/2010/main" Requires="a14">
+      <mc:AlternateContent xmlns:mc="http://schemas.openxmlformats.org/markup-compatibility/2006" xmlns:a14="http://schemas.microsoft.com/office/drawing/2010/main">
+        <mc:Choice Requires="a14">
           <p:sp>
             <p:nvSpPr>
               <p:cNvPr id="21" name="TextBox 20">
@@ -4389,7 +4395,7 @@
             </p:txBody>
           </p:sp>
         </mc:Choice>
-        <mc:Fallback>
+        <mc:Fallback xmlns="">
           <p:sp>
             <p:nvSpPr>
               <p:cNvPr id="21" name="TextBox 20">
@@ -4586,6 +4592,66 @@
     <p:extLst>
       <p:ext uri="{BB962C8B-B14F-4D97-AF65-F5344CB8AC3E}">
         <p14:creationId xmlns:p14="http://schemas.microsoft.com/office/powerpoint/2010/main" val="2469693803"/>
+      </p:ext>
+    </p:extLst>
+  </p:cSld>
+  <p:clrMapOvr>
+    <a:masterClrMapping/>
+  </p:clrMapOvr>
+</p:sld>
+</file>
+
+<file path=ppt/slides/slide5.xml><?xml version="1.0" encoding="utf-8"?>
+<p:sld xmlns:a="http://schemas.openxmlformats.org/drawingml/2006/main" xmlns:r="http://schemas.openxmlformats.org/officeDocument/2006/relationships" xmlns:p="http://schemas.openxmlformats.org/presentationml/2006/main">
+  <p:cSld>
+    <p:spTree>
+      <p:nvGrpSpPr>
+        <p:cNvPr id="1" name=""/>
+        <p:cNvGrpSpPr/>
+        <p:nvPr/>
+      </p:nvGrpSpPr>
+      <p:grpSpPr>
+        <a:xfrm>
+          <a:off x="0" y="0"/>
+          <a:ext cx="0" cy="0"/>
+          <a:chOff x="0" y="0"/>
+          <a:chExt cx="0" cy="0"/>
+        </a:xfrm>
+      </p:grpSpPr>
+      <p:pic>
+        <p:nvPicPr>
+          <p:cNvPr id="4" name="그림 3">
+            <a:extLst>
+              <a:ext uri="{FF2B5EF4-FFF2-40B4-BE49-F238E27FC236}">
+                <a16:creationId xmlns:a16="http://schemas.microsoft.com/office/drawing/2014/main" id="{16E843D2-3A47-457D-9C50-B717A7534897}"/>
+              </a:ext>
+            </a:extLst>
+          </p:cNvPr>
+          <p:cNvPicPr>
+            <a:picLocks noChangeAspect="1"/>
+          </p:cNvPicPr>
+          <p:nvPr/>
+        </p:nvPicPr>
+        <p:blipFill>
+          <a:blip r:embed="rId2"/>
+          <a:stretch>
+            <a:fillRect/>
+          </a:stretch>
+        </p:blipFill>
+        <p:spPr>
+          <a:xfrm>
+            <a:off x="2540383" y="772998"/>
+            <a:ext cx="7111234" cy="5312004"/>
+          </a:xfrm>
+          <a:prstGeom prst="rect">
+            <a:avLst/>
+          </a:prstGeom>
+        </p:spPr>
+      </p:pic>
+    </p:spTree>
+    <p:extLst>
+      <p:ext uri="{BB962C8B-B14F-4D97-AF65-F5344CB8AC3E}">
+        <p14:creationId xmlns:p14="http://schemas.microsoft.com/office/powerpoint/2010/main" val="2450425569"/>
       </p:ext>
     </p:extLst>
   </p:cSld>

--- a/pics/2020-09-17-MCMC/pics.pptx
+++ b/pics/2020-09-17-MCMC/pics.pptx
@@ -10,6 +10,9 @@
     <p:sldId id="258" r:id="rId4"/>
     <p:sldId id="259" r:id="rId5"/>
     <p:sldId id="260" r:id="rId6"/>
+    <p:sldId id="262" r:id="rId7"/>
+    <p:sldId id="261" r:id="rId8"/>
+    <p:sldId id="263" r:id="rId9"/>
   </p:sldIdLst>
   <p:sldSz cx="12192000" cy="6858000"/>
   <p:notesSz cx="6858000" cy="9144000"/>
@@ -263,7 +266,7 @@
           <a:p>
             <a:fld id="{5FFD4891-059D-4F08-8A94-92885868D870}" type="datetimeFigureOut">
               <a:rPr lang="ko-KR" altLang="en-US" smtClean="0"/>
-              <a:t>2020-09-18</a:t>
+              <a:t>2020-09-19</a:t>
             </a:fld>
             <a:endParaRPr lang="ko-KR" altLang="en-US"/>
           </a:p>
@@ -461,7 +464,7 @@
           <a:p>
             <a:fld id="{5FFD4891-059D-4F08-8A94-92885868D870}" type="datetimeFigureOut">
               <a:rPr lang="ko-KR" altLang="en-US" smtClean="0"/>
-              <a:t>2020-09-18</a:t>
+              <a:t>2020-09-19</a:t>
             </a:fld>
             <a:endParaRPr lang="ko-KR" altLang="en-US"/>
           </a:p>
@@ -669,7 +672,7 @@
           <a:p>
             <a:fld id="{5FFD4891-059D-4F08-8A94-92885868D870}" type="datetimeFigureOut">
               <a:rPr lang="ko-KR" altLang="en-US" smtClean="0"/>
-              <a:t>2020-09-18</a:t>
+              <a:t>2020-09-19</a:t>
             </a:fld>
             <a:endParaRPr lang="ko-KR" altLang="en-US"/>
           </a:p>
@@ -867,7 +870,7 @@
           <a:p>
             <a:fld id="{5FFD4891-059D-4F08-8A94-92885868D870}" type="datetimeFigureOut">
               <a:rPr lang="ko-KR" altLang="en-US" smtClean="0"/>
-              <a:t>2020-09-18</a:t>
+              <a:t>2020-09-19</a:t>
             </a:fld>
             <a:endParaRPr lang="ko-KR" altLang="en-US"/>
           </a:p>
@@ -1142,7 +1145,7 @@
           <a:p>
             <a:fld id="{5FFD4891-059D-4F08-8A94-92885868D870}" type="datetimeFigureOut">
               <a:rPr lang="ko-KR" altLang="en-US" smtClean="0"/>
-              <a:t>2020-09-18</a:t>
+              <a:t>2020-09-19</a:t>
             </a:fld>
             <a:endParaRPr lang="ko-KR" altLang="en-US"/>
           </a:p>
@@ -1407,7 +1410,7 @@
           <a:p>
             <a:fld id="{5FFD4891-059D-4F08-8A94-92885868D870}" type="datetimeFigureOut">
               <a:rPr lang="ko-KR" altLang="en-US" smtClean="0"/>
-              <a:t>2020-09-18</a:t>
+              <a:t>2020-09-19</a:t>
             </a:fld>
             <a:endParaRPr lang="ko-KR" altLang="en-US"/>
           </a:p>
@@ -1819,7 +1822,7 @@
           <a:p>
             <a:fld id="{5FFD4891-059D-4F08-8A94-92885868D870}" type="datetimeFigureOut">
               <a:rPr lang="ko-KR" altLang="en-US" smtClean="0"/>
-              <a:t>2020-09-18</a:t>
+              <a:t>2020-09-19</a:t>
             </a:fld>
             <a:endParaRPr lang="ko-KR" altLang="en-US"/>
           </a:p>
@@ -1960,7 +1963,7 @@
           <a:p>
             <a:fld id="{5FFD4891-059D-4F08-8A94-92885868D870}" type="datetimeFigureOut">
               <a:rPr lang="ko-KR" altLang="en-US" smtClean="0"/>
-              <a:t>2020-09-18</a:t>
+              <a:t>2020-09-19</a:t>
             </a:fld>
             <a:endParaRPr lang="ko-KR" altLang="en-US"/>
           </a:p>
@@ -2073,7 +2076,7 @@
           <a:p>
             <a:fld id="{5FFD4891-059D-4F08-8A94-92885868D870}" type="datetimeFigureOut">
               <a:rPr lang="ko-KR" altLang="en-US" smtClean="0"/>
-              <a:t>2020-09-18</a:t>
+              <a:t>2020-09-19</a:t>
             </a:fld>
             <a:endParaRPr lang="ko-KR" altLang="en-US"/>
           </a:p>
@@ -2384,7 +2387,7 @@
           <a:p>
             <a:fld id="{5FFD4891-059D-4F08-8A94-92885868D870}" type="datetimeFigureOut">
               <a:rPr lang="ko-KR" altLang="en-US" smtClean="0"/>
-              <a:t>2020-09-18</a:t>
+              <a:t>2020-09-19</a:t>
             </a:fld>
             <a:endParaRPr lang="ko-KR" altLang="en-US"/>
           </a:p>
@@ -2672,7 +2675,7 @@
           <a:p>
             <a:fld id="{5FFD4891-059D-4F08-8A94-92885868D870}" type="datetimeFigureOut">
               <a:rPr lang="ko-KR" altLang="en-US" smtClean="0"/>
-              <a:t>2020-09-18</a:t>
+              <a:t>2020-09-19</a:t>
             </a:fld>
             <a:endParaRPr lang="ko-KR" altLang="en-US"/>
           </a:p>
@@ -2913,7 +2916,7 @@
           <a:p>
             <a:fld id="{5FFD4891-059D-4F08-8A94-92885868D870}" type="datetimeFigureOut">
               <a:rPr lang="ko-KR" altLang="en-US" smtClean="0"/>
-              <a:t>2020-09-18</a:t>
+              <a:t>2020-09-19</a:t>
             </a:fld>
             <a:endParaRPr lang="ko-KR" altLang="en-US"/>
           </a:p>
@@ -4661,6 +4664,918 @@
 </p:sld>
 </file>
 
+<file path=ppt/slides/slide6.xml><?xml version="1.0" encoding="utf-8"?>
+<p:sld xmlns:a="http://schemas.openxmlformats.org/drawingml/2006/main" xmlns:r="http://schemas.openxmlformats.org/officeDocument/2006/relationships" xmlns:p="http://schemas.openxmlformats.org/presentationml/2006/main">
+  <p:cSld>
+    <p:spTree>
+      <p:nvGrpSpPr>
+        <p:cNvPr id="1" name=""/>
+        <p:cNvGrpSpPr/>
+        <p:nvPr/>
+      </p:nvGrpSpPr>
+      <p:grpSpPr>
+        <a:xfrm>
+          <a:off x="0" y="0"/>
+          <a:ext cx="0" cy="0"/>
+          <a:chOff x="0" y="0"/>
+          <a:chExt cx="0" cy="0"/>
+        </a:xfrm>
+      </p:grpSpPr>
+      <p:pic>
+        <p:nvPicPr>
+          <p:cNvPr id="4" name="그림 3">
+            <a:extLst>
+              <a:ext uri="{FF2B5EF4-FFF2-40B4-BE49-F238E27FC236}">
+                <a16:creationId xmlns:a16="http://schemas.microsoft.com/office/drawing/2014/main" id="{E1BF1DF9-D847-4458-94D3-97F362B91986}"/>
+              </a:ext>
+            </a:extLst>
+          </p:cNvPr>
+          <p:cNvPicPr>
+            <a:picLocks noChangeAspect="1"/>
+          </p:cNvPicPr>
+          <p:nvPr/>
+        </p:nvPicPr>
+        <p:blipFill>
+          <a:blip r:embed="rId2"/>
+          <a:stretch>
+            <a:fillRect/>
+          </a:stretch>
+        </p:blipFill>
+        <p:spPr>
+          <a:xfrm>
+            <a:off x="1388882" y="750021"/>
+            <a:ext cx="9414236" cy="5357958"/>
+          </a:xfrm>
+          <a:prstGeom prst="rect">
+            <a:avLst/>
+          </a:prstGeom>
+        </p:spPr>
+      </p:pic>
+      <mc:AlternateContent xmlns:mc="http://schemas.openxmlformats.org/markup-compatibility/2006">
+        <mc:Choice xmlns:a14="http://schemas.microsoft.com/office/drawing/2010/main" Requires="a14">
+          <p:sp>
+            <p:nvSpPr>
+              <p:cNvPr id="5" name="TextBox 4">
+                <a:extLst>
+                  <a:ext uri="{FF2B5EF4-FFF2-40B4-BE49-F238E27FC236}">
+                    <a16:creationId xmlns:a16="http://schemas.microsoft.com/office/drawing/2014/main" id="{9DE7F6E5-9D43-43F7-904D-914D492A2A79}"/>
+                  </a:ext>
+                </a:extLst>
+              </p:cNvPr>
+              <p:cNvSpPr txBox="1"/>
+              <p:nvPr/>
+            </p:nvSpPr>
+            <p:spPr>
+              <a:xfrm>
+                <a:off x="5539818" y="1480008"/>
+                <a:ext cx="4037815" cy="519351"/>
+              </a:xfrm>
+              <a:prstGeom prst="wedgeEllipseCallout">
+                <a:avLst>
+                  <a:gd name="adj1" fmla="val -35140"/>
+                  <a:gd name="adj2" fmla="val 90473"/>
+                </a:avLst>
+              </a:prstGeom>
+              <a:noFill/>
+              <a:ln>
+                <a:solidFill>
+                  <a:schemeClr val="tx1"/>
+                </a:solidFill>
+              </a:ln>
+            </p:spPr>
+            <p:txBody>
+              <a:bodyPr wrap="square" rtlCol="0">
+                <a:spAutoFit/>
+              </a:bodyPr>
+              <a:lstStyle/>
+              <a:p>
+                <a:r>
+                  <a:rPr lang="ko-KR" altLang="en-US" dirty="0">
+                    <a:latin typeface="배달의민족 주아" panose="02020603020101020101" pitchFamily="18" charset="-127"/>
+                    <a:ea typeface="배달의민족 주아" panose="02020603020101020101" pitchFamily="18" charset="-127"/>
+                  </a:rPr>
+                  <a:t>음</a:t>
+                </a:r>
+                <a:r>
+                  <a:rPr lang="en-US" altLang="ko-KR" dirty="0">
+                    <a:latin typeface="배달의민족 주아" panose="02020603020101020101" pitchFamily="18" charset="-127"/>
+                    <a:ea typeface="배달의민족 주아" panose="02020603020101020101" pitchFamily="18" charset="-127"/>
+                  </a:rPr>
+                  <a:t>… </a:t>
+                </a:r>
+                <a:r>
+                  <a:rPr lang="ko-KR" altLang="en-US" dirty="0">
+                    <a:latin typeface="배달의민족 주아" panose="02020603020101020101" pitchFamily="18" charset="-127"/>
+                    <a:ea typeface="배달의민족 주아" panose="02020603020101020101" pitchFamily="18" charset="-127"/>
+                  </a:rPr>
+                  <a:t>다음 번 </a:t>
+                </a:r>
+                <a14:m>
+                  <m:oMath xmlns:m="http://schemas.openxmlformats.org/officeDocument/2006/math">
+                    <m:r>
+                      <a:rPr lang="en-US" altLang="ko-KR" b="0" i="1" smtClean="0">
+                        <a:latin typeface="Cambria Math" panose="02040503050406030204" pitchFamily="18" charset="0"/>
+                      </a:rPr>
+                      <m:t>𝜇</m:t>
+                    </m:r>
+                  </m:oMath>
+                </a14:m>
+                <a:r>
+                  <a:rPr lang="ko-KR" altLang="en-US" dirty="0">
+                    <a:latin typeface="배달의민족 주아" panose="02020603020101020101" pitchFamily="18" charset="-127"/>
+                    <a:ea typeface="배달의민족 주아" panose="02020603020101020101" pitchFamily="18" charset="-127"/>
+                  </a:rPr>
+                  <a:t> 값의 후보는</a:t>
+                </a:r>
+                <a:r>
+                  <a:rPr lang="en-US" altLang="ko-KR" dirty="0">
+                    <a:latin typeface="배달의민족 주아" panose="02020603020101020101" pitchFamily="18" charset="-127"/>
+                    <a:ea typeface="배달의민족 주아" panose="02020603020101020101" pitchFamily="18" charset="-127"/>
+                  </a:rPr>
+                  <a:t>…!</a:t>
+                </a:r>
+                <a:endParaRPr lang="ko-KR" altLang="en-US" dirty="0">
+                  <a:latin typeface="배달의민족 주아" panose="02020603020101020101" pitchFamily="18" charset="-127"/>
+                  <a:ea typeface="배달의민족 주아" panose="02020603020101020101" pitchFamily="18" charset="-127"/>
+                </a:endParaRPr>
+              </a:p>
+            </p:txBody>
+          </p:sp>
+        </mc:Choice>
+        <mc:Fallback>
+          <p:sp>
+            <p:nvSpPr>
+              <p:cNvPr id="5" name="TextBox 4">
+                <a:extLst>
+                  <a:ext uri="{FF2B5EF4-FFF2-40B4-BE49-F238E27FC236}">
+                    <a16:creationId xmlns:a16="http://schemas.microsoft.com/office/drawing/2014/main" id="{9DE7F6E5-9D43-43F7-904D-914D492A2A79}"/>
+                  </a:ext>
+                </a:extLst>
+              </p:cNvPr>
+              <p:cNvSpPr txBox="1">
+                <a:spLocks noRot="1" noChangeAspect="1" noMove="1" noResize="1" noEditPoints="1" noAdjustHandles="1" noChangeArrowheads="1" noChangeShapeType="1" noTextEdit="1"/>
+              </p:cNvSpPr>
+              <p:nvPr/>
+            </p:nvSpPr>
+            <p:spPr>
+              <a:xfrm>
+                <a:off x="5539818" y="1480008"/>
+                <a:ext cx="4037815" cy="519351"/>
+              </a:xfrm>
+              <a:prstGeom prst="wedgeEllipseCallout">
+                <a:avLst>
+                  <a:gd name="adj1" fmla="val -35140"/>
+                  <a:gd name="adj2" fmla="val 90473"/>
+                </a:avLst>
+              </a:prstGeom>
+              <a:blipFill>
+                <a:blip r:embed="rId3"/>
+                <a:stretch>
+                  <a:fillRect/>
+                </a:stretch>
+              </a:blipFill>
+              <a:ln>
+                <a:solidFill>
+                  <a:schemeClr val="tx1"/>
+                </a:solidFill>
+              </a:ln>
+            </p:spPr>
+            <p:txBody>
+              <a:bodyPr/>
+              <a:lstStyle/>
+              <a:p>
+                <a:r>
+                  <a:rPr lang="ko-KR" altLang="en-US">
+                    <a:noFill/>
+                  </a:rPr>
+                  <a:t> </a:t>
+                </a:r>
+              </a:p>
+            </p:txBody>
+          </p:sp>
+        </mc:Fallback>
+      </mc:AlternateContent>
+      <p:sp>
+        <p:nvSpPr>
+          <p:cNvPr id="6" name="TextBox 5">
+            <a:extLst>
+              <a:ext uri="{FF2B5EF4-FFF2-40B4-BE49-F238E27FC236}">
+                <a16:creationId xmlns:a16="http://schemas.microsoft.com/office/drawing/2014/main" id="{9F53B707-B48A-4C92-BB6B-B259C38B5636}"/>
+              </a:ext>
+            </a:extLst>
+          </p:cNvPr>
+          <p:cNvSpPr txBox="1"/>
+          <p:nvPr/>
+        </p:nvSpPr>
+        <p:spPr>
+          <a:xfrm>
+            <a:off x="4100660" y="750021"/>
+            <a:ext cx="1838965" cy="369332"/>
+          </a:xfrm>
+          <a:prstGeom prst="rect">
+            <a:avLst/>
+          </a:prstGeom>
+          <a:noFill/>
+        </p:spPr>
+        <p:txBody>
+          <a:bodyPr wrap="none" rtlCol="0">
+            <a:spAutoFit/>
+          </a:bodyPr>
+          <a:lstStyle/>
+          <a:p>
+            <a:r>
+              <a:rPr lang="ko-KR" altLang="en-US" dirty="0">
+                <a:latin typeface="카페24 쑥쑥" pitchFamily="2" charset="-127"/>
+                <a:ea typeface="카페24 쑥쑥" pitchFamily="2" charset="-127"/>
+              </a:rPr>
+              <a:t>나</a:t>
+            </a:r>
+            <a:r>
+              <a:rPr lang="en-US" altLang="ko-KR" dirty="0">
+                <a:latin typeface="카페24 쑥쑥" pitchFamily="2" charset="-127"/>
+                <a:ea typeface="카페24 쑥쑥" pitchFamily="2" charset="-127"/>
+              </a:rPr>
+              <a:t>? </a:t>
+            </a:r>
+            <a:r>
+              <a:rPr lang="ko-KR" altLang="en-US" dirty="0">
+                <a:latin typeface="카페24 쑥쑥" pitchFamily="2" charset="-127"/>
+                <a:ea typeface="카페24 쑥쑥" pitchFamily="2" charset="-127"/>
+              </a:rPr>
+              <a:t>나는 제안분포</a:t>
+            </a:r>
+            <a:r>
+              <a:rPr lang="en-US" altLang="ko-KR" dirty="0">
+                <a:latin typeface="카페24 쑥쑥" pitchFamily="2" charset="-127"/>
+                <a:ea typeface="카페24 쑥쑥" pitchFamily="2" charset="-127"/>
+              </a:rPr>
+              <a:t>!</a:t>
+            </a:r>
+            <a:endParaRPr lang="ko-KR" altLang="en-US" dirty="0">
+              <a:latin typeface="카페24 쑥쑥" pitchFamily="2" charset="-127"/>
+              <a:ea typeface="카페24 쑥쑥" pitchFamily="2" charset="-127"/>
+            </a:endParaRPr>
+          </a:p>
+        </p:txBody>
+      </p:sp>
+    </p:spTree>
+    <p:extLst>
+      <p:ext uri="{BB962C8B-B14F-4D97-AF65-F5344CB8AC3E}">
+        <p14:creationId xmlns:p14="http://schemas.microsoft.com/office/powerpoint/2010/main" val="213949354"/>
+      </p:ext>
+    </p:extLst>
+  </p:cSld>
+  <p:clrMapOvr>
+    <a:masterClrMapping/>
+  </p:clrMapOvr>
+</p:sld>
+</file>
+
+<file path=ppt/slides/slide7.xml><?xml version="1.0" encoding="utf-8"?>
+<p:sld xmlns:a="http://schemas.openxmlformats.org/drawingml/2006/main" xmlns:r="http://schemas.openxmlformats.org/officeDocument/2006/relationships" xmlns:p="http://schemas.openxmlformats.org/presentationml/2006/main">
+  <p:cSld>
+    <p:spTree>
+      <p:nvGrpSpPr>
+        <p:cNvPr id="1" name=""/>
+        <p:cNvGrpSpPr/>
+        <p:nvPr/>
+      </p:nvGrpSpPr>
+      <p:grpSpPr>
+        <a:xfrm>
+          <a:off x="0" y="0"/>
+          <a:ext cx="0" cy="0"/>
+          <a:chOff x="0" y="0"/>
+          <a:chExt cx="0" cy="0"/>
+        </a:xfrm>
+      </p:grpSpPr>
+      <p:pic>
+        <p:nvPicPr>
+          <p:cNvPr id="7" name="그림 6">
+            <a:extLst>
+              <a:ext uri="{FF2B5EF4-FFF2-40B4-BE49-F238E27FC236}">
+                <a16:creationId xmlns:a16="http://schemas.microsoft.com/office/drawing/2014/main" id="{12A30D80-B010-407C-8B36-1A268D385644}"/>
+              </a:ext>
+            </a:extLst>
+          </p:cNvPr>
+          <p:cNvPicPr>
+            <a:picLocks noChangeAspect="1"/>
+          </p:cNvPicPr>
+          <p:nvPr/>
+        </p:nvPicPr>
+        <p:blipFill>
+          <a:blip r:embed="rId2"/>
+          <a:stretch>
+            <a:fillRect/>
+          </a:stretch>
+        </p:blipFill>
+        <p:spPr>
+          <a:xfrm>
+            <a:off x="1280184" y="688157"/>
+            <a:ext cx="9631632" cy="5481686"/>
+          </a:xfrm>
+          <a:prstGeom prst="rect">
+            <a:avLst/>
+          </a:prstGeom>
+        </p:spPr>
+      </p:pic>
+      <mc:AlternateContent xmlns:mc="http://schemas.openxmlformats.org/markup-compatibility/2006">
+        <mc:Choice xmlns:a14="http://schemas.microsoft.com/office/drawing/2010/main" Requires="a14">
+          <p:sp>
+            <p:nvSpPr>
+              <p:cNvPr id="5" name="TextBox 4">
+                <a:extLst>
+                  <a:ext uri="{FF2B5EF4-FFF2-40B4-BE49-F238E27FC236}">
+                    <a16:creationId xmlns:a16="http://schemas.microsoft.com/office/drawing/2014/main" id="{655D8B22-3EE2-4BA9-B650-601BB726175A}"/>
+                  </a:ext>
+                </a:extLst>
+              </p:cNvPr>
+              <p:cNvSpPr txBox="1"/>
+              <p:nvPr/>
+            </p:nvSpPr>
+            <p:spPr>
+              <a:xfrm>
+                <a:off x="2545233" y="2450968"/>
+                <a:ext cx="3698000" cy="400110"/>
+              </a:xfrm>
+              <a:prstGeom prst="rect">
+                <a:avLst/>
+              </a:prstGeom>
+              <a:noFill/>
+            </p:spPr>
+            <p:txBody>
+              <a:bodyPr wrap="none" rtlCol="0">
+                <a:spAutoFit/>
+              </a:bodyPr>
+              <a:lstStyle/>
+              <a:p>
+                <a14:m>
+                  <m:oMath xmlns:m="http://schemas.openxmlformats.org/officeDocument/2006/math">
+                    <m:r>
+                      <a:rPr lang="en-US" altLang="ko-KR" sz="2000" b="1" i="1" smtClean="0">
+                        <a:solidFill>
+                          <a:srgbClr val="D95319"/>
+                        </a:solidFill>
+                        <a:latin typeface="Cambria Math" panose="02040503050406030204" pitchFamily="18" charset="0"/>
+                      </a:rPr>
+                      <m:t>𝝁</m:t>
+                    </m:r>
+                    <m:r>
+                      <a:rPr lang="en-US" altLang="ko-KR" sz="2000" b="1" i="1" smtClean="0">
+                        <a:solidFill>
+                          <a:srgbClr val="D95319"/>
+                        </a:solidFill>
+                        <a:latin typeface="Cambria Math" panose="02040503050406030204" pitchFamily="18" charset="0"/>
+                      </a:rPr>
+                      <m:t>=</m:t>
+                    </m:r>
+                    <m:sSub>
+                      <m:sSubPr>
+                        <m:ctrlPr>
+                          <a:rPr lang="en-US" altLang="ko-KR" sz="2000" b="1" i="1" smtClean="0">
+                            <a:solidFill>
+                              <a:srgbClr val="D95319"/>
+                            </a:solidFill>
+                            <a:latin typeface="Cambria Math" panose="02040503050406030204" pitchFamily="18" charset="0"/>
+                          </a:rPr>
+                        </m:ctrlPr>
+                      </m:sSubPr>
+                      <m:e>
+                        <m:r>
+                          <a:rPr lang="en-US" altLang="ko-KR" sz="2000" b="1" i="1" smtClean="0">
+                            <a:solidFill>
+                              <a:srgbClr val="D95319"/>
+                            </a:solidFill>
+                            <a:latin typeface="Cambria Math" panose="02040503050406030204" pitchFamily="18" charset="0"/>
+                          </a:rPr>
+                          <m:t>𝝁</m:t>
+                        </m:r>
+                      </m:e>
+                      <m:sub>
+                        <m:r>
+                          <a:rPr lang="en-US" altLang="ko-KR" sz="2000" b="1" i="1" smtClean="0">
+                            <a:solidFill>
+                              <a:srgbClr val="D95319"/>
+                            </a:solidFill>
+                            <a:latin typeface="Cambria Math" panose="02040503050406030204" pitchFamily="18" charset="0"/>
+                          </a:rPr>
+                          <m:t>𝒐𝒍𝒅</m:t>
+                        </m:r>
+                      </m:sub>
+                    </m:sSub>
+                  </m:oMath>
+                </a14:m>
+                <a:r>
+                  <a:rPr lang="ko-KR" altLang="en-US" sz="2000" b="1" dirty="0">
+                    <a:solidFill>
+                      <a:srgbClr val="D95319"/>
+                    </a:solidFill>
+                  </a:rPr>
+                  <a:t>인 경우의 </a:t>
+                </a:r>
+                <a:r>
+                  <a:rPr lang="en-US" altLang="ko-KR" sz="2000" b="1" dirty="0">
+                    <a:solidFill>
+                      <a:srgbClr val="D95319"/>
+                    </a:solidFill>
+                  </a:rPr>
+                  <a:t>target </a:t>
+                </a:r>
+                <a:r>
+                  <a:rPr lang="ko-KR" altLang="en-US" sz="2000" b="1" dirty="0">
+                    <a:solidFill>
+                      <a:srgbClr val="D95319"/>
+                    </a:solidFill>
+                  </a:rPr>
+                  <a:t>분포</a:t>
+                </a:r>
+              </a:p>
+            </p:txBody>
+          </p:sp>
+        </mc:Choice>
+        <mc:Fallback>
+          <p:sp>
+            <p:nvSpPr>
+              <p:cNvPr id="5" name="TextBox 4">
+                <a:extLst>
+                  <a:ext uri="{FF2B5EF4-FFF2-40B4-BE49-F238E27FC236}">
+                    <a16:creationId xmlns:a16="http://schemas.microsoft.com/office/drawing/2014/main" id="{655D8B22-3EE2-4BA9-B650-601BB726175A}"/>
+                  </a:ext>
+                </a:extLst>
+              </p:cNvPr>
+              <p:cNvSpPr txBox="1">
+                <a:spLocks noRot="1" noChangeAspect="1" noMove="1" noResize="1" noEditPoints="1" noAdjustHandles="1" noChangeArrowheads="1" noChangeShapeType="1" noTextEdit="1"/>
+              </p:cNvSpPr>
+              <p:nvPr/>
+            </p:nvSpPr>
+            <p:spPr>
+              <a:xfrm>
+                <a:off x="2545233" y="2450968"/>
+                <a:ext cx="3698000" cy="400110"/>
+              </a:xfrm>
+              <a:prstGeom prst="rect">
+                <a:avLst/>
+              </a:prstGeom>
+              <a:blipFill>
+                <a:blip r:embed="rId3"/>
+                <a:stretch>
+                  <a:fillRect t="-7576" r="-825" b="-25758"/>
+                </a:stretch>
+              </a:blipFill>
+            </p:spPr>
+            <p:txBody>
+              <a:bodyPr/>
+              <a:lstStyle/>
+              <a:p>
+                <a:r>
+                  <a:rPr lang="ko-KR" altLang="en-US">
+                    <a:noFill/>
+                  </a:rPr>
+                  <a:t> </a:t>
+                </a:r>
+              </a:p>
+            </p:txBody>
+          </p:sp>
+        </mc:Fallback>
+      </mc:AlternateContent>
+      <mc:AlternateContent xmlns:mc="http://schemas.openxmlformats.org/markup-compatibility/2006">
+        <mc:Choice xmlns:a14="http://schemas.microsoft.com/office/drawing/2010/main" Requires="a14">
+          <p:sp>
+            <p:nvSpPr>
+              <p:cNvPr id="6" name="TextBox 5">
+                <a:extLst>
+                  <a:ext uri="{FF2B5EF4-FFF2-40B4-BE49-F238E27FC236}">
+                    <a16:creationId xmlns:a16="http://schemas.microsoft.com/office/drawing/2014/main" id="{460A3BB2-5654-4421-9CB8-AEEF16F65603}"/>
+                  </a:ext>
+                </a:extLst>
+              </p:cNvPr>
+              <p:cNvSpPr txBox="1"/>
+              <p:nvPr/>
+            </p:nvSpPr>
+            <p:spPr>
+              <a:xfrm>
+                <a:off x="6243233" y="2488674"/>
+                <a:ext cx="3773341" cy="400110"/>
+              </a:xfrm>
+              <a:prstGeom prst="rect">
+                <a:avLst/>
+              </a:prstGeom>
+              <a:noFill/>
+            </p:spPr>
+            <p:txBody>
+              <a:bodyPr wrap="none" rtlCol="0">
+                <a:spAutoFit/>
+              </a:bodyPr>
+              <a:lstStyle/>
+              <a:p>
+                <a14:m>
+                  <m:oMath xmlns:m="http://schemas.openxmlformats.org/officeDocument/2006/math">
+                    <m:r>
+                      <a:rPr lang="en-US" altLang="ko-KR" sz="2000" b="1" i="1" smtClean="0">
+                        <a:solidFill>
+                          <a:srgbClr val="0072BD"/>
+                        </a:solidFill>
+                        <a:latin typeface="Cambria Math" panose="02040503050406030204" pitchFamily="18" charset="0"/>
+                      </a:rPr>
+                      <m:t>𝝁</m:t>
+                    </m:r>
+                    <m:r>
+                      <a:rPr lang="en-US" altLang="ko-KR" sz="2000" b="1" i="1" smtClean="0">
+                        <a:solidFill>
+                          <a:srgbClr val="0072BD"/>
+                        </a:solidFill>
+                        <a:latin typeface="Cambria Math" panose="02040503050406030204" pitchFamily="18" charset="0"/>
+                      </a:rPr>
+                      <m:t>=</m:t>
+                    </m:r>
+                    <m:sSub>
+                      <m:sSubPr>
+                        <m:ctrlPr>
+                          <a:rPr lang="en-US" altLang="ko-KR" sz="2000" b="1" i="1" smtClean="0">
+                            <a:solidFill>
+                              <a:srgbClr val="0072BD"/>
+                            </a:solidFill>
+                            <a:latin typeface="Cambria Math" panose="02040503050406030204" pitchFamily="18" charset="0"/>
+                          </a:rPr>
+                        </m:ctrlPr>
+                      </m:sSubPr>
+                      <m:e>
+                        <m:r>
+                          <a:rPr lang="en-US" altLang="ko-KR" sz="2000" b="1" i="1" smtClean="0">
+                            <a:solidFill>
+                              <a:srgbClr val="0072BD"/>
+                            </a:solidFill>
+                            <a:latin typeface="Cambria Math" panose="02040503050406030204" pitchFamily="18" charset="0"/>
+                          </a:rPr>
+                          <m:t>𝝁</m:t>
+                        </m:r>
+                      </m:e>
+                      <m:sub>
+                        <m:r>
+                          <a:rPr lang="en-US" altLang="ko-KR" sz="2000" b="1" i="1" smtClean="0">
+                            <a:solidFill>
+                              <a:srgbClr val="0072BD"/>
+                            </a:solidFill>
+                            <a:latin typeface="Cambria Math" panose="02040503050406030204" pitchFamily="18" charset="0"/>
+                          </a:rPr>
+                          <m:t>𝒏𝒆𝒘</m:t>
+                        </m:r>
+                      </m:sub>
+                    </m:sSub>
+                  </m:oMath>
+                </a14:m>
+                <a:r>
+                  <a:rPr lang="ko-KR" altLang="en-US" sz="2000" b="1" dirty="0">
+                    <a:solidFill>
+                      <a:srgbClr val="0072BD"/>
+                    </a:solidFill>
+                  </a:rPr>
+                  <a:t>인 경우의 </a:t>
+                </a:r>
+                <a:r>
+                  <a:rPr lang="en-US" altLang="ko-KR" sz="2000" b="1" dirty="0">
+                    <a:solidFill>
+                      <a:srgbClr val="0072BD"/>
+                    </a:solidFill>
+                  </a:rPr>
+                  <a:t>target </a:t>
+                </a:r>
+                <a:r>
+                  <a:rPr lang="ko-KR" altLang="en-US" sz="2000" b="1" dirty="0">
+                    <a:solidFill>
+                      <a:srgbClr val="0072BD"/>
+                    </a:solidFill>
+                  </a:rPr>
+                  <a:t>분포</a:t>
+                </a:r>
+              </a:p>
+            </p:txBody>
+          </p:sp>
+        </mc:Choice>
+        <mc:Fallback>
+          <p:sp>
+            <p:nvSpPr>
+              <p:cNvPr id="6" name="TextBox 5">
+                <a:extLst>
+                  <a:ext uri="{FF2B5EF4-FFF2-40B4-BE49-F238E27FC236}">
+                    <a16:creationId xmlns:a16="http://schemas.microsoft.com/office/drawing/2014/main" id="{460A3BB2-5654-4421-9CB8-AEEF16F65603}"/>
+                  </a:ext>
+                </a:extLst>
+              </p:cNvPr>
+              <p:cNvSpPr txBox="1">
+                <a:spLocks noRot="1" noChangeAspect="1" noMove="1" noResize="1" noEditPoints="1" noAdjustHandles="1" noChangeArrowheads="1" noChangeShapeType="1" noTextEdit="1"/>
+              </p:cNvSpPr>
+              <p:nvPr/>
+            </p:nvSpPr>
+            <p:spPr>
+              <a:xfrm>
+                <a:off x="6243233" y="2488674"/>
+                <a:ext cx="3773341" cy="400110"/>
+              </a:xfrm>
+              <a:prstGeom prst="rect">
+                <a:avLst/>
+              </a:prstGeom>
+              <a:blipFill>
+                <a:blip r:embed="rId4"/>
+                <a:stretch>
+                  <a:fillRect t="-7576" r="-969" b="-25758"/>
+                </a:stretch>
+              </a:blipFill>
+            </p:spPr>
+            <p:txBody>
+              <a:bodyPr/>
+              <a:lstStyle/>
+              <a:p>
+                <a:r>
+                  <a:rPr lang="ko-KR" altLang="en-US">
+                    <a:noFill/>
+                  </a:rPr>
+                  <a:t> </a:t>
+                </a:r>
+              </a:p>
+            </p:txBody>
+          </p:sp>
+        </mc:Fallback>
+      </mc:AlternateContent>
+      <p:sp>
+        <p:nvSpPr>
+          <p:cNvPr id="8" name="화살표: 아래로 구부러짐 7">
+            <a:extLst>
+              <a:ext uri="{FF2B5EF4-FFF2-40B4-BE49-F238E27FC236}">
+                <a16:creationId xmlns:a16="http://schemas.microsoft.com/office/drawing/2014/main" id="{21B49D5C-C798-4CC3-91AC-E0A1C099B5F1}"/>
+              </a:ext>
+            </a:extLst>
+          </p:cNvPr>
+          <p:cNvSpPr/>
+          <p:nvPr/>
+        </p:nvSpPr>
+        <p:spPr>
+          <a:xfrm>
+            <a:off x="4751108" y="1681742"/>
+            <a:ext cx="2516957" cy="731520"/>
+          </a:xfrm>
+          <a:prstGeom prst="curvedDownArrow">
+            <a:avLst/>
+          </a:prstGeom>
+          <a:solidFill>
+            <a:schemeClr val="accent4"/>
+          </a:solidFill>
+        </p:spPr>
+        <p:style>
+          <a:lnRef idx="2">
+            <a:schemeClr val="accent1">
+              <a:shade val="50000"/>
+            </a:schemeClr>
+          </a:lnRef>
+          <a:fillRef idx="1">
+            <a:schemeClr val="accent1"/>
+          </a:fillRef>
+          <a:effectRef idx="0">
+            <a:schemeClr val="accent1"/>
+          </a:effectRef>
+          <a:fontRef idx="minor">
+            <a:schemeClr val="lt1"/>
+          </a:fontRef>
+        </p:style>
+        <p:txBody>
+          <a:bodyPr rtlCol="0" anchor="ctr"/>
+          <a:lstStyle/>
+          <a:p>
+            <a:pPr algn="ctr"/>
+            <a:endParaRPr lang="ko-KR" altLang="en-US">
+              <a:solidFill>
+                <a:schemeClr val="tx1"/>
+              </a:solidFill>
+            </a:endParaRPr>
+          </a:p>
+        </p:txBody>
+      </p:sp>
+      <p:sp>
+        <p:nvSpPr>
+          <p:cNvPr id="9" name="TextBox 8">
+            <a:extLst>
+              <a:ext uri="{FF2B5EF4-FFF2-40B4-BE49-F238E27FC236}">
+                <a16:creationId xmlns:a16="http://schemas.microsoft.com/office/drawing/2014/main" id="{4AD6A921-4349-46C5-8DCC-7C6E56512F61}"/>
+              </a:ext>
+            </a:extLst>
+          </p:cNvPr>
+          <p:cNvSpPr txBox="1"/>
+          <p:nvPr/>
+        </p:nvSpPr>
+        <p:spPr>
+          <a:xfrm>
+            <a:off x="4893222" y="1265375"/>
+            <a:ext cx="2232727" cy="369332"/>
+          </a:xfrm>
+          <a:prstGeom prst="rect">
+            <a:avLst/>
+          </a:prstGeom>
+          <a:noFill/>
+        </p:spPr>
+        <p:txBody>
+          <a:bodyPr wrap="none" rtlCol="0">
+            <a:spAutoFit/>
+          </a:bodyPr>
+          <a:lstStyle/>
+          <a:p>
+            <a:r>
+              <a:rPr lang="en-US" altLang="ko-KR" dirty="0">
+                <a:latin typeface="Tium" panose="02000800000000000000" pitchFamily="2" charset="0"/>
+              </a:rPr>
+              <a:t>Accept ? Or Reject?</a:t>
+            </a:r>
+            <a:endParaRPr lang="ko-KR" altLang="en-US" dirty="0">
+              <a:latin typeface="Tium" panose="02000800000000000000" pitchFamily="2" charset="0"/>
+            </a:endParaRPr>
+          </a:p>
+        </p:txBody>
+      </p:sp>
+    </p:spTree>
+    <p:extLst>
+      <p:ext uri="{BB962C8B-B14F-4D97-AF65-F5344CB8AC3E}">
+        <p14:creationId xmlns:p14="http://schemas.microsoft.com/office/powerpoint/2010/main" val="3658946405"/>
+      </p:ext>
+    </p:extLst>
+  </p:cSld>
+  <p:clrMapOvr>
+    <a:masterClrMapping/>
+  </p:clrMapOvr>
+</p:sld>
+</file>
+
+<file path=ppt/slides/slide8.xml><?xml version="1.0" encoding="utf-8"?>
+<p:sld xmlns:a="http://schemas.openxmlformats.org/drawingml/2006/main" xmlns:r="http://schemas.openxmlformats.org/officeDocument/2006/relationships" xmlns:p="http://schemas.openxmlformats.org/presentationml/2006/main">
+  <p:cSld>
+    <p:spTree>
+      <p:nvGrpSpPr>
+        <p:cNvPr id="1" name=""/>
+        <p:cNvGrpSpPr/>
+        <p:nvPr/>
+      </p:nvGrpSpPr>
+      <p:grpSpPr>
+        <a:xfrm>
+          <a:off x="0" y="0"/>
+          <a:ext cx="0" cy="0"/>
+          <a:chOff x="0" y="0"/>
+          <a:chExt cx="0" cy="0"/>
+        </a:xfrm>
+      </p:grpSpPr>
+      <p:grpSp>
+        <p:nvGrpSpPr>
+          <p:cNvPr id="9" name="그룹 8">
+            <a:extLst>
+              <a:ext uri="{FF2B5EF4-FFF2-40B4-BE49-F238E27FC236}">
+                <a16:creationId xmlns:a16="http://schemas.microsoft.com/office/drawing/2014/main" id="{E2F8DDAA-489A-453A-B6FE-6BE581E5607A}"/>
+              </a:ext>
+            </a:extLst>
+          </p:cNvPr>
+          <p:cNvGrpSpPr/>
+          <p:nvPr/>
+        </p:nvGrpSpPr>
+        <p:grpSpPr>
+          <a:xfrm>
+            <a:off x="1715540" y="793054"/>
+            <a:ext cx="8760920" cy="5271892"/>
+            <a:chOff x="2567233" y="793054"/>
+            <a:chExt cx="8760920" cy="5271892"/>
+          </a:xfrm>
+        </p:grpSpPr>
+        <p:pic>
+          <p:nvPicPr>
+            <p:cNvPr id="4" name="그림 3">
+              <a:extLst>
+                <a:ext uri="{FF2B5EF4-FFF2-40B4-BE49-F238E27FC236}">
+                  <a16:creationId xmlns:a16="http://schemas.microsoft.com/office/drawing/2014/main" id="{67F62826-154B-4B49-889B-05340CC4532E}"/>
+                </a:ext>
+              </a:extLst>
+            </p:cNvPr>
+            <p:cNvPicPr>
+              <a:picLocks noChangeAspect="1"/>
+            </p:cNvPicPr>
+            <p:nvPr/>
+          </p:nvPicPr>
+          <p:blipFill>
+            <a:blip r:embed="rId2"/>
+            <a:stretch>
+              <a:fillRect/>
+            </a:stretch>
+          </p:blipFill>
+          <p:spPr>
+            <a:xfrm>
+              <a:off x="2567233" y="793054"/>
+              <a:ext cx="7057534" cy="5271892"/>
+            </a:xfrm>
+            <a:prstGeom prst="rect">
+              <a:avLst/>
+            </a:prstGeom>
+          </p:spPr>
+        </p:pic>
+        <p:cxnSp>
+          <p:nvCxnSpPr>
+            <p:cNvPr id="6" name="직선 화살표 연결선 5">
+              <a:extLst>
+                <a:ext uri="{FF2B5EF4-FFF2-40B4-BE49-F238E27FC236}">
+                  <a16:creationId xmlns:a16="http://schemas.microsoft.com/office/drawing/2014/main" id="{33AC5D38-18D9-4223-89E9-4F2E7AEA104F}"/>
+                </a:ext>
+              </a:extLst>
+            </p:cNvPr>
+            <p:cNvCxnSpPr>
+              <a:cxnSpLocks/>
+            </p:cNvCxnSpPr>
+            <p:nvPr/>
+          </p:nvCxnSpPr>
+          <p:spPr>
+            <a:xfrm flipH="1">
+              <a:off x="9030879" y="1621410"/>
+              <a:ext cx="716436" cy="0"/>
+            </a:xfrm>
+            <a:prstGeom prst="straightConnector1">
+              <a:avLst/>
+            </a:prstGeom>
+            <a:ln w="38100">
+              <a:solidFill>
+                <a:schemeClr val="tx1"/>
+              </a:solidFill>
+              <a:tailEnd type="triangle"/>
+            </a:ln>
+          </p:spPr>
+          <p:style>
+            <a:lnRef idx="1">
+              <a:schemeClr val="accent1"/>
+            </a:lnRef>
+            <a:fillRef idx="0">
+              <a:schemeClr val="accent1"/>
+            </a:fillRef>
+            <a:effectRef idx="0">
+              <a:schemeClr val="accent1"/>
+            </a:effectRef>
+            <a:fontRef idx="minor">
+              <a:schemeClr val="tx1"/>
+            </a:fontRef>
+          </p:style>
+        </p:cxnSp>
+        <p:sp>
+          <p:nvSpPr>
+            <p:cNvPr id="7" name="TextBox 6">
+              <a:extLst>
+                <a:ext uri="{FF2B5EF4-FFF2-40B4-BE49-F238E27FC236}">
+                  <a16:creationId xmlns:a16="http://schemas.microsoft.com/office/drawing/2014/main" id="{8687E63A-6F20-452C-A0F6-CF565DB8A3C2}"/>
+                </a:ext>
+              </a:extLst>
+            </p:cNvPr>
+            <p:cNvSpPr txBox="1"/>
+            <p:nvPr/>
+          </p:nvSpPr>
+          <p:spPr>
+            <a:xfrm>
+              <a:off x="9907571" y="1436744"/>
+              <a:ext cx="1420582" cy="369332"/>
+            </a:xfrm>
+            <a:prstGeom prst="rect">
+              <a:avLst/>
+            </a:prstGeom>
+            <a:noFill/>
+            <a:ln w="38100">
+              <a:solidFill>
+                <a:schemeClr val="tx1"/>
+              </a:solidFill>
+            </a:ln>
+          </p:spPr>
+          <p:txBody>
+            <a:bodyPr wrap="none" rtlCol="0">
+              <a:spAutoFit/>
+            </a:bodyPr>
+            <a:lstStyle/>
+            <a:p>
+              <a:r>
+                <a:rPr lang="ko-KR" altLang="en-US"/>
+                <a:t>실제 </a:t>
+              </a:r>
+              <a:r>
+                <a:rPr lang="ko-KR" altLang="en-US" dirty="0"/>
+                <a:t>모</a:t>
+              </a:r>
+              <a:r>
+                <a:rPr lang="ko-KR" altLang="en-US"/>
+                <a:t>평균</a:t>
+              </a:r>
+              <a:endParaRPr lang="ko-KR" altLang="en-US" dirty="0"/>
+            </a:p>
+          </p:txBody>
+        </p:sp>
+      </p:grpSp>
+    </p:spTree>
+    <p:extLst>
+      <p:ext uri="{BB962C8B-B14F-4D97-AF65-F5344CB8AC3E}">
+        <p14:creationId xmlns:p14="http://schemas.microsoft.com/office/powerpoint/2010/main" val="3982488976"/>
+      </p:ext>
+    </p:extLst>
+  </p:cSld>
+  <p:clrMapOvr>
+    <a:masterClrMapping/>
+  </p:clrMapOvr>
+</p:sld>
+</file>
+
 <file path=ppt/theme/theme1.xml><?xml version="1.0" encoding="utf-8"?>
 <a:theme xmlns:a="http://schemas.openxmlformats.org/drawingml/2006/main" name="Office 테마">
   <a:themeElements>

--- a/pics/2020-09-17-MCMC/pics.pptx
+++ b/pics/2020-09-17-MCMC/pics.pptx
@@ -13,6 +13,8 @@
     <p:sldId id="262" r:id="rId7"/>
     <p:sldId id="261" r:id="rId8"/>
     <p:sldId id="263" r:id="rId9"/>
+    <p:sldId id="264" r:id="rId10"/>
+    <p:sldId id="265" r:id="rId11"/>
   </p:sldIdLst>
   <p:sldSz cx="12192000" cy="6858000"/>
   <p:notesSz cx="6858000" cy="9144000"/>
@@ -3537,6 +3539,66 @@
     <p:extLst>
       <p:ext uri="{BB962C8B-B14F-4D97-AF65-F5344CB8AC3E}">
         <p14:creationId xmlns:p14="http://schemas.microsoft.com/office/powerpoint/2010/main" val="290582771"/>
+      </p:ext>
+    </p:extLst>
+  </p:cSld>
+  <p:clrMapOvr>
+    <a:masterClrMapping/>
+  </p:clrMapOvr>
+</p:sld>
+</file>
+
+<file path=ppt/slides/slide10.xml><?xml version="1.0" encoding="utf-8"?>
+<p:sld xmlns:a="http://schemas.openxmlformats.org/drawingml/2006/main" xmlns:r="http://schemas.openxmlformats.org/officeDocument/2006/relationships" xmlns:p="http://schemas.openxmlformats.org/presentationml/2006/main">
+  <p:cSld>
+    <p:spTree>
+      <p:nvGrpSpPr>
+        <p:cNvPr id="1" name=""/>
+        <p:cNvGrpSpPr/>
+        <p:nvPr/>
+      </p:nvGrpSpPr>
+      <p:grpSpPr>
+        <a:xfrm>
+          <a:off x="0" y="0"/>
+          <a:ext cx="0" cy="0"/>
+          <a:chOff x="0" y="0"/>
+          <a:chExt cx="0" cy="0"/>
+        </a:xfrm>
+      </p:grpSpPr>
+      <p:pic>
+        <p:nvPicPr>
+          <p:cNvPr id="5" name="그림 4">
+            <a:extLst>
+              <a:ext uri="{FF2B5EF4-FFF2-40B4-BE49-F238E27FC236}">
+                <a16:creationId xmlns:a16="http://schemas.microsoft.com/office/drawing/2014/main" id="{D37F6C9B-FF12-4C03-8456-728C56E09623}"/>
+              </a:ext>
+            </a:extLst>
+          </p:cNvPr>
+          <p:cNvPicPr>
+            <a:picLocks noChangeAspect="1"/>
+          </p:cNvPicPr>
+          <p:nvPr/>
+        </p:nvPicPr>
+        <p:blipFill>
+          <a:blip r:embed="rId2"/>
+          <a:stretch>
+            <a:fillRect/>
+          </a:stretch>
+        </p:blipFill>
+        <p:spPr>
+          <a:xfrm>
+            <a:off x="2553003" y="782425"/>
+            <a:ext cx="7085994" cy="5293150"/>
+          </a:xfrm>
+          <a:prstGeom prst="rect">
+            <a:avLst/>
+          </a:prstGeom>
+        </p:spPr>
+      </p:pic>
+    </p:spTree>
+    <p:extLst>
+      <p:ext uri="{BB962C8B-B14F-4D97-AF65-F5344CB8AC3E}">
+        <p14:creationId xmlns:p14="http://schemas.microsoft.com/office/powerpoint/2010/main" val="2666049158"/>
       </p:ext>
     </p:extLst>
   </p:cSld>
@@ -5576,6 +5638,66 @@
 </p:sld>
 </file>
 
+<file path=ppt/slides/slide9.xml><?xml version="1.0" encoding="utf-8"?>
+<p:sld xmlns:a="http://schemas.openxmlformats.org/drawingml/2006/main" xmlns:r="http://schemas.openxmlformats.org/officeDocument/2006/relationships" xmlns:p="http://schemas.openxmlformats.org/presentationml/2006/main">
+  <p:cSld>
+    <p:spTree>
+      <p:nvGrpSpPr>
+        <p:cNvPr id="1" name=""/>
+        <p:cNvGrpSpPr/>
+        <p:nvPr/>
+      </p:nvGrpSpPr>
+      <p:grpSpPr>
+        <a:xfrm>
+          <a:off x="0" y="0"/>
+          <a:ext cx="0" cy="0"/>
+          <a:chOff x="0" y="0"/>
+          <a:chExt cx="0" cy="0"/>
+        </a:xfrm>
+      </p:grpSpPr>
+      <p:pic>
+        <p:nvPicPr>
+          <p:cNvPr id="5" name="그림 4">
+            <a:extLst>
+              <a:ext uri="{FF2B5EF4-FFF2-40B4-BE49-F238E27FC236}">
+                <a16:creationId xmlns:a16="http://schemas.microsoft.com/office/drawing/2014/main" id="{F1847BCF-5BD1-475F-918B-B6DCCE5C7633}"/>
+              </a:ext>
+            </a:extLst>
+          </p:cNvPr>
+          <p:cNvPicPr>
+            <a:picLocks noChangeAspect="1"/>
+          </p:cNvPicPr>
+          <p:nvPr/>
+        </p:nvPicPr>
+        <p:blipFill>
+          <a:blip r:embed="rId2"/>
+          <a:stretch>
+            <a:fillRect/>
+          </a:stretch>
+        </p:blipFill>
+        <p:spPr>
+          <a:xfrm>
+            <a:off x="2567232" y="793054"/>
+            <a:ext cx="7057536" cy="5271892"/>
+          </a:xfrm>
+          <a:prstGeom prst="rect">
+            <a:avLst/>
+          </a:prstGeom>
+        </p:spPr>
+      </p:pic>
+    </p:spTree>
+    <p:extLst>
+      <p:ext uri="{BB962C8B-B14F-4D97-AF65-F5344CB8AC3E}">
+        <p14:creationId xmlns:p14="http://schemas.microsoft.com/office/powerpoint/2010/main" val="332106384"/>
+      </p:ext>
+    </p:extLst>
+  </p:cSld>
+  <p:clrMapOvr>
+    <a:masterClrMapping/>
+  </p:clrMapOvr>
+</p:sld>
+</file>
+
 <file path=ppt/theme/theme1.xml><?xml version="1.0" encoding="utf-8"?>
 <a:theme xmlns:a="http://schemas.openxmlformats.org/drawingml/2006/main" name="Office 테마">
   <a:themeElements>

--- a/pics/2020-09-17-MCMC/pics.pptx
+++ b/pics/2020-09-17-MCMC/pics.pptx
@@ -8,13 +8,19 @@
     <p:sldId id="256" r:id="rId2"/>
     <p:sldId id="257" r:id="rId3"/>
     <p:sldId id="258" r:id="rId4"/>
-    <p:sldId id="259" r:id="rId5"/>
-    <p:sldId id="260" r:id="rId6"/>
-    <p:sldId id="262" r:id="rId7"/>
-    <p:sldId id="261" r:id="rId8"/>
-    <p:sldId id="263" r:id="rId9"/>
-    <p:sldId id="264" r:id="rId10"/>
-    <p:sldId id="265" r:id="rId11"/>
+    <p:sldId id="266" r:id="rId5"/>
+    <p:sldId id="259" r:id="rId6"/>
+    <p:sldId id="260" r:id="rId7"/>
+    <p:sldId id="267" r:id="rId8"/>
+    <p:sldId id="262" r:id="rId9"/>
+    <p:sldId id="268" r:id="rId10"/>
+    <p:sldId id="261" r:id="rId11"/>
+    <p:sldId id="269" r:id="rId12"/>
+    <p:sldId id="263" r:id="rId13"/>
+    <p:sldId id="270" r:id="rId14"/>
+    <p:sldId id="264" r:id="rId15"/>
+    <p:sldId id="265" r:id="rId16"/>
+    <p:sldId id="271" r:id="rId17"/>
   </p:sldIdLst>
   <p:sldSz cx="12192000" cy="6858000"/>
   <p:notesSz cx="6858000" cy="9144000"/>
@@ -268,7 +274,7 @@
           <a:p>
             <a:fld id="{5FFD4891-059D-4F08-8A94-92885868D870}" type="datetimeFigureOut">
               <a:rPr lang="ko-KR" altLang="en-US" smtClean="0"/>
-              <a:t>2020-09-19</a:t>
+              <a:t>2023-05-02</a:t>
             </a:fld>
             <a:endParaRPr lang="ko-KR" altLang="en-US"/>
           </a:p>
@@ -466,7 +472,7 @@
           <a:p>
             <a:fld id="{5FFD4891-059D-4F08-8A94-92885868D870}" type="datetimeFigureOut">
               <a:rPr lang="ko-KR" altLang="en-US" smtClean="0"/>
-              <a:t>2020-09-19</a:t>
+              <a:t>2023-05-02</a:t>
             </a:fld>
             <a:endParaRPr lang="ko-KR" altLang="en-US"/>
           </a:p>
@@ -674,7 +680,7 @@
           <a:p>
             <a:fld id="{5FFD4891-059D-4F08-8A94-92885868D870}" type="datetimeFigureOut">
               <a:rPr lang="ko-KR" altLang="en-US" smtClean="0"/>
-              <a:t>2020-09-19</a:t>
+              <a:t>2023-05-02</a:t>
             </a:fld>
             <a:endParaRPr lang="ko-KR" altLang="en-US"/>
           </a:p>
@@ -872,7 +878,7 @@
           <a:p>
             <a:fld id="{5FFD4891-059D-4F08-8A94-92885868D870}" type="datetimeFigureOut">
               <a:rPr lang="ko-KR" altLang="en-US" smtClean="0"/>
-              <a:t>2020-09-19</a:t>
+              <a:t>2023-05-02</a:t>
             </a:fld>
             <a:endParaRPr lang="ko-KR" altLang="en-US"/>
           </a:p>
@@ -1147,7 +1153,7 @@
           <a:p>
             <a:fld id="{5FFD4891-059D-4F08-8A94-92885868D870}" type="datetimeFigureOut">
               <a:rPr lang="ko-KR" altLang="en-US" smtClean="0"/>
-              <a:t>2020-09-19</a:t>
+              <a:t>2023-05-02</a:t>
             </a:fld>
             <a:endParaRPr lang="ko-KR" altLang="en-US"/>
           </a:p>
@@ -1412,7 +1418,7 @@
           <a:p>
             <a:fld id="{5FFD4891-059D-4F08-8A94-92885868D870}" type="datetimeFigureOut">
               <a:rPr lang="ko-KR" altLang="en-US" smtClean="0"/>
-              <a:t>2020-09-19</a:t>
+              <a:t>2023-05-02</a:t>
             </a:fld>
             <a:endParaRPr lang="ko-KR" altLang="en-US"/>
           </a:p>
@@ -1824,7 +1830,7 @@
           <a:p>
             <a:fld id="{5FFD4891-059D-4F08-8A94-92885868D870}" type="datetimeFigureOut">
               <a:rPr lang="ko-KR" altLang="en-US" smtClean="0"/>
-              <a:t>2020-09-19</a:t>
+              <a:t>2023-05-02</a:t>
             </a:fld>
             <a:endParaRPr lang="ko-KR" altLang="en-US"/>
           </a:p>
@@ -1965,7 +1971,7 @@
           <a:p>
             <a:fld id="{5FFD4891-059D-4F08-8A94-92885868D870}" type="datetimeFigureOut">
               <a:rPr lang="ko-KR" altLang="en-US" smtClean="0"/>
-              <a:t>2020-09-19</a:t>
+              <a:t>2023-05-02</a:t>
             </a:fld>
             <a:endParaRPr lang="ko-KR" altLang="en-US"/>
           </a:p>
@@ -2078,7 +2084,7 @@
           <a:p>
             <a:fld id="{5FFD4891-059D-4F08-8A94-92885868D870}" type="datetimeFigureOut">
               <a:rPr lang="ko-KR" altLang="en-US" smtClean="0"/>
-              <a:t>2020-09-19</a:t>
+              <a:t>2023-05-02</a:t>
             </a:fld>
             <a:endParaRPr lang="ko-KR" altLang="en-US"/>
           </a:p>
@@ -2389,7 +2395,7 @@
           <a:p>
             <a:fld id="{5FFD4891-059D-4F08-8A94-92885868D870}" type="datetimeFigureOut">
               <a:rPr lang="ko-KR" altLang="en-US" smtClean="0"/>
-              <a:t>2020-09-19</a:t>
+              <a:t>2023-05-02</a:t>
             </a:fld>
             <a:endParaRPr lang="ko-KR" altLang="en-US"/>
           </a:p>
@@ -2677,7 +2683,7 @@
           <a:p>
             <a:fld id="{5FFD4891-059D-4F08-8A94-92885868D870}" type="datetimeFigureOut">
               <a:rPr lang="ko-KR" altLang="en-US" smtClean="0"/>
-              <a:t>2020-09-19</a:t>
+              <a:t>2023-05-02</a:t>
             </a:fld>
             <a:endParaRPr lang="ko-KR" altLang="en-US"/>
           </a:p>
@@ -2918,7 +2924,7 @@
           <a:p>
             <a:fld id="{5FFD4891-059D-4F08-8A94-92885868D870}" type="datetimeFigureOut">
               <a:rPr lang="ko-KR" altLang="en-US" smtClean="0"/>
-              <a:t>2020-09-19</a:t>
+              <a:t>2023-05-02</a:t>
             </a:fld>
             <a:endParaRPr lang="ko-KR" altLang="en-US"/>
           </a:p>
@@ -3567,6 +3573,1326 @@
       </p:grpSpPr>
       <p:pic>
         <p:nvPicPr>
+          <p:cNvPr id="7" name="그림 6">
+            <a:extLst>
+              <a:ext uri="{FF2B5EF4-FFF2-40B4-BE49-F238E27FC236}">
+                <a16:creationId xmlns:a16="http://schemas.microsoft.com/office/drawing/2014/main" id="{12A30D80-B010-407C-8B36-1A268D385644}"/>
+              </a:ext>
+            </a:extLst>
+          </p:cNvPr>
+          <p:cNvPicPr>
+            <a:picLocks noChangeAspect="1"/>
+          </p:cNvPicPr>
+          <p:nvPr/>
+        </p:nvPicPr>
+        <p:blipFill>
+          <a:blip r:embed="rId2"/>
+          <a:stretch>
+            <a:fillRect/>
+          </a:stretch>
+        </p:blipFill>
+        <p:spPr>
+          <a:xfrm>
+            <a:off x="1280184" y="688157"/>
+            <a:ext cx="9631632" cy="5481686"/>
+          </a:xfrm>
+          <a:prstGeom prst="rect">
+            <a:avLst/>
+          </a:prstGeom>
+        </p:spPr>
+      </p:pic>
+      <mc:AlternateContent xmlns:mc="http://schemas.openxmlformats.org/markup-compatibility/2006" xmlns:a14="http://schemas.microsoft.com/office/drawing/2010/main">
+        <mc:Choice Requires="a14">
+          <p:sp>
+            <p:nvSpPr>
+              <p:cNvPr id="5" name="TextBox 4">
+                <a:extLst>
+                  <a:ext uri="{FF2B5EF4-FFF2-40B4-BE49-F238E27FC236}">
+                    <a16:creationId xmlns:a16="http://schemas.microsoft.com/office/drawing/2014/main" id="{655D8B22-3EE2-4BA9-B650-601BB726175A}"/>
+                  </a:ext>
+                </a:extLst>
+              </p:cNvPr>
+              <p:cNvSpPr txBox="1"/>
+              <p:nvPr/>
+            </p:nvSpPr>
+            <p:spPr>
+              <a:xfrm>
+                <a:off x="2545233" y="2450968"/>
+                <a:ext cx="3698000" cy="400110"/>
+              </a:xfrm>
+              <a:prstGeom prst="rect">
+                <a:avLst/>
+              </a:prstGeom>
+              <a:noFill/>
+            </p:spPr>
+            <p:txBody>
+              <a:bodyPr wrap="none" rtlCol="0">
+                <a:spAutoFit/>
+              </a:bodyPr>
+              <a:lstStyle/>
+              <a:p>
+                <a14:m>
+                  <m:oMath xmlns:m="http://schemas.openxmlformats.org/officeDocument/2006/math">
+                    <m:r>
+                      <a:rPr lang="en-US" altLang="ko-KR" sz="2000" b="1" i="1" smtClean="0">
+                        <a:solidFill>
+                          <a:srgbClr val="D95319"/>
+                        </a:solidFill>
+                        <a:latin typeface="Cambria Math" panose="02040503050406030204" pitchFamily="18" charset="0"/>
+                      </a:rPr>
+                      <m:t>𝝁</m:t>
+                    </m:r>
+                    <m:r>
+                      <a:rPr lang="en-US" altLang="ko-KR" sz="2000" b="1" i="1" smtClean="0">
+                        <a:solidFill>
+                          <a:srgbClr val="D95319"/>
+                        </a:solidFill>
+                        <a:latin typeface="Cambria Math" panose="02040503050406030204" pitchFamily="18" charset="0"/>
+                      </a:rPr>
+                      <m:t>=</m:t>
+                    </m:r>
+                    <m:sSub>
+                      <m:sSubPr>
+                        <m:ctrlPr>
+                          <a:rPr lang="en-US" altLang="ko-KR" sz="2000" b="1" i="1" smtClean="0">
+                            <a:solidFill>
+                              <a:srgbClr val="D95319"/>
+                            </a:solidFill>
+                            <a:latin typeface="Cambria Math" panose="02040503050406030204" pitchFamily="18" charset="0"/>
+                          </a:rPr>
+                        </m:ctrlPr>
+                      </m:sSubPr>
+                      <m:e>
+                        <m:r>
+                          <a:rPr lang="en-US" altLang="ko-KR" sz="2000" b="1" i="1" smtClean="0">
+                            <a:solidFill>
+                              <a:srgbClr val="D95319"/>
+                            </a:solidFill>
+                            <a:latin typeface="Cambria Math" panose="02040503050406030204" pitchFamily="18" charset="0"/>
+                          </a:rPr>
+                          <m:t>𝝁</m:t>
+                        </m:r>
+                      </m:e>
+                      <m:sub>
+                        <m:r>
+                          <a:rPr lang="en-US" altLang="ko-KR" sz="2000" b="1" i="1" smtClean="0">
+                            <a:solidFill>
+                              <a:srgbClr val="D95319"/>
+                            </a:solidFill>
+                            <a:latin typeface="Cambria Math" panose="02040503050406030204" pitchFamily="18" charset="0"/>
+                          </a:rPr>
+                          <m:t>𝒐𝒍𝒅</m:t>
+                        </m:r>
+                      </m:sub>
+                    </m:sSub>
+                  </m:oMath>
+                </a14:m>
+                <a:r>
+                  <a:rPr lang="ko-KR" altLang="en-US" sz="2000" b="1" dirty="0">
+                    <a:solidFill>
+                      <a:srgbClr val="D95319"/>
+                    </a:solidFill>
+                  </a:rPr>
+                  <a:t>인 경우의 </a:t>
+                </a:r>
+                <a:r>
+                  <a:rPr lang="en-US" altLang="ko-KR" sz="2000" b="1" dirty="0">
+                    <a:solidFill>
+                      <a:srgbClr val="D95319"/>
+                    </a:solidFill>
+                  </a:rPr>
+                  <a:t>target </a:t>
+                </a:r>
+                <a:r>
+                  <a:rPr lang="ko-KR" altLang="en-US" sz="2000" b="1" dirty="0">
+                    <a:solidFill>
+                      <a:srgbClr val="D95319"/>
+                    </a:solidFill>
+                  </a:rPr>
+                  <a:t>분포</a:t>
+                </a:r>
+              </a:p>
+            </p:txBody>
+          </p:sp>
+        </mc:Choice>
+        <mc:Fallback xmlns="">
+          <p:sp>
+            <p:nvSpPr>
+              <p:cNvPr id="5" name="TextBox 4">
+                <a:extLst>
+                  <a:ext uri="{FF2B5EF4-FFF2-40B4-BE49-F238E27FC236}">
+                    <a16:creationId xmlns:a16="http://schemas.microsoft.com/office/drawing/2014/main" id="{655D8B22-3EE2-4BA9-B650-601BB726175A}"/>
+                  </a:ext>
+                </a:extLst>
+              </p:cNvPr>
+              <p:cNvSpPr txBox="1">
+                <a:spLocks noRot="1" noChangeAspect="1" noMove="1" noResize="1" noEditPoints="1" noAdjustHandles="1" noChangeArrowheads="1" noChangeShapeType="1" noTextEdit="1"/>
+              </p:cNvSpPr>
+              <p:nvPr/>
+            </p:nvSpPr>
+            <p:spPr>
+              <a:xfrm>
+                <a:off x="2545233" y="2450968"/>
+                <a:ext cx="3698000" cy="400110"/>
+              </a:xfrm>
+              <a:prstGeom prst="rect">
+                <a:avLst/>
+              </a:prstGeom>
+              <a:blipFill>
+                <a:blip r:embed="rId3"/>
+                <a:stretch>
+                  <a:fillRect t="-7576" r="-825" b="-25758"/>
+                </a:stretch>
+              </a:blipFill>
+            </p:spPr>
+            <p:txBody>
+              <a:bodyPr/>
+              <a:lstStyle/>
+              <a:p>
+                <a:r>
+                  <a:rPr lang="ko-KR" altLang="en-US">
+                    <a:noFill/>
+                  </a:rPr>
+                  <a:t> </a:t>
+                </a:r>
+              </a:p>
+            </p:txBody>
+          </p:sp>
+        </mc:Fallback>
+      </mc:AlternateContent>
+      <mc:AlternateContent xmlns:mc="http://schemas.openxmlformats.org/markup-compatibility/2006" xmlns:a14="http://schemas.microsoft.com/office/drawing/2010/main">
+        <mc:Choice Requires="a14">
+          <p:sp>
+            <p:nvSpPr>
+              <p:cNvPr id="6" name="TextBox 5">
+                <a:extLst>
+                  <a:ext uri="{FF2B5EF4-FFF2-40B4-BE49-F238E27FC236}">
+                    <a16:creationId xmlns:a16="http://schemas.microsoft.com/office/drawing/2014/main" id="{460A3BB2-5654-4421-9CB8-AEEF16F65603}"/>
+                  </a:ext>
+                </a:extLst>
+              </p:cNvPr>
+              <p:cNvSpPr txBox="1"/>
+              <p:nvPr/>
+            </p:nvSpPr>
+            <p:spPr>
+              <a:xfrm>
+                <a:off x="6243233" y="2488674"/>
+                <a:ext cx="3773341" cy="400110"/>
+              </a:xfrm>
+              <a:prstGeom prst="rect">
+                <a:avLst/>
+              </a:prstGeom>
+              <a:noFill/>
+            </p:spPr>
+            <p:txBody>
+              <a:bodyPr wrap="none" rtlCol="0">
+                <a:spAutoFit/>
+              </a:bodyPr>
+              <a:lstStyle/>
+              <a:p>
+                <a14:m>
+                  <m:oMath xmlns:m="http://schemas.openxmlformats.org/officeDocument/2006/math">
+                    <m:r>
+                      <a:rPr lang="en-US" altLang="ko-KR" sz="2000" b="1" i="1" smtClean="0">
+                        <a:solidFill>
+                          <a:srgbClr val="0072BD"/>
+                        </a:solidFill>
+                        <a:latin typeface="Cambria Math" panose="02040503050406030204" pitchFamily="18" charset="0"/>
+                      </a:rPr>
+                      <m:t>𝝁</m:t>
+                    </m:r>
+                    <m:r>
+                      <a:rPr lang="en-US" altLang="ko-KR" sz="2000" b="1" i="1" smtClean="0">
+                        <a:solidFill>
+                          <a:srgbClr val="0072BD"/>
+                        </a:solidFill>
+                        <a:latin typeface="Cambria Math" panose="02040503050406030204" pitchFamily="18" charset="0"/>
+                      </a:rPr>
+                      <m:t>=</m:t>
+                    </m:r>
+                    <m:sSub>
+                      <m:sSubPr>
+                        <m:ctrlPr>
+                          <a:rPr lang="en-US" altLang="ko-KR" sz="2000" b="1" i="1" smtClean="0">
+                            <a:solidFill>
+                              <a:srgbClr val="0072BD"/>
+                            </a:solidFill>
+                            <a:latin typeface="Cambria Math" panose="02040503050406030204" pitchFamily="18" charset="0"/>
+                          </a:rPr>
+                        </m:ctrlPr>
+                      </m:sSubPr>
+                      <m:e>
+                        <m:r>
+                          <a:rPr lang="en-US" altLang="ko-KR" sz="2000" b="1" i="1" smtClean="0">
+                            <a:solidFill>
+                              <a:srgbClr val="0072BD"/>
+                            </a:solidFill>
+                            <a:latin typeface="Cambria Math" panose="02040503050406030204" pitchFamily="18" charset="0"/>
+                          </a:rPr>
+                          <m:t>𝝁</m:t>
+                        </m:r>
+                      </m:e>
+                      <m:sub>
+                        <m:r>
+                          <a:rPr lang="en-US" altLang="ko-KR" sz="2000" b="1" i="1" smtClean="0">
+                            <a:solidFill>
+                              <a:srgbClr val="0072BD"/>
+                            </a:solidFill>
+                            <a:latin typeface="Cambria Math" panose="02040503050406030204" pitchFamily="18" charset="0"/>
+                          </a:rPr>
+                          <m:t>𝒏𝒆𝒘</m:t>
+                        </m:r>
+                      </m:sub>
+                    </m:sSub>
+                  </m:oMath>
+                </a14:m>
+                <a:r>
+                  <a:rPr lang="ko-KR" altLang="en-US" sz="2000" b="1" dirty="0">
+                    <a:solidFill>
+                      <a:srgbClr val="0072BD"/>
+                    </a:solidFill>
+                  </a:rPr>
+                  <a:t>인 경우의 </a:t>
+                </a:r>
+                <a:r>
+                  <a:rPr lang="en-US" altLang="ko-KR" sz="2000" b="1" dirty="0">
+                    <a:solidFill>
+                      <a:srgbClr val="0072BD"/>
+                    </a:solidFill>
+                  </a:rPr>
+                  <a:t>target </a:t>
+                </a:r>
+                <a:r>
+                  <a:rPr lang="ko-KR" altLang="en-US" sz="2000" b="1" dirty="0">
+                    <a:solidFill>
+                      <a:srgbClr val="0072BD"/>
+                    </a:solidFill>
+                  </a:rPr>
+                  <a:t>분포</a:t>
+                </a:r>
+              </a:p>
+            </p:txBody>
+          </p:sp>
+        </mc:Choice>
+        <mc:Fallback xmlns="">
+          <p:sp>
+            <p:nvSpPr>
+              <p:cNvPr id="6" name="TextBox 5">
+                <a:extLst>
+                  <a:ext uri="{FF2B5EF4-FFF2-40B4-BE49-F238E27FC236}">
+                    <a16:creationId xmlns:a16="http://schemas.microsoft.com/office/drawing/2014/main" id="{460A3BB2-5654-4421-9CB8-AEEF16F65603}"/>
+                  </a:ext>
+                </a:extLst>
+              </p:cNvPr>
+              <p:cNvSpPr txBox="1">
+                <a:spLocks noRot="1" noChangeAspect="1" noMove="1" noResize="1" noEditPoints="1" noAdjustHandles="1" noChangeArrowheads="1" noChangeShapeType="1" noTextEdit="1"/>
+              </p:cNvSpPr>
+              <p:nvPr/>
+            </p:nvSpPr>
+            <p:spPr>
+              <a:xfrm>
+                <a:off x="6243233" y="2488674"/>
+                <a:ext cx="3773341" cy="400110"/>
+              </a:xfrm>
+              <a:prstGeom prst="rect">
+                <a:avLst/>
+              </a:prstGeom>
+              <a:blipFill>
+                <a:blip r:embed="rId4"/>
+                <a:stretch>
+                  <a:fillRect t="-7576" r="-969" b="-25758"/>
+                </a:stretch>
+              </a:blipFill>
+            </p:spPr>
+            <p:txBody>
+              <a:bodyPr/>
+              <a:lstStyle/>
+              <a:p>
+                <a:r>
+                  <a:rPr lang="ko-KR" altLang="en-US">
+                    <a:noFill/>
+                  </a:rPr>
+                  <a:t> </a:t>
+                </a:r>
+              </a:p>
+            </p:txBody>
+          </p:sp>
+        </mc:Fallback>
+      </mc:AlternateContent>
+      <p:sp>
+        <p:nvSpPr>
+          <p:cNvPr id="8" name="화살표: 아래로 구부러짐 7">
+            <a:extLst>
+              <a:ext uri="{FF2B5EF4-FFF2-40B4-BE49-F238E27FC236}">
+                <a16:creationId xmlns:a16="http://schemas.microsoft.com/office/drawing/2014/main" id="{21B49D5C-C798-4CC3-91AC-E0A1C099B5F1}"/>
+              </a:ext>
+            </a:extLst>
+          </p:cNvPr>
+          <p:cNvSpPr/>
+          <p:nvPr/>
+        </p:nvSpPr>
+        <p:spPr>
+          <a:xfrm>
+            <a:off x="4751108" y="1681742"/>
+            <a:ext cx="2516957" cy="731520"/>
+          </a:xfrm>
+          <a:prstGeom prst="curvedDownArrow">
+            <a:avLst/>
+          </a:prstGeom>
+          <a:solidFill>
+            <a:schemeClr val="accent4"/>
+          </a:solidFill>
+        </p:spPr>
+        <p:style>
+          <a:lnRef idx="2">
+            <a:schemeClr val="accent1">
+              <a:shade val="50000"/>
+            </a:schemeClr>
+          </a:lnRef>
+          <a:fillRef idx="1">
+            <a:schemeClr val="accent1"/>
+          </a:fillRef>
+          <a:effectRef idx="0">
+            <a:schemeClr val="accent1"/>
+          </a:effectRef>
+          <a:fontRef idx="minor">
+            <a:schemeClr val="lt1"/>
+          </a:fontRef>
+        </p:style>
+        <p:txBody>
+          <a:bodyPr rtlCol="0" anchor="ctr"/>
+          <a:lstStyle/>
+          <a:p>
+            <a:pPr algn="ctr"/>
+            <a:endParaRPr lang="ko-KR" altLang="en-US">
+              <a:solidFill>
+                <a:schemeClr val="tx1"/>
+              </a:solidFill>
+            </a:endParaRPr>
+          </a:p>
+        </p:txBody>
+      </p:sp>
+      <p:sp>
+        <p:nvSpPr>
+          <p:cNvPr id="9" name="TextBox 8">
+            <a:extLst>
+              <a:ext uri="{FF2B5EF4-FFF2-40B4-BE49-F238E27FC236}">
+                <a16:creationId xmlns:a16="http://schemas.microsoft.com/office/drawing/2014/main" id="{4AD6A921-4349-46C5-8DCC-7C6E56512F61}"/>
+              </a:ext>
+            </a:extLst>
+          </p:cNvPr>
+          <p:cNvSpPr txBox="1"/>
+          <p:nvPr/>
+        </p:nvSpPr>
+        <p:spPr>
+          <a:xfrm>
+            <a:off x="4893222" y="1265375"/>
+            <a:ext cx="2232727" cy="369332"/>
+          </a:xfrm>
+          <a:prstGeom prst="rect">
+            <a:avLst/>
+          </a:prstGeom>
+          <a:noFill/>
+        </p:spPr>
+        <p:txBody>
+          <a:bodyPr wrap="none" rtlCol="0">
+            <a:spAutoFit/>
+          </a:bodyPr>
+          <a:lstStyle/>
+          <a:p>
+            <a:r>
+              <a:rPr lang="en-US" altLang="ko-KR" dirty="0">
+                <a:latin typeface="Tium" panose="02000800000000000000" pitchFamily="2" charset="0"/>
+              </a:rPr>
+              <a:t>Accept ? Or Reject?</a:t>
+            </a:r>
+            <a:endParaRPr lang="ko-KR" altLang="en-US" dirty="0">
+              <a:latin typeface="Tium" panose="02000800000000000000" pitchFamily="2" charset="0"/>
+            </a:endParaRPr>
+          </a:p>
+        </p:txBody>
+      </p:sp>
+    </p:spTree>
+    <p:extLst>
+      <p:ext uri="{BB962C8B-B14F-4D97-AF65-F5344CB8AC3E}">
+        <p14:creationId xmlns:p14="http://schemas.microsoft.com/office/powerpoint/2010/main" val="3658946405"/>
+      </p:ext>
+    </p:extLst>
+  </p:cSld>
+  <p:clrMapOvr>
+    <a:masterClrMapping/>
+  </p:clrMapOvr>
+</p:sld>
+</file>
+
+<file path=ppt/slides/slide11.xml><?xml version="1.0" encoding="utf-8"?>
+<p:sld xmlns:a="http://schemas.openxmlformats.org/drawingml/2006/main" xmlns:r="http://schemas.openxmlformats.org/officeDocument/2006/relationships" xmlns:p="http://schemas.openxmlformats.org/presentationml/2006/main">
+  <p:cSld>
+    <p:spTree>
+      <p:nvGrpSpPr>
+        <p:cNvPr id="1" name=""/>
+        <p:cNvGrpSpPr/>
+        <p:nvPr/>
+      </p:nvGrpSpPr>
+      <p:grpSpPr>
+        <a:xfrm>
+          <a:off x="0" y="0"/>
+          <a:ext cx="0" cy="0"/>
+          <a:chOff x="0" y="0"/>
+          <a:chExt cx="0" cy="0"/>
+        </a:xfrm>
+      </p:grpSpPr>
+      <p:pic>
+        <p:nvPicPr>
+          <p:cNvPr id="7" name="그림 6">
+            <a:extLst>
+              <a:ext uri="{FF2B5EF4-FFF2-40B4-BE49-F238E27FC236}">
+                <a16:creationId xmlns:a16="http://schemas.microsoft.com/office/drawing/2014/main" id="{12A30D80-B010-407C-8B36-1A268D385644}"/>
+              </a:ext>
+            </a:extLst>
+          </p:cNvPr>
+          <p:cNvPicPr>
+            <a:picLocks noChangeAspect="1"/>
+          </p:cNvPicPr>
+          <p:nvPr/>
+        </p:nvPicPr>
+        <p:blipFill>
+          <a:blip r:embed="rId2"/>
+          <a:stretch>
+            <a:fillRect/>
+          </a:stretch>
+        </p:blipFill>
+        <p:spPr>
+          <a:xfrm>
+            <a:off x="1280184" y="688157"/>
+            <a:ext cx="9631632" cy="5481686"/>
+          </a:xfrm>
+          <a:prstGeom prst="rect">
+            <a:avLst/>
+          </a:prstGeom>
+        </p:spPr>
+      </p:pic>
+      <mc:AlternateContent xmlns:mc="http://schemas.openxmlformats.org/markup-compatibility/2006">
+        <mc:Choice xmlns:a14="http://schemas.microsoft.com/office/drawing/2010/main" Requires="a14">
+          <p:sp>
+            <p:nvSpPr>
+              <p:cNvPr id="5" name="TextBox 4">
+                <a:extLst>
+                  <a:ext uri="{FF2B5EF4-FFF2-40B4-BE49-F238E27FC236}">
+                    <a16:creationId xmlns:a16="http://schemas.microsoft.com/office/drawing/2014/main" id="{655D8B22-3EE2-4BA9-B650-601BB726175A}"/>
+                  </a:ext>
+                </a:extLst>
+              </p:cNvPr>
+              <p:cNvSpPr txBox="1"/>
+              <p:nvPr/>
+            </p:nvSpPr>
+            <p:spPr>
+              <a:xfrm>
+                <a:off x="2617803" y="2450968"/>
+                <a:ext cx="3356432" cy="400110"/>
+              </a:xfrm>
+              <a:prstGeom prst="rect">
+                <a:avLst/>
+              </a:prstGeom>
+              <a:noFill/>
+            </p:spPr>
+            <p:txBody>
+              <a:bodyPr wrap="none" rtlCol="0">
+                <a:spAutoFit/>
+              </a:bodyPr>
+              <a:lstStyle/>
+              <a:p>
+                <a:r>
+                  <a:rPr lang="en-US" altLang="ko-KR" sz="2000" b="1" dirty="0">
+                    <a:solidFill>
+                      <a:srgbClr val="D95319"/>
+                    </a:solidFill>
+                  </a:rPr>
+                  <a:t>Target dist. when </a:t>
+                </a:r>
+                <a14:m>
+                  <m:oMath xmlns:m="http://schemas.openxmlformats.org/officeDocument/2006/math">
+                    <m:r>
+                      <a:rPr lang="en-US" altLang="ko-KR" sz="2000" b="1" i="1" smtClean="0">
+                        <a:solidFill>
+                          <a:srgbClr val="D95319"/>
+                        </a:solidFill>
+                        <a:latin typeface="Cambria Math" panose="02040503050406030204" pitchFamily="18" charset="0"/>
+                      </a:rPr>
+                      <m:t>𝝁</m:t>
+                    </m:r>
+                    <m:r>
+                      <a:rPr lang="en-US" altLang="ko-KR" sz="2000" b="1" i="1" smtClean="0">
+                        <a:solidFill>
+                          <a:srgbClr val="D95319"/>
+                        </a:solidFill>
+                        <a:latin typeface="Cambria Math" panose="02040503050406030204" pitchFamily="18" charset="0"/>
+                      </a:rPr>
+                      <m:t>=</m:t>
+                    </m:r>
+                    <m:sSub>
+                      <m:sSubPr>
+                        <m:ctrlPr>
+                          <a:rPr lang="en-US" altLang="ko-KR" sz="2000" b="1" i="1" smtClean="0">
+                            <a:solidFill>
+                              <a:srgbClr val="D95319"/>
+                            </a:solidFill>
+                            <a:latin typeface="Cambria Math" panose="02040503050406030204" pitchFamily="18" charset="0"/>
+                          </a:rPr>
+                        </m:ctrlPr>
+                      </m:sSubPr>
+                      <m:e>
+                        <m:r>
+                          <a:rPr lang="en-US" altLang="ko-KR" sz="2000" b="1" i="1" smtClean="0">
+                            <a:solidFill>
+                              <a:srgbClr val="D95319"/>
+                            </a:solidFill>
+                            <a:latin typeface="Cambria Math" panose="02040503050406030204" pitchFamily="18" charset="0"/>
+                          </a:rPr>
+                          <m:t>𝝁</m:t>
+                        </m:r>
+                      </m:e>
+                      <m:sub>
+                        <m:r>
+                          <a:rPr lang="en-US" altLang="ko-KR" sz="2000" b="1" i="1" smtClean="0">
+                            <a:solidFill>
+                              <a:srgbClr val="D95319"/>
+                            </a:solidFill>
+                            <a:latin typeface="Cambria Math" panose="02040503050406030204" pitchFamily="18" charset="0"/>
+                          </a:rPr>
+                          <m:t>𝒐𝒍𝒅</m:t>
+                        </m:r>
+                      </m:sub>
+                    </m:sSub>
+                  </m:oMath>
+                </a14:m>
+                <a:endParaRPr lang="ko-KR" altLang="en-US" sz="2000" b="1" dirty="0">
+                  <a:solidFill>
+                    <a:srgbClr val="D95319"/>
+                  </a:solidFill>
+                </a:endParaRPr>
+              </a:p>
+            </p:txBody>
+          </p:sp>
+        </mc:Choice>
+        <mc:Fallback>
+          <p:sp>
+            <p:nvSpPr>
+              <p:cNvPr id="5" name="TextBox 4">
+                <a:extLst>
+                  <a:ext uri="{FF2B5EF4-FFF2-40B4-BE49-F238E27FC236}">
+                    <a16:creationId xmlns:a16="http://schemas.microsoft.com/office/drawing/2014/main" id="{655D8B22-3EE2-4BA9-B650-601BB726175A}"/>
+                  </a:ext>
+                </a:extLst>
+              </p:cNvPr>
+              <p:cNvSpPr txBox="1">
+                <a:spLocks noRot="1" noChangeAspect="1" noMove="1" noResize="1" noEditPoints="1" noAdjustHandles="1" noChangeArrowheads="1" noChangeShapeType="1" noTextEdit="1"/>
+              </p:cNvSpPr>
+              <p:nvPr/>
+            </p:nvSpPr>
+            <p:spPr>
+              <a:xfrm>
+                <a:off x="2617803" y="2450968"/>
+                <a:ext cx="3356432" cy="400110"/>
+              </a:xfrm>
+              <a:prstGeom prst="rect">
+                <a:avLst/>
+              </a:prstGeom>
+              <a:blipFill>
+                <a:blip r:embed="rId3"/>
+                <a:stretch>
+                  <a:fillRect l="-1815" t="-7576" b="-25758"/>
+                </a:stretch>
+              </a:blipFill>
+            </p:spPr>
+            <p:txBody>
+              <a:bodyPr/>
+              <a:lstStyle/>
+              <a:p>
+                <a:r>
+                  <a:rPr lang="en-US">
+                    <a:noFill/>
+                  </a:rPr>
+                  <a:t> </a:t>
+                </a:r>
+              </a:p>
+            </p:txBody>
+          </p:sp>
+        </mc:Fallback>
+      </mc:AlternateContent>
+      <mc:AlternateContent xmlns:mc="http://schemas.openxmlformats.org/markup-compatibility/2006">
+        <mc:Choice xmlns:a14="http://schemas.microsoft.com/office/drawing/2010/main" Requires="a14">
+          <p:sp>
+            <p:nvSpPr>
+              <p:cNvPr id="6" name="TextBox 5">
+                <a:extLst>
+                  <a:ext uri="{FF2B5EF4-FFF2-40B4-BE49-F238E27FC236}">
+                    <a16:creationId xmlns:a16="http://schemas.microsoft.com/office/drawing/2014/main" id="{460A3BB2-5654-4421-9CB8-AEEF16F65603}"/>
+                  </a:ext>
+                </a:extLst>
+              </p:cNvPr>
+              <p:cNvSpPr txBox="1"/>
+              <p:nvPr/>
+            </p:nvSpPr>
+            <p:spPr>
+              <a:xfrm>
+                <a:off x="6127121" y="2488674"/>
+                <a:ext cx="3431773" cy="400110"/>
+              </a:xfrm>
+              <a:prstGeom prst="rect">
+                <a:avLst/>
+              </a:prstGeom>
+              <a:noFill/>
+            </p:spPr>
+            <p:txBody>
+              <a:bodyPr wrap="none" rtlCol="0">
+                <a:spAutoFit/>
+              </a:bodyPr>
+              <a:lstStyle/>
+              <a:p>
+                <a:r>
+                  <a:rPr lang="en-US" altLang="ko-KR" sz="2000" b="1" dirty="0">
+                    <a:solidFill>
+                      <a:srgbClr val="0072BD"/>
+                    </a:solidFill>
+                  </a:rPr>
+                  <a:t>Target dist. when </a:t>
+                </a:r>
+                <a14:m>
+                  <m:oMath xmlns:m="http://schemas.openxmlformats.org/officeDocument/2006/math">
+                    <m:r>
+                      <a:rPr lang="en-US" altLang="ko-KR" sz="2000" b="1" i="1" smtClean="0">
+                        <a:solidFill>
+                          <a:srgbClr val="0072BD"/>
+                        </a:solidFill>
+                        <a:latin typeface="Cambria Math" panose="02040503050406030204" pitchFamily="18" charset="0"/>
+                      </a:rPr>
+                      <m:t>𝝁</m:t>
+                    </m:r>
+                    <m:r>
+                      <a:rPr lang="en-US" altLang="ko-KR" sz="2000" b="1" i="1" smtClean="0">
+                        <a:solidFill>
+                          <a:srgbClr val="0072BD"/>
+                        </a:solidFill>
+                        <a:latin typeface="Cambria Math" panose="02040503050406030204" pitchFamily="18" charset="0"/>
+                      </a:rPr>
+                      <m:t>=</m:t>
+                    </m:r>
+                    <m:sSub>
+                      <m:sSubPr>
+                        <m:ctrlPr>
+                          <a:rPr lang="en-US" altLang="ko-KR" sz="2000" b="1" i="1" smtClean="0">
+                            <a:solidFill>
+                              <a:srgbClr val="0072BD"/>
+                            </a:solidFill>
+                            <a:latin typeface="Cambria Math" panose="02040503050406030204" pitchFamily="18" charset="0"/>
+                          </a:rPr>
+                        </m:ctrlPr>
+                      </m:sSubPr>
+                      <m:e>
+                        <m:r>
+                          <a:rPr lang="en-US" altLang="ko-KR" sz="2000" b="1" i="1" smtClean="0">
+                            <a:solidFill>
+                              <a:srgbClr val="0072BD"/>
+                            </a:solidFill>
+                            <a:latin typeface="Cambria Math" panose="02040503050406030204" pitchFamily="18" charset="0"/>
+                          </a:rPr>
+                          <m:t>𝝁</m:t>
+                        </m:r>
+                      </m:e>
+                      <m:sub>
+                        <m:r>
+                          <a:rPr lang="en-US" altLang="ko-KR" sz="2000" b="1" i="1" smtClean="0">
+                            <a:solidFill>
+                              <a:srgbClr val="0072BD"/>
+                            </a:solidFill>
+                            <a:latin typeface="Cambria Math" panose="02040503050406030204" pitchFamily="18" charset="0"/>
+                          </a:rPr>
+                          <m:t>𝒏𝒆𝒘</m:t>
+                        </m:r>
+                      </m:sub>
+                    </m:sSub>
+                  </m:oMath>
+                </a14:m>
+                <a:endParaRPr lang="ko-KR" altLang="en-US" sz="2000" b="1" dirty="0">
+                  <a:solidFill>
+                    <a:srgbClr val="0072BD"/>
+                  </a:solidFill>
+                </a:endParaRPr>
+              </a:p>
+            </p:txBody>
+          </p:sp>
+        </mc:Choice>
+        <mc:Fallback>
+          <p:sp>
+            <p:nvSpPr>
+              <p:cNvPr id="6" name="TextBox 5">
+                <a:extLst>
+                  <a:ext uri="{FF2B5EF4-FFF2-40B4-BE49-F238E27FC236}">
+                    <a16:creationId xmlns:a16="http://schemas.microsoft.com/office/drawing/2014/main" id="{460A3BB2-5654-4421-9CB8-AEEF16F65603}"/>
+                  </a:ext>
+                </a:extLst>
+              </p:cNvPr>
+              <p:cNvSpPr txBox="1">
+                <a:spLocks noRot="1" noChangeAspect="1" noMove="1" noResize="1" noEditPoints="1" noAdjustHandles="1" noChangeArrowheads="1" noChangeShapeType="1" noTextEdit="1"/>
+              </p:cNvSpPr>
+              <p:nvPr/>
+            </p:nvSpPr>
+            <p:spPr>
+              <a:xfrm>
+                <a:off x="6127121" y="2488674"/>
+                <a:ext cx="3431773" cy="400110"/>
+              </a:xfrm>
+              <a:prstGeom prst="rect">
+                <a:avLst/>
+              </a:prstGeom>
+              <a:blipFill>
+                <a:blip r:embed="rId4"/>
+                <a:stretch>
+                  <a:fillRect l="-1776" t="-7576" b="-25758"/>
+                </a:stretch>
+              </a:blipFill>
+            </p:spPr>
+            <p:txBody>
+              <a:bodyPr/>
+              <a:lstStyle/>
+              <a:p>
+                <a:r>
+                  <a:rPr lang="en-US">
+                    <a:noFill/>
+                  </a:rPr>
+                  <a:t> </a:t>
+                </a:r>
+              </a:p>
+            </p:txBody>
+          </p:sp>
+        </mc:Fallback>
+      </mc:AlternateContent>
+      <p:sp>
+        <p:nvSpPr>
+          <p:cNvPr id="8" name="화살표: 아래로 구부러짐 7">
+            <a:extLst>
+              <a:ext uri="{FF2B5EF4-FFF2-40B4-BE49-F238E27FC236}">
+                <a16:creationId xmlns:a16="http://schemas.microsoft.com/office/drawing/2014/main" id="{21B49D5C-C798-4CC3-91AC-E0A1C099B5F1}"/>
+              </a:ext>
+            </a:extLst>
+          </p:cNvPr>
+          <p:cNvSpPr/>
+          <p:nvPr/>
+        </p:nvSpPr>
+        <p:spPr>
+          <a:xfrm>
+            <a:off x="4751108" y="1681742"/>
+            <a:ext cx="2516957" cy="731520"/>
+          </a:xfrm>
+          <a:prstGeom prst="curvedDownArrow">
+            <a:avLst/>
+          </a:prstGeom>
+          <a:solidFill>
+            <a:schemeClr val="accent4"/>
+          </a:solidFill>
+        </p:spPr>
+        <p:style>
+          <a:lnRef idx="2">
+            <a:schemeClr val="accent1">
+              <a:shade val="50000"/>
+            </a:schemeClr>
+          </a:lnRef>
+          <a:fillRef idx="1">
+            <a:schemeClr val="accent1"/>
+          </a:fillRef>
+          <a:effectRef idx="0">
+            <a:schemeClr val="accent1"/>
+          </a:effectRef>
+          <a:fontRef idx="minor">
+            <a:schemeClr val="lt1"/>
+          </a:fontRef>
+        </p:style>
+        <p:txBody>
+          <a:bodyPr rtlCol="0" anchor="ctr"/>
+          <a:lstStyle/>
+          <a:p>
+            <a:pPr algn="ctr"/>
+            <a:endParaRPr lang="ko-KR" altLang="en-US">
+              <a:solidFill>
+                <a:schemeClr val="tx1"/>
+              </a:solidFill>
+            </a:endParaRPr>
+          </a:p>
+        </p:txBody>
+      </p:sp>
+      <p:sp>
+        <p:nvSpPr>
+          <p:cNvPr id="9" name="TextBox 8">
+            <a:extLst>
+              <a:ext uri="{FF2B5EF4-FFF2-40B4-BE49-F238E27FC236}">
+                <a16:creationId xmlns:a16="http://schemas.microsoft.com/office/drawing/2014/main" id="{4AD6A921-4349-46C5-8DCC-7C6E56512F61}"/>
+              </a:ext>
+            </a:extLst>
+          </p:cNvPr>
+          <p:cNvSpPr txBox="1"/>
+          <p:nvPr/>
+        </p:nvSpPr>
+        <p:spPr>
+          <a:xfrm>
+            <a:off x="4893222" y="1265375"/>
+            <a:ext cx="2232727" cy="369332"/>
+          </a:xfrm>
+          <a:prstGeom prst="rect">
+            <a:avLst/>
+          </a:prstGeom>
+          <a:noFill/>
+        </p:spPr>
+        <p:txBody>
+          <a:bodyPr wrap="none" rtlCol="0">
+            <a:spAutoFit/>
+          </a:bodyPr>
+          <a:lstStyle/>
+          <a:p>
+            <a:r>
+              <a:rPr lang="en-US" altLang="ko-KR" dirty="0">
+                <a:latin typeface="Tium" panose="02000800000000000000" pitchFamily="2" charset="0"/>
+              </a:rPr>
+              <a:t>Accept ? Or Reject?</a:t>
+            </a:r>
+            <a:endParaRPr lang="ko-KR" altLang="en-US" dirty="0">
+              <a:latin typeface="Tium" panose="02000800000000000000" pitchFamily="2" charset="0"/>
+            </a:endParaRPr>
+          </a:p>
+        </p:txBody>
+      </p:sp>
+    </p:spTree>
+    <p:extLst>
+      <p:ext uri="{BB962C8B-B14F-4D97-AF65-F5344CB8AC3E}">
+        <p14:creationId xmlns:p14="http://schemas.microsoft.com/office/powerpoint/2010/main" val="3965077244"/>
+      </p:ext>
+    </p:extLst>
+  </p:cSld>
+  <p:clrMapOvr>
+    <a:masterClrMapping/>
+  </p:clrMapOvr>
+</p:sld>
+</file>
+
+<file path=ppt/slides/slide12.xml><?xml version="1.0" encoding="utf-8"?>
+<p:sld xmlns:a="http://schemas.openxmlformats.org/drawingml/2006/main" xmlns:r="http://schemas.openxmlformats.org/officeDocument/2006/relationships" xmlns:p="http://schemas.openxmlformats.org/presentationml/2006/main">
+  <p:cSld>
+    <p:spTree>
+      <p:nvGrpSpPr>
+        <p:cNvPr id="1" name=""/>
+        <p:cNvGrpSpPr/>
+        <p:nvPr/>
+      </p:nvGrpSpPr>
+      <p:grpSpPr>
+        <a:xfrm>
+          <a:off x="0" y="0"/>
+          <a:ext cx="0" cy="0"/>
+          <a:chOff x="0" y="0"/>
+          <a:chExt cx="0" cy="0"/>
+        </a:xfrm>
+      </p:grpSpPr>
+      <p:grpSp>
+        <p:nvGrpSpPr>
+          <p:cNvPr id="9" name="그룹 8">
+            <a:extLst>
+              <a:ext uri="{FF2B5EF4-FFF2-40B4-BE49-F238E27FC236}">
+                <a16:creationId xmlns:a16="http://schemas.microsoft.com/office/drawing/2014/main" id="{E2F8DDAA-489A-453A-B6FE-6BE581E5607A}"/>
+              </a:ext>
+            </a:extLst>
+          </p:cNvPr>
+          <p:cNvGrpSpPr/>
+          <p:nvPr/>
+        </p:nvGrpSpPr>
+        <p:grpSpPr>
+          <a:xfrm>
+            <a:off x="1715540" y="793054"/>
+            <a:ext cx="8760920" cy="5271892"/>
+            <a:chOff x="2567233" y="793054"/>
+            <a:chExt cx="8760920" cy="5271892"/>
+          </a:xfrm>
+        </p:grpSpPr>
+        <p:pic>
+          <p:nvPicPr>
+            <p:cNvPr id="4" name="그림 3">
+              <a:extLst>
+                <a:ext uri="{FF2B5EF4-FFF2-40B4-BE49-F238E27FC236}">
+                  <a16:creationId xmlns:a16="http://schemas.microsoft.com/office/drawing/2014/main" id="{67F62826-154B-4B49-889B-05340CC4532E}"/>
+                </a:ext>
+              </a:extLst>
+            </p:cNvPr>
+            <p:cNvPicPr>
+              <a:picLocks noChangeAspect="1"/>
+            </p:cNvPicPr>
+            <p:nvPr/>
+          </p:nvPicPr>
+          <p:blipFill>
+            <a:blip r:embed="rId2"/>
+            <a:stretch>
+              <a:fillRect/>
+            </a:stretch>
+          </p:blipFill>
+          <p:spPr>
+            <a:xfrm>
+              <a:off x="2567233" y="793054"/>
+              <a:ext cx="7057534" cy="5271892"/>
+            </a:xfrm>
+            <a:prstGeom prst="rect">
+              <a:avLst/>
+            </a:prstGeom>
+          </p:spPr>
+        </p:pic>
+        <p:cxnSp>
+          <p:nvCxnSpPr>
+            <p:cNvPr id="6" name="직선 화살표 연결선 5">
+              <a:extLst>
+                <a:ext uri="{FF2B5EF4-FFF2-40B4-BE49-F238E27FC236}">
+                  <a16:creationId xmlns:a16="http://schemas.microsoft.com/office/drawing/2014/main" id="{33AC5D38-18D9-4223-89E9-4F2E7AEA104F}"/>
+                </a:ext>
+              </a:extLst>
+            </p:cNvPr>
+            <p:cNvCxnSpPr>
+              <a:cxnSpLocks/>
+            </p:cNvCxnSpPr>
+            <p:nvPr/>
+          </p:nvCxnSpPr>
+          <p:spPr>
+            <a:xfrm flipH="1">
+              <a:off x="9030879" y="1621410"/>
+              <a:ext cx="716436" cy="0"/>
+            </a:xfrm>
+            <a:prstGeom prst="straightConnector1">
+              <a:avLst/>
+            </a:prstGeom>
+            <a:ln w="38100">
+              <a:solidFill>
+                <a:schemeClr val="tx1"/>
+              </a:solidFill>
+              <a:tailEnd type="triangle"/>
+            </a:ln>
+          </p:spPr>
+          <p:style>
+            <a:lnRef idx="1">
+              <a:schemeClr val="accent1"/>
+            </a:lnRef>
+            <a:fillRef idx="0">
+              <a:schemeClr val="accent1"/>
+            </a:fillRef>
+            <a:effectRef idx="0">
+              <a:schemeClr val="accent1"/>
+            </a:effectRef>
+            <a:fontRef idx="minor">
+              <a:schemeClr val="tx1"/>
+            </a:fontRef>
+          </p:style>
+        </p:cxnSp>
+        <p:sp>
+          <p:nvSpPr>
+            <p:cNvPr id="7" name="TextBox 6">
+              <a:extLst>
+                <a:ext uri="{FF2B5EF4-FFF2-40B4-BE49-F238E27FC236}">
+                  <a16:creationId xmlns:a16="http://schemas.microsoft.com/office/drawing/2014/main" id="{8687E63A-6F20-452C-A0F6-CF565DB8A3C2}"/>
+                </a:ext>
+              </a:extLst>
+            </p:cNvPr>
+            <p:cNvSpPr txBox="1"/>
+            <p:nvPr/>
+          </p:nvSpPr>
+          <p:spPr>
+            <a:xfrm>
+              <a:off x="9907571" y="1436744"/>
+              <a:ext cx="1420582" cy="369332"/>
+            </a:xfrm>
+            <a:prstGeom prst="rect">
+              <a:avLst/>
+            </a:prstGeom>
+            <a:noFill/>
+            <a:ln w="38100">
+              <a:solidFill>
+                <a:schemeClr val="tx1"/>
+              </a:solidFill>
+            </a:ln>
+          </p:spPr>
+          <p:txBody>
+            <a:bodyPr wrap="none" rtlCol="0">
+              <a:spAutoFit/>
+            </a:bodyPr>
+            <a:lstStyle/>
+            <a:p>
+              <a:r>
+                <a:rPr lang="ko-KR" altLang="en-US"/>
+                <a:t>실제 </a:t>
+              </a:r>
+              <a:r>
+                <a:rPr lang="ko-KR" altLang="en-US" dirty="0"/>
+                <a:t>모</a:t>
+              </a:r>
+              <a:r>
+                <a:rPr lang="ko-KR" altLang="en-US"/>
+                <a:t>평균</a:t>
+              </a:r>
+              <a:endParaRPr lang="ko-KR" altLang="en-US" dirty="0"/>
+            </a:p>
+          </p:txBody>
+        </p:sp>
+      </p:grpSp>
+    </p:spTree>
+    <p:extLst>
+      <p:ext uri="{BB962C8B-B14F-4D97-AF65-F5344CB8AC3E}">
+        <p14:creationId xmlns:p14="http://schemas.microsoft.com/office/powerpoint/2010/main" val="3982488976"/>
+      </p:ext>
+    </p:extLst>
+  </p:cSld>
+  <p:clrMapOvr>
+    <a:masterClrMapping/>
+  </p:clrMapOvr>
+</p:sld>
+</file>
+
+<file path=ppt/slides/slide13.xml><?xml version="1.0" encoding="utf-8"?>
+<p:sld xmlns:a="http://schemas.openxmlformats.org/drawingml/2006/main" xmlns:r="http://schemas.openxmlformats.org/officeDocument/2006/relationships" xmlns:p="http://schemas.openxmlformats.org/presentationml/2006/main">
+  <p:cSld>
+    <p:spTree>
+      <p:nvGrpSpPr>
+        <p:cNvPr id="1" name=""/>
+        <p:cNvGrpSpPr/>
+        <p:nvPr/>
+      </p:nvGrpSpPr>
+      <p:grpSpPr>
+        <a:xfrm>
+          <a:off x="0" y="0"/>
+          <a:ext cx="0" cy="0"/>
+          <a:chOff x="0" y="0"/>
+          <a:chExt cx="0" cy="0"/>
+        </a:xfrm>
+      </p:grpSpPr>
+      <p:grpSp>
+        <p:nvGrpSpPr>
+          <p:cNvPr id="9" name="그룹 8">
+            <a:extLst>
+              <a:ext uri="{FF2B5EF4-FFF2-40B4-BE49-F238E27FC236}">
+                <a16:creationId xmlns:a16="http://schemas.microsoft.com/office/drawing/2014/main" id="{E2F8DDAA-489A-453A-B6FE-6BE581E5607A}"/>
+              </a:ext>
+            </a:extLst>
+          </p:cNvPr>
+          <p:cNvGrpSpPr/>
+          <p:nvPr/>
+        </p:nvGrpSpPr>
+        <p:grpSpPr>
+          <a:xfrm>
+            <a:off x="1715540" y="793054"/>
+            <a:ext cx="9313635" cy="5271892"/>
+            <a:chOff x="2567233" y="793054"/>
+            <a:chExt cx="9313635" cy="5271892"/>
+          </a:xfrm>
+        </p:grpSpPr>
+        <p:pic>
+          <p:nvPicPr>
+            <p:cNvPr id="4" name="그림 3">
+              <a:extLst>
+                <a:ext uri="{FF2B5EF4-FFF2-40B4-BE49-F238E27FC236}">
+                  <a16:creationId xmlns:a16="http://schemas.microsoft.com/office/drawing/2014/main" id="{67F62826-154B-4B49-889B-05340CC4532E}"/>
+                </a:ext>
+              </a:extLst>
+            </p:cNvPr>
+            <p:cNvPicPr>
+              <a:picLocks noChangeAspect="1"/>
+            </p:cNvPicPr>
+            <p:nvPr/>
+          </p:nvPicPr>
+          <p:blipFill>
+            <a:blip r:embed="rId2"/>
+            <a:stretch>
+              <a:fillRect/>
+            </a:stretch>
+          </p:blipFill>
+          <p:spPr>
+            <a:xfrm>
+              <a:off x="2567233" y="793054"/>
+              <a:ext cx="7057534" cy="5271892"/>
+            </a:xfrm>
+            <a:prstGeom prst="rect">
+              <a:avLst/>
+            </a:prstGeom>
+          </p:spPr>
+        </p:pic>
+        <p:cxnSp>
+          <p:nvCxnSpPr>
+            <p:cNvPr id="6" name="직선 화살표 연결선 5">
+              <a:extLst>
+                <a:ext uri="{FF2B5EF4-FFF2-40B4-BE49-F238E27FC236}">
+                  <a16:creationId xmlns:a16="http://schemas.microsoft.com/office/drawing/2014/main" id="{33AC5D38-18D9-4223-89E9-4F2E7AEA104F}"/>
+                </a:ext>
+              </a:extLst>
+            </p:cNvPr>
+            <p:cNvCxnSpPr>
+              <a:cxnSpLocks/>
+            </p:cNvCxnSpPr>
+            <p:nvPr/>
+          </p:nvCxnSpPr>
+          <p:spPr>
+            <a:xfrm flipH="1">
+              <a:off x="9030879" y="1621410"/>
+              <a:ext cx="716436" cy="0"/>
+            </a:xfrm>
+            <a:prstGeom prst="straightConnector1">
+              <a:avLst/>
+            </a:prstGeom>
+            <a:ln w="38100">
+              <a:solidFill>
+                <a:schemeClr val="tx1"/>
+              </a:solidFill>
+              <a:tailEnd type="triangle"/>
+            </a:ln>
+          </p:spPr>
+          <p:style>
+            <a:lnRef idx="1">
+              <a:schemeClr val="accent1"/>
+            </a:lnRef>
+            <a:fillRef idx="0">
+              <a:schemeClr val="accent1"/>
+            </a:fillRef>
+            <a:effectRef idx="0">
+              <a:schemeClr val="accent1"/>
+            </a:effectRef>
+            <a:fontRef idx="minor">
+              <a:schemeClr val="tx1"/>
+            </a:fontRef>
+          </p:style>
+        </p:cxnSp>
+        <p:sp>
+          <p:nvSpPr>
+            <p:cNvPr id="7" name="TextBox 6">
+              <a:extLst>
+                <a:ext uri="{FF2B5EF4-FFF2-40B4-BE49-F238E27FC236}">
+                  <a16:creationId xmlns:a16="http://schemas.microsoft.com/office/drawing/2014/main" id="{8687E63A-6F20-452C-A0F6-CF565DB8A3C2}"/>
+                </a:ext>
+              </a:extLst>
+            </p:cNvPr>
+            <p:cNvSpPr txBox="1"/>
+            <p:nvPr/>
+          </p:nvSpPr>
+          <p:spPr>
+            <a:xfrm>
+              <a:off x="9907571" y="1436744"/>
+              <a:ext cx="1973297" cy="369332"/>
+            </a:xfrm>
+            <a:prstGeom prst="rect">
+              <a:avLst/>
+            </a:prstGeom>
+            <a:noFill/>
+            <a:ln w="38100">
+              <a:solidFill>
+                <a:schemeClr val="tx1"/>
+              </a:solidFill>
+            </a:ln>
+          </p:spPr>
+          <p:txBody>
+            <a:bodyPr wrap="none" rtlCol="0">
+              <a:spAutoFit/>
+            </a:bodyPr>
+            <a:lstStyle/>
+            <a:p>
+              <a:r>
+                <a:rPr lang="en-US" altLang="ko-KR" dirty="0"/>
+                <a:t>Actual Parameter</a:t>
+              </a:r>
+              <a:endParaRPr lang="ko-KR" altLang="en-US" dirty="0"/>
+            </a:p>
+          </p:txBody>
+        </p:sp>
+      </p:grpSp>
+    </p:spTree>
+    <p:extLst>
+      <p:ext uri="{BB962C8B-B14F-4D97-AF65-F5344CB8AC3E}">
+        <p14:creationId xmlns:p14="http://schemas.microsoft.com/office/powerpoint/2010/main" val="256032735"/>
+      </p:ext>
+    </p:extLst>
+  </p:cSld>
+  <p:clrMapOvr>
+    <a:masterClrMapping/>
+  </p:clrMapOvr>
+</p:sld>
+</file>
+
+<file path=ppt/slides/slide14.xml><?xml version="1.0" encoding="utf-8"?>
+<p:sld xmlns:a="http://schemas.openxmlformats.org/drawingml/2006/main" xmlns:r="http://schemas.openxmlformats.org/officeDocument/2006/relationships" xmlns:p="http://schemas.openxmlformats.org/presentationml/2006/main">
+  <p:cSld>
+    <p:spTree>
+      <p:nvGrpSpPr>
+        <p:cNvPr id="1" name=""/>
+        <p:cNvGrpSpPr/>
+        <p:nvPr/>
+      </p:nvGrpSpPr>
+      <p:grpSpPr>
+        <a:xfrm>
+          <a:off x="0" y="0"/>
+          <a:ext cx="0" cy="0"/>
+          <a:chOff x="0" y="0"/>
+          <a:chExt cx="0" cy="0"/>
+        </a:xfrm>
+      </p:grpSpPr>
+      <p:pic>
+        <p:nvPicPr>
+          <p:cNvPr id="5" name="그림 4">
+            <a:extLst>
+              <a:ext uri="{FF2B5EF4-FFF2-40B4-BE49-F238E27FC236}">
+                <a16:creationId xmlns:a16="http://schemas.microsoft.com/office/drawing/2014/main" id="{F1847BCF-5BD1-475F-918B-B6DCCE5C7633}"/>
+              </a:ext>
+            </a:extLst>
+          </p:cNvPr>
+          <p:cNvPicPr>
+            <a:picLocks noChangeAspect="1"/>
+          </p:cNvPicPr>
+          <p:nvPr/>
+        </p:nvPicPr>
+        <p:blipFill>
+          <a:blip r:embed="rId2"/>
+          <a:stretch>
+            <a:fillRect/>
+          </a:stretch>
+        </p:blipFill>
+        <p:spPr>
+          <a:xfrm>
+            <a:off x="2567232" y="793054"/>
+            <a:ext cx="7057536" cy="5271892"/>
+          </a:xfrm>
+          <a:prstGeom prst="rect">
+            <a:avLst/>
+          </a:prstGeom>
+        </p:spPr>
+      </p:pic>
+    </p:spTree>
+    <p:extLst>
+      <p:ext uri="{BB962C8B-B14F-4D97-AF65-F5344CB8AC3E}">
+        <p14:creationId xmlns:p14="http://schemas.microsoft.com/office/powerpoint/2010/main" val="332106384"/>
+      </p:ext>
+    </p:extLst>
+  </p:cSld>
+  <p:clrMapOvr>
+    <a:masterClrMapping/>
+  </p:clrMapOvr>
+</p:sld>
+</file>
+
+<file path=ppt/slides/slide15.xml><?xml version="1.0" encoding="utf-8"?>
+<p:sld xmlns:a="http://schemas.openxmlformats.org/drawingml/2006/main" xmlns:r="http://schemas.openxmlformats.org/officeDocument/2006/relationships" xmlns:p="http://schemas.openxmlformats.org/presentationml/2006/main">
+  <p:cSld>
+    <p:spTree>
+      <p:nvGrpSpPr>
+        <p:cNvPr id="1" name=""/>
+        <p:cNvGrpSpPr/>
+        <p:nvPr/>
+      </p:nvGrpSpPr>
+      <p:grpSpPr>
+        <a:xfrm>
+          <a:off x="0" y="0"/>
+          <a:ext cx="0" cy="0"/>
+          <a:chOff x="0" y="0"/>
+          <a:chExt cx="0" cy="0"/>
+        </a:xfrm>
+      </p:grpSpPr>
+      <p:pic>
+        <p:nvPicPr>
           <p:cNvPr id="5" name="그림 4">
             <a:extLst>
               <a:ext uri="{FF2B5EF4-FFF2-40B4-BE49-F238E27FC236}">
@@ -3599,6 +4925,293 @@
     <p:extLst>
       <p:ext uri="{BB962C8B-B14F-4D97-AF65-F5344CB8AC3E}">
         <p14:creationId xmlns:p14="http://schemas.microsoft.com/office/powerpoint/2010/main" val="2666049158"/>
+      </p:ext>
+    </p:extLst>
+  </p:cSld>
+  <p:clrMapOvr>
+    <a:masterClrMapping/>
+  </p:clrMapOvr>
+</p:sld>
+</file>
+
+<file path=ppt/slides/slide16.xml><?xml version="1.0" encoding="utf-8"?>
+<p:sld xmlns:a="http://schemas.openxmlformats.org/drawingml/2006/main" xmlns:r="http://schemas.openxmlformats.org/officeDocument/2006/relationships" xmlns:p="http://schemas.openxmlformats.org/presentationml/2006/main">
+  <p:cSld>
+    <p:spTree>
+      <p:nvGrpSpPr>
+        <p:cNvPr id="1" name=""/>
+        <p:cNvGrpSpPr/>
+        <p:nvPr/>
+      </p:nvGrpSpPr>
+      <p:grpSpPr>
+        <a:xfrm>
+          <a:off x="0" y="0"/>
+          <a:ext cx="0" cy="0"/>
+          <a:chOff x="0" y="0"/>
+          <a:chExt cx="0" cy="0"/>
+        </a:xfrm>
+      </p:grpSpPr>
+      <p:pic>
+        <p:nvPicPr>
+          <p:cNvPr id="5" name="그림 4">
+            <a:extLst>
+              <a:ext uri="{FF2B5EF4-FFF2-40B4-BE49-F238E27FC236}">
+                <a16:creationId xmlns:a16="http://schemas.microsoft.com/office/drawing/2014/main" id="{D37F6C9B-FF12-4C03-8456-728C56E09623}"/>
+              </a:ext>
+            </a:extLst>
+          </p:cNvPr>
+          <p:cNvPicPr>
+            <a:picLocks noChangeAspect="1"/>
+          </p:cNvPicPr>
+          <p:nvPr/>
+        </p:nvPicPr>
+        <p:blipFill>
+          <a:blip r:embed="rId2"/>
+          <a:stretch>
+            <a:fillRect/>
+          </a:stretch>
+        </p:blipFill>
+        <p:spPr>
+          <a:xfrm>
+            <a:off x="2553003" y="782425"/>
+            <a:ext cx="7085994" cy="5293150"/>
+          </a:xfrm>
+          <a:prstGeom prst="rect">
+            <a:avLst/>
+          </a:prstGeom>
+        </p:spPr>
+      </p:pic>
+      <p:sp>
+        <p:nvSpPr>
+          <p:cNvPr id="2" name="Rectangle 1">
+            <a:extLst>
+              <a:ext uri="{FF2B5EF4-FFF2-40B4-BE49-F238E27FC236}">
+                <a16:creationId xmlns:a16="http://schemas.microsoft.com/office/drawing/2014/main" id="{E08FEE69-8CEE-DF80-34D0-7DC8293D4E11}"/>
+              </a:ext>
+            </a:extLst>
+          </p:cNvPr>
+          <p:cNvSpPr/>
+          <p:nvPr/>
+        </p:nvSpPr>
+        <p:spPr>
+          <a:xfrm>
+            <a:off x="7219370" y="1281369"/>
+            <a:ext cx="1641261" cy="506949"/>
+          </a:xfrm>
+          <a:prstGeom prst="rect">
+            <a:avLst/>
+          </a:prstGeom>
+          <a:solidFill>
+            <a:schemeClr val="bg1"/>
+          </a:solidFill>
+          <a:ln>
+            <a:noFill/>
+          </a:ln>
+        </p:spPr>
+        <p:style>
+          <a:lnRef idx="2">
+            <a:schemeClr val="accent1">
+              <a:shade val="50000"/>
+            </a:schemeClr>
+          </a:lnRef>
+          <a:fillRef idx="1">
+            <a:schemeClr val="accent1"/>
+          </a:fillRef>
+          <a:effectRef idx="0">
+            <a:schemeClr val="accent1"/>
+          </a:effectRef>
+          <a:fontRef idx="minor">
+            <a:schemeClr val="lt1"/>
+          </a:fontRef>
+        </p:style>
+        <p:txBody>
+          <a:bodyPr rtlCol="0" anchor="ctr"/>
+          <a:lstStyle/>
+          <a:p>
+            <a:pPr algn="ctr"/>
+            <a:endParaRPr lang="en-US"/>
+          </a:p>
+        </p:txBody>
+      </p:sp>
+      <p:grpSp>
+        <p:nvGrpSpPr>
+          <p:cNvPr id="9" name="Group 8">
+            <a:extLst>
+              <a:ext uri="{FF2B5EF4-FFF2-40B4-BE49-F238E27FC236}">
+                <a16:creationId xmlns:a16="http://schemas.microsoft.com/office/drawing/2014/main" id="{15610479-A9E9-0EBD-D96A-F1F09BE6AA06}"/>
+              </a:ext>
+            </a:extLst>
+          </p:cNvPr>
+          <p:cNvGrpSpPr/>
+          <p:nvPr/>
+        </p:nvGrpSpPr>
+        <p:grpSpPr>
+          <a:xfrm>
+            <a:off x="6819320" y="1281369"/>
+            <a:ext cx="2094709" cy="482387"/>
+            <a:chOff x="7219370" y="300038"/>
+            <a:chExt cx="2094709" cy="482387"/>
+          </a:xfrm>
+        </p:grpSpPr>
+        <p:sp>
+          <p:nvSpPr>
+            <p:cNvPr id="8" name="Rectangle 7">
+              <a:extLst>
+                <a:ext uri="{FF2B5EF4-FFF2-40B4-BE49-F238E27FC236}">
+                  <a16:creationId xmlns:a16="http://schemas.microsoft.com/office/drawing/2014/main" id="{9223EF6B-FB76-AB67-5751-DFBC3D2D31A3}"/>
+                </a:ext>
+              </a:extLst>
+            </p:cNvPr>
+            <p:cNvSpPr/>
+            <p:nvPr/>
+          </p:nvSpPr>
+          <p:spPr>
+            <a:xfrm>
+              <a:off x="7219370" y="300038"/>
+              <a:ext cx="2053218" cy="482387"/>
+            </a:xfrm>
+            <a:prstGeom prst="rect">
+              <a:avLst/>
+            </a:prstGeom>
+            <a:solidFill>
+              <a:schemeClr val="bg1"/>
+            </a:solidFill>
+            <a:ln>
+              <a:solidFill>
+                <a:schemeClr val="tx1"/>
+              </a:solidFill>
+            </a:ln>
+          </p:spPr>
+          <p:style>
+            <a:lnRef idx="2">
+              <a:schemeClr val="accent1">
+                <a:shade val="50000"/>
+              </a:schemeClr>
+            </a:lnRef>
+            <a:fillRef idx="1">
+              <a:schemeClr val="accent1"/>
+            </a:fillRef>
+            <a:effectRef idx="0">
+              <a:schemeClr val="accent1"/>
+            </a:effectRef>
+            <a:fontRef idx="minor">
+              <a:schemeClr val="lt1"/>
+            </a:fontRef>
+          </p:style>
+          <p:txBody>
+            <a:bodyPr rtlCol="0" anchor="ctr"/>
+            <a:lstStyle/>
+            <a:p>
+              <a:pPr algn="ctr"/>
+              <a:endParaRPr lang="en-US"/>
+            </a:p>
+          </p:txBody>
+        </p:sp>
+        <p:sp>
+          <p:nvSpPr>
+            <p:cNvPr id="3" name="TextBox 2">
+              <a:extLst>
+                <a:ext uri="{FF2B5EF4-FFF2-40B4-BE49-F238E27FC236}">
+                  <a16:creationId xmlns:a16="http://schemas.microsoft.com/office/drawing/2014/main" id="{023561F7-E272-C973-131E-ABBDF713DE50}"/>
+                </a:ext>
+              </a:extLst>
+            </p:cNvPr>
+            <p:cNvSpPr txBox="1"/>
+            <p:nvPr/>
+          </p:nvSpPr>
+          <p:spPr>
+            <a:xfrm>
+              <a:off x="7765257" y="300038"/>
+              <a:ext cx="1430200" cy="261610"/>
+            </a:xfrm>
+            <a:prstGeom prst="rect">
+              <a:avLst/>
+            </a:prstGeom>
+            <a:noFill/>
+          </p:spPr>
+          <p:txBody>
+            <a:bodyPr wrap="none" rtlCol="0">
+              <a:spAutoFit/>
+            </a:bodyPr>
+            <a:lstStyle/>
+            <a:p>
+              <a:r>
+                <a:rPr lang="en-US" sz="1100" dirty="0"/>
+                <a:t>Original Population</a:t>
+              </a:r>
+            </a:p>
+          </p:txBody>
+        </p:sp>
+        <p:sp>
+          <p:nvSpPr>
+            <p:cNvPr id="4" name="TextBox 3">
+              <a:extLst>
+                <a:ext uri="{FF2B5EF4-FFF2-40B4-BE49-F238E27FC236}">
+                  <a16:creationId xmlns:a16="http://schemas.microsoft.com/office/drawing/2014/main" id="{FC125FED-2051-ECFC-31D8-944AF3993969}"/>
+                </a:ext>
+              </a:extLst>
+            </p:cNvPr>
+            <p:cNvSpPr txBox="1"/>
+            <p:nvPr/>
+          </p:nvSpPr>
+          <p:spPr>
+            <a:xfrm>
+              <a:off x="7765257" y="509698"/>
+              <a:ext cx="1548822" cy="261610"/>
+            </a:xfrm>
+            <a:prstGeom prst="rect">
+              <a:avLst/>
+            </a:prstGeom>
+            <a:noFill/>
+          </p:spPr>
+          <p:txBody>
+            <a:bodyPr wrap="none" rtlCol="0">
+              <a:spAutoFit/>
+            </a:bodyPr>
+            <a:lstStyle/>
+            <a:p>
+              <a:r>
+                <a:rPr lang="en-US" sz="1100" dirty="0"/>
+                <a:t>Estimated Population</a:t>
+              </a:r>
+            </a:p>
+          </p:txBody>
+        </p:sp>
+        <p:pic>
+          <p:nvPicPr>
+            <p:cNvPr id="7" name="Picture 6">
+              <a:extLst>
+                <a:ext uri="{FF2B5EF4-FFF2-40B4-BE49-F238E27FC236}">
+                  <a16:creationId xmlns:a16="http://schemas.microsoft.com/office/drawing/2014/main" id="{4C263E04-9E84-7D0E-BC73-AED22F739DEF}"/>
+                </a:ext>
+              </a:extLst>
+            </p:cNvPr>
+            <p:cNvPicPr>
+              <a:picLocks noChangeAspect="1"/>
+            </p:cNvPicPr>
+            <p:nvPr/>
+          </p:nvPicPr>
+          <p:blipFill>
+            <a:blip r:embed="rId3"/>
+            <a:stretch>
+              <a:fillRect/>
+            </a:stretch>
+          </p:blipFill>
+          <p:spPr>
+            <a:xfrm>
+              <a:off x="7250906" y="355836"/>
+              <a:ext cx="542926" cy="404354"/>
+            </a:xfrm>
+            <a:prstGeom prst="rect">
+              <a:avLst/>
+            </a:prstGeom>
+          </p:spPr>
+        </p:pic>
+      </p:grpSp>
+    </p:spTree>
+    <p:extLst>
+      <p:ext uri="{BB962C8B-B14F-4D97-AF65-F5344CB8AC3E}">
+        <p14:creationId xmlns:p14="http://schemas.microsoft.com/office/powerpoint/2010/main" val="2629251733"/>
       </p:ext>
     </p:extLst>
   </p:cSld>
@@ -4625,6 +6238,770 @@
       </p:grpSpPr>
       <p:pic>
         <p:nvPicPr>
+          <p:cNvPr id="6" name="Picture 5">
+            <a:extLst>
+              <a:ext uri="{FF2B5EF4-FFF2-40B4-BE49-F238E27FC236}">
+                <a16:creationId xmlns:a16="http://schemas.microsoft.com/office/drawing/2014/main" id="{A6C03750-59C5-F5AD-A235-C7CC8F097DF9}"/>
+              </a:ext>
+            </a:extLst>
+          </p:cNvPr>
+          <p:cNvPicPr>
+            <a:picLocks noChangeAspect="1"/>
+          </p:cNvPicPr>
+          <p:nvPr/>
+        </p:nvPicPr>
+        <p:blipFill>
+          <a:blip r:embed="rId2"/>
+          <a:stretch>
+            <a:fillRect/>
+          </a:stretch>
+        </p:blipFill>
+        <p:spPr>
+          <a:xfrm>
+            <a:off x="-694783" y="1062089"/>
+            <a:ext cx="13581567" cy="4733823"/>
+          </a:xfrm>
+          <a:prstGeom prst="rect">
+            <a:avLst/>
+          </a:prstGeom>
+        </p:spPr>
+      </p:pic>
+      <mc:AlternateContent xmlns:mc="http://schemas.openxmlformats.org/markup-compatibility/2006" xmlns:a14="http://schemas.microsoft.com/office/drawing/2010/main">
+        <mc:Choice Requires="a14">
+          <p:sp>
+            <p:nvSpPr>
+              <p:cNvPr id="7" name="TextBox 6">
+                <a:extLst>
+                  <a:ext uri="{FF2B5EF4-FFF2-40B4-BE49-F238E27FC236}">
+                    <a16:creationId xmlns:a16="http://schemas.microsoft.com/office/drawing/2014/main" id="{000282B0-3858-DAF1-58E7-8BF867566E1C}"/>
+                  </a:ext>
+                </a:extLst>
+              </p:cNvPr>
+              <p:cNvSpPr txBox="1"/>
+              <p:nvPr/>
+            </p:nvSpPr>
+            <p:spPr>
+              <a:xfrm>
+                <a:off x="3436190" y="5242061"/>
+                <a:ext cx="510011" cy="369332"/>
+              </a:xfrm>
+              <a:prstGeom prst="rect">
+                <a:avLst/>
+              </a:prstGeom>
+              <a:noFill/>
+            </p:spPr>
+            <p:txBody>
+              <a:bodyPr wrap="none" rtlCol="0">
+                <a:spAutoFit/>
+              </a:bodyPr>
+              <a:lstStyle/>
+              <a:p>
+                <a:pPr/>
+                <a14:m>
+                  <m:oMathPara xmlns:m="http://schemas.openxmlformats.org/officeDocument/2006/math">
+                    <m:oMathParaPr>
+                      <m:jc m:val="center"/>
+                    </m:oMathParaPr>
+                    <m:oMath xmlns:m="http://schemas.openxmlformats.org/officeDocument/2006/math">
+                      <m:sSub>
+                        <m:sSubPr>
+                          <m:ctrlPr>
+                            <a:rPr lang="en-US" altLang="ko-KR" b="1" i="1" smtClean="0">
+                              <a:solidFill>
+                                <a:srgbClr val="FF0000"/>
+                              </a:solidFill>
+                              <a:latin typeface="Cambria Math" panose="02040503050406030204" pitchFamily="18" charset="0"/>
+                            </a:rPr>
+                          </m:ctrlPr>
+                        </m:sSubPr>
+                        <m:e>
+                          <m:r>
+                            <a:rPr lang="en-US" altLang="ko-KR" b="1" i="1" smtClean="0">
+                              <a:solidFill>
+                                <a:srgbClr val="FF0000"/>
+                              </a:solidFill>
+                              <a:latin typeface="Cambria Math" panose="02040503050406030204" pitchFamily="18" charset="0"/>
+                            </a:rPr>
+                            <m:t>𝒙</m:t>
+                          </m:r>
+                        </m:e>
+                        <m:sub>
+                          <m:r>
+                            <a:rPr lang="en-US" altLang="ko-KR" b="1" i="1" smtClean="0">
+                              <a:solidFill>
+                                <a:srgbClr val="FF0000"/>
+                              </a:solidFill>
+                              <a:latin typeface="Cambria Math" panose="02040503050406030204" pitchFamily="18" charset="0"/>
+                            </a:rPr>
+                            <m:t>𝟎</m:t>
+                          </m:r>
+                        </m:sub>
+                      </m:sSub>
+                    </m:oMath>
+                  </m:oMathPara>
+                </a14:m>
+                <a:endParaRPr lang="ko-KR" altLang="en-US" b="1" dirty="0">
+                  <a:solidFill>
+                    <a:srgbClr val="FF0000"/>
+                  </a:solidFill>
+                </a:endParaRPr>
+              </a:p>
+            </p:txBody>
+          </p:sp>
+        </mc:Choice>
+        <mc:Fallback xmlns="">
+          <p:sp>
+            <p:nvSpPr>
+              <p:cNvPr id="7" name="TextBox 6">
+                <a:extLst>
+                  <a:ext uri="{FF2B5EF4-FFF2-40B4-BE49-F238E27FC236}">
+                    <a16:creationId xmlns:a16="http://schemas.microsoft.com/office/drawing/2014/main" id="{000282B0-3858-DAF1-58E7-8BF867566E1C}"/>
+                  </a:ext>
+                </a:extLst>
+              </p:cNvPr>
+              <p:cNvSpPr txBox="1">
+                <a:spLocks noRot="1" noChangeAspect="1" noMove="1" noResize="1" noEditPoints="1" noAdjustHandles="1" noChangeArrowheads="1" noChangeShapeType="1" noTextEdit="1"/>
+              </p:cNvSpPr>
+              <p:nvPr/>
+            </p:nvSpPr>
+            <p:spPr>
+              <a:xfrm>
+                <a:off x="3436190" y="5242061"/>
+                <a:ext cx="510011" cy="369332"/>
+              </a:xfrm>
+              <a:prstGeom prst="rect">
+                <a:avLst/>
+              </a:prstGeom>
+              <a:blipFill>
+                <a:blip r:embed="rId3"/>
+                <a:stretch>
+                  <a:fillRect b="-1639"/>
+                </a:stretch>
+              </a:blipFill>
+            </p:spPr>
+            <p:txBody>
+              <a:bodyPr/>
+              <a:lstStyle/>
+              <a:p>
+                <a:r>
+                  <a:rPr lang="en-US">
+                    <a:noFill/>
+                  </a:rPr>
+                  <a:t> </a:t>
+                </a:r>
+              </a:p>
+            </p:txBody>
+          </p:sp>
+        </mc:Fallback>
+      </mc:AlternateContent>
+      <p:sp>
+        <p:nvSpPr>
+          <p:cNvPr id="8" name="직사각형 16">
+            <a:extLst>
+              <a:ext uri="{FF2B5EF4-FFF2-40B4-BE49-F238E27FC236}">
+                <a16:creationId xmlns:a16="http://schemas.microsoft.com/office/drawing/2014/main" id="{5089561D-2A0F-B1F9-FF42-AF2D9A2518FB}"/>
+              </a:ext>
+            </a:extLst>
+          </p:cNvPr>
+          <p:cNvSpPr/>
+          <p:nvPr/>
+        </p:nvSpPr>
+        <p:spPr>
+          <a:xfrm>
+            <a:off x="3232990" y="5318760"/>
+            <a:ext cx="203200" cy="203200"/>
+          </a:xfrm>
+          <a:prstGeom prst="rect">
+            <a:avLst/>
+          </a:prstGeom>
+          <a:solidFill>
+            <a:schemeClr val="bg1"/>
+          </a:solidFill>
+          <a:ln>
+            <a:noFill/>
+          </a:ln>
+        </p:spPr>
+        <p:style>
+          <a:lnRef idx="2">
+            <a:schemeClr val="accent1">
+              <a:shade val="50000"/>
+            </a:schemeClr>
+          </a:lnRef>
+          <a:fillRef idx="1">
+            <a:schemeClr val="accent1"/>
+          </a:fillRef>
+          <a:effectRef idx="0">
+            <a:schemeClr val="accent1"/>
+          </a:effectRef>
+          <a:fontRef idx="minor">
+            <a:schemeClr val="lt1"/>
+          </a:fontRef>
+        </p:style>
+        <p:txBody>
+          <a:bodyPr rtlCol="0" anchor="ctr"/>
+          <a:lstStyle/>
+          <a:p>
+            <a:pPr algn="ctr"/>
+            <a:endParaRPr lang="ko-KR" altLang="en-US"/>
+          </a:p>
+        </p:txBody>
+      </p:sp>
+      <p:sp>
+        <p:nvSpPr>
+          <p:cNvPr id="9" name="직사각형 17">
+            <a:extLst>
+              <a:ext uri="{FF2B5EF4-FFF2-40B4-BE49-F238E27FC236}">
+                <a16:creationId xmlns:a16="http://schemas.microsoft.com/office/drawing/2014/main" id="{8380999B-12E8-FC15-463E-74047123B7FF}"/>
+              </a:ext>
+            </a:extLst>
+          </p:cNvPr>
+          <p:cNvSpPr/>
+          <p:nvPr/>
+        </p:nvSpPr>
+        <p:spPr>
+          <a:xfrm>
+            <a:off x="9973155" y="5318760"/>
+            <a:ext cx="203200" cy="203200"/>
+          </a:xfrm>
+          <a:prstGeom prst="rect">
+            <a:avLst/>
+          </a:prstGeom>
+          <a:solidFill>
+            <a:schemeClr val="bg1"/>
+          </a:solidFill>
+          <a:ln>
+            <a:noFill/>
+          </a:ln>
+        </p:spPr>
+        <p:style>
+          <a:lnRef idx="2">
+            <a:schemeClr val="accent1">
+              <a:shade val="50000"/>
+            </a:schemeClr>
+          </a:lnRef>
+          <a:fillRef idx="1">
+            <a:schemeClr val="accent1"/>
+          </a:fillRef>
+          <a:effectRef idx="0">
+            <a:schemeClr val="accent1"/>
+          </a:effectRef>
+          <a:fontRef idx="minor">
+            <a:schemeClr val="lt1"/>
+          </a:fontRef>
+        </p:style>
+        <p:txBody>
+          <a:bodyPr rtlCol="0" anchor="ctr"/>
+          <a:lstStyle/>
+          <a:p>
+            <a:pPr algn="ctr"/>
+            <a:endParaRPr lang="ko-KR" altLang="en-US"/>
+          </a:p>
+        </p:txBody>
+      </p:sp>
+      <mc:AlternateContent xmlns:mc="http://schemas.openxmlformats.org/markup-compatibility/2006" xmlns:a14="http://schemas.microsoft.com/office/drawing/2010/main">
+        <mc:Choice Requires="a14">
+          <p:sp>
+            <p:nvSpPr>
+              <p:cNvPr id="10" name="TextBox 9">
+                <a:extLst>
+                  <a:ext uri="{FF2B5EF4-FFF2-40B4-BE49-F238E27FC236}">
+                    <a16:creationId xmlns:a16="http://schemas.microsoft.com/office/drawing/2014/main" id="{042516F1-23C8-0766-5DE1-78524E59C838}"/>
+                  </a:ext>
+                </a:extLst>
+              </p:cNvPr>
+              <p:cNvSpPr txBox="1"/>
+              <p:nvPr/>
+            </p:nvSpPr>
+            <p:spPr>
+              <a:xfrm>
+                <a:off x="3079585" y="5242061"/>
+                <a:ext cx="510011" cy="369332"/>
+              </a:xfrm>
+              <a:prstGeom prst="rect">
+                <a:avLst/>
+              </a:prstGeom>
+              <a:noFill/>
+            </p:spPr>
+            <p:txBody>
+              <a:bodyPr wrap="none" rtlCol="0">
+                <a:spAutoFit/>
+              </a:bodyPr>
+              <a:lstStyle/>
+              <a:p>
+                <a:pPr/>
+                <a14:m>
+                  <m:oMathPara xmlns:m="http://schemas.openxmlformats.org/officeDocument/2006/math">
+                    <m:oMathParaPr>
+                      <m:jc m:val="center"/>
+                    </m:oMathParaPr>
+                    <m:oMath xmlns:m="http://schemas.openxmlformats.org/officeDocument/2006/math">
+                      <m:sSub>
+                        <m:sSubPr>
+                          <m:ctrlPr>
+                            <a:rPr lang="en-US" altLang="ko-KR" b="1" i="1" smtClean="0">
+                              <a:solidFill>
+                                <a:srgbClr val="0070C0"/>
+                              </a:solidFill>
+                              <a:latin typeface="Cambria Math" panose="02040503050406030204" pitchFamily="18" charset="0"/>
+                            </a:rPr>
+                          </m:ctrlPr>
+                        </m:sSubPr>
+                        <m:e>
+                          <m:r>
+                            <a:rPr lang="en-US" altLang="ko-KR" b="1" i="1" smtClean="0">
+                              <a:solidFill>
+                                <a:srgbClr val="0070C0"/>
+                              </a:solidFill>
+                              <a:latin typeface="Cambria Math" panose="02040503050406030204" pitchFamily="18" charset="0"/>
+                            </a:rPr>
+                            <m:t>𝒙</m:t>
+                          </m:r>
+                        </m:e>
+                        <m:sub>
+                          <m:r>
+                            <a:rPr lang="en-US" altLang="ko-KR" b="1" i="1" smtClean="0">
+                              <a:solidFill>
+                                <a:srgbClr val="0070C0"/>
+                              </a:solidFill>
+                              <a:latin typeface="Cambria Math" panose="02040503050406030204" pitchFamily="18" charset="0"/>
+                            </a:rPr>
+                            <m:t>𝟏</m:t>
+                          </m:r>
+                        </m:sub>
+                      </m:sSub>
+                    </m:oMath>
+                  </m:oMathPara>
+                </a14:m>
+                <a:endParaRPr lang="ko-KR" altLang="en-US" b="1" dirty="0">
+                  <a:solidFill>
+                    <a:srgbClr val="0070C0"/>
+                  </a:solidFill>
+                </a:endParaRPr>
+              </a:p>
+            </p:txBody>
+          </p:sp>
+        </mc:Choice>
+        <mc:Fallback xmlns="">
+          <p:sp>
+            <p:nvSpPr>
+              <p:cNvPr id="10" name="TextBox 9">
+                <a:extLst>
+                  <a:ext uri="{FF2B5EF4-FFF2-40B4-BE49-F238E27FC236}">
+                    <a16:creationId xmlns:a16="http://schemas.microsoft.com/office/drawing/2014/main" id="{042516F1-23C8-0766-5DE1-78524E59C838}"/>
+                  </a:ext>
+                </a:extLst>
+              </p:cNvPr>
+              <p:cNvSpPr txBox="1">
+                <a:spLocks noRot="1" noChangeAspect="1" noMove="1" noResize="1" noEditPoints="1" noAdjustHandles="1" noChangeArrowheads="1" noChangeShapeType="1" noTextEdit="1"/>
+              </p:cNvSpPr>
+              <p:nvPr/>
+            </p:nvSpPr>
+            <p:spPr>
+              <a:xfrm>
+                <a:off x="3079585" y="5242061"/>
+                <a:ext cx="510011" cy="369332"/>
+              </a:xfrm>
+              <a:prstGeom prst="rect">
+                <a:avLst/>
+              </a:prstGeom>
+              <a:blipFill>
+                <a:blip r:embed="rId4"/>
+                <a:stretch>
+                  <a:fillRect b="-1639"/>
+                </a:stretch>
+              </a:blipFill>
+            </p:spPr>
+            <p:txBody>
+              <a:bodyPr/>
+              <a:lstStyle/>
+              <a:p>
+                <a:r>
+                  <a:rPr lang="en-US">
+                    <a:noFill/>
+                  </a:rPr>
+                  <a:t> </a:t>
+                </a:r>
+              </a:p>
+            </p:txBody>
+          </p:sp>
+        </mc:Fallback>
+      </mc:AlternateContent>
+      <mc:AlternateContent xmlns:mc="http://schemas.openxmlformats.org/markup-compatibility/2006" xmlns:a14="http://schemas.microsoft.com/office/drawing/2010/main">
+        <mc:Choice Requires="a14">
+          <p:sp>
+            <p:nvSpPr>
+              <p:cNvPr id="11" name="TextBox 10">
+                <a:extLst>
+                  <a:ext uri="{FF2B5EF4-FFF2-40B4-BE49-F238E27FC236}">
+                    <a16:creationId xmlns:a16="http://schemas.microsoft.com/office/drawing/2014/main" id="{378954EA-A07B-1D36-2F3E-1F0B93EE507A}"/>
+                  </a:ext>
+                </a:extLst>
+              </p:cNvPr>
+              <p:cNvSpPr txBox="1"/>
+              <p:nvPr/>
+            </p:nvSpPr>
+            <p:spPr>
+              <a:xfrm>
+                <a:off x="9819749" y="5242061"/>
+                <a:ext cx="510011" cy="369332"/>
+              </a:xfrm>
+              <a:prstGeom prst="rect">
+                <a:avLst/>
+              </a:prstGeom>
+              <a:noFill/>
+            </p:spPr>
+            <p:txBody>
+              <a:bodyPr wrap="none" rtlCol="0">
+                <a:spAutoFit/>
+              </a:bodyPr>
+              <a:lstStyle/>
+              <a:p>
+                <a:pPr/>
+                <a14:m>
+                  <m:oMathPara xmlns:m="http://schemas.openxmlformats.org/officeDocument/2006/math">
+                    <m:oMathParaPr>
+                      <m:jc m:val="center"/>
+                    </m:oMathParaPr>
+                    <m:oMath xmlns:m="http://schemas.openxmlformats.org/officeDocument/2006/math">
+                      <m:sSub>
+                        <m:sSubPr>
+                          <m:ctrlPr>
+                            <a:rPr lang="en-US" altLang="ko-KR" b="1" i="1" smtClean="0">
+                              <a:solidFill>
+                                <a:srgbClr val="0070C0"/>
+                              </a:solidFill>
+                              <a:latin typeface="Cambria Math" panose="02040503050406030204" pitchFamily="18" charset="0"/>
+                            </a:rPr>
+                          </m:ctrlPr>
+                        </m:sSubPr>
+                        <m:e>
+                          <m:r>
+                            <a:rPr lang="en-US" altLang="ko-KR" b="1" i="1" smtClean="0">
+                              <a:solidFill>
+                                <a:srgbClr val="0070C0"/>
+                              </a:solidFill>
+                              <a:latin typeface="Cambria Math" panose="02040503050406030204" pitchFamily="18" charset="0"/>
+                            </a:rPr>
+                            <m:t>𝒙</m:t>
+                          </m:r>
+                        </m:e>
+                        <m:sub>
+                          <m:r>
+                            <a:rPr lang="en-US" altLang="ko-KR" b="1" i="1" smtClean="0">
+                              <a:solidFill>
+                                <a:srgbClr val="0070C0"/>
+                              </a:solidFill>
+                              <a:latin typeface="Cambria Math" panose="02040503050406030204" pitchFamily="18" charset="0"/>
+                            </a:rPr>
+                            <m:t>𝟏</m:t>
+                          </m:r>
+                        </m:sub>
+                      </m:sSub>
+                    </m:oMath>
+                  </m:oMathPara>
+                </a14:m>
+                <a:endParaRPr lang="ko-KR" altLang="en-US" b="1" dirty="0">
+                  <a:solidFill>
+                    <a:srgbClr val="0070C0"/>
+                  </a:solidFill>
+                </a:endParaRPr>
+              </a:p>
+            </p:txBody>
+          </p:sp>
+        </mc:Choice>
+        <mc:Fallback xmlns="">
+          <p:sp>
+            <p:nvSpPr>
+              <p:cNvPr id="11" name="TextBox 10">
+                <a:extLst>
+                  <a:ext uri="{FF2B5EF4-FFF2-40B4-BE49-F238E27FC236}">
+                    <a16:creationId xmlns:a16="http://schemas.microsoft.com/office/drawing/2014/main" id="{378954EA-A07B-1D36-2F3E-1F0B93EE507A}"/>
+                  </a:ext>
+                </a:extLst>
+              </p:cNvPr>
+              <p:cNvSpPr txBox="1">
+                <a:spLocks noRot="1" noChangeAspect="1" noMove="1" noResize="1" noEditPoints="1" noAdjustHandles="1" noChangeArrowheads="1" noChangeShapeType="1" noTextEdit="1"/>
+              </p:cNvSpPr>
+              <p:nvPr/>
+            </p:nvSpPr>
+            <p:spPr>
+              <a:xfrm>
+                <a:off x="9819749" y="5242061"/>
+                <a:ext cx="510011" cy="369332"/>
+              </a:xfrm>
+              <a:prstGeom prst="rect">
+                <a:avLst/>
+              </a:prstGeom>
+              <a:blipFill>
+                <a:blip r:embed="rId5"/>
+                <a:stretch>
+                  <a:fillRect b="-1639"/>
+                </a:stretch>
+              </a:blipFill>
+            </p:spPr>
+            <p:txBody>
+              <a:bodyPr/>
+              <a:lstStyle/>
+              <a:p>
+                <a:r>
+                  <a:rPr lang="en-US">
+                    <a:noFill/>
+                  </a:rPr>
+                  <a:t> </a:t>
+                </a:r>
+              </a:p>
+            </p:txBody>
+          </p:sp>
+        </mc:Fallback>
+      </mc:AlternateContent>
+      <mc:AlternateContent xmlns:mc="http://schemas.openxmlformats.org/markup-compatibility/2006" xmlns:a14="http://schemas.microsoft.com/office/drawing/2010/main">
+        <mc:Choice Requires="a14">
+          <p:sp>
+            <p:nvSpPr>
+              <p:cNvPr id="12" name="TextBox 11">
+                <a:extLst>
+                  <a:ext uri="{FF2B5EF4-FFF2-40B4-BE49-F238E27FC236}">
+                    <a16:creationId xmlns:a16="http://schemas.microsoft.com/office/drawing/2014/main" id="{7CF8ECEC-40E4-43BC-75D5-27AD5A07935C}"/>
+                  </a:ext>
+                </a:extLst>
+              </p:cNvPr>
+              <p:cNvSpPr txBox="1"/>
+              <p:nvPr/>
+            </p:nvSpPr>
+            <p:spPr>
+              <a:xfrm>
+                <a:off x="9386441" y="5242061"/>
+                <a:ext cx="510011" cy="369332"/>
+              </a:xfrm>
+              <a:prstGeom prst="rect">
+                <a:avLst/>
+              </a:prstGeom>
+              <a:noFill/>
+            </p:spPr>
+            <p:txBody>
+              <a:bodyPr wrap="none" rtlCol="0">
+                <a:spAutoFit/>
+              </a:bodyPr>
+              <a:lstStyle/>
+              <a:p>
+                <a:pPr/>
+                <a14:m>
+                  <m:oMathPara xmlns:m="http://schemas.openxmlformats.org/officeDocument/2006/math">
+                    <m:oMathParaPr>
+                      <m:jc m:val="center"/>
+                    </m:oMathParaPr>
+                    <m:oMath xmlns:m="http://schemas.openxmlformats.org/officeDocument/2006/math">
+                      <m:sSub>
+                        <m:sSubPr>
+                          <m:ctrlPr>
+                            <a:rPr lang="en-US" altLang="ko-KR" b="1" i="1" smtClean="0">
+                              <a:solidFill>
+                                <a:srgbClr val="FF0000"/>
+                              </a:solidFill>
+                              <a:latin typeface="Cambria Math" panose="02040503050406030204" pitchFamily="18" charset="0"/>
+                            </a:rPr>
+                          </m:ctrlPr>
+                        </m:sSubPr>
+                        <m:e>
+                          <m:r>
+                            <a:rPr lang="en-US" altLang="ko-KR" b="1" i="1" smtClean="0">
+                              <a:solidFill>
+                                <a:srgbClr val="FF0000"/>
+                              </a:solidFill>
+                              <a:latin typeface="Cambria Math" panose="02040503050406030204" pitchFamily="18" charset="0"/>
+                            </a:rPr>
+                            <m:t>𝒙</m:t>
+                          </m:r>
+                        </m:e>
+                        <m:sub>
+                          <m:r>
+                            <a:rPr lang="en-US" altLang="ko-KR" b="1" i="1" smtClean="0">
+                              <a:solidFill>
+                                <a:srgbClr val="FF0000"/>
+                              </a:solidFill>
+                              <a:latin typeface="Cambria Math" panose="02040503050406030204" pitchFamily="18" charset="0"/>
+                            </a:rPr>
+                            <m:t>𝟎</m:t>
+                          </m:r>
+                        </m:sub>
+                      </m:sSub>
+                    </m:oMath>
+                  </m:oMathPara>
+                </a14:m>
+                <a:endParaRPr lang="ko-KR" altLang="en-US" b="1" dirty="0">
+                  <a:solidFill>
+                    <a:srgbClr val="FF0000"/>
+                  </a:solidFill>
+                </a:endParaRPr>
+              </a:p>
+            </p:txBody>
+          </p:sp>
+        </mc:Choice>
+        <mc:Fallback xmlns="">
+          <p:sp>
+            <p:nvSpPr>
+              <p:cNvPr id="12" name="TextBox 11">
+                <a:extLst>
+                  <a:ext uri="{FF2B5EF4-FFF2-40B4-BE49-F238E27FC236}">
+                    <a16:creationId xmlns:a16="http://schemas.microsoft.com/office/drawing/2014/main" id="{7CF8ECEC-40E4-43BC-75D5-27AD5A07935C}"/>
+                  </a:ext>
+                </a:extLst>
+              </p:cNvPr>
+              <p:cNvSpPr txBox="1">
+                <a:spLocks noRot="1" noChangeAspect="1" noMove="1" noResize="1" noEditPoints="1" noAdjustHandles="1" noChangeArrowheads="1" noChangeShapeType="1" noTextEdit="1"/>
+              </p:cNvSpPr>
+              <p:nvPr/>
+            </p:nvSpPr>
+            <p:spPr>
+              <a:xfrm>
+                <a:off x="9386441" y="5242061"/>
+                <a:ext cx="510011" cy="369332"/>
+              </a:xfrm>
+              <a:prstGeom prst="rect">
+                <a:avLst/>
+              </a:prstGeom>
+              <a:blipFill>
+                <a:blip r:embed="rId6"/>
+                <a:stretch>
+                  <a:fillRect b="-1639"/>
+                </a:stretch>
+              </a:blipFill>
+            </p:spPr>
+            <p:txBody>
+              <a:bodyPr/>
+              <a:lstStyle/>
+              <a:p>
+                <a:r>
+                  <a:rPr lang="en-US">
+                    <a:noFill/>
+                  </a:rPr>
+                  <a:t> </a:t>
+                </a:r>
+              </a:p>
+            </p:txBody>
+          </p:sp>
+        </mc:Fallback>
+      </mc:AlternateContent>
+      <p:cxnSp>
+        <p:nvCxnSpPr>
+          <p:cNvPr id="13" name="직선 화살표 연결선 22">
+            <a:extLst>
+              <a:ext uri="{FF2B5EF4-FFF2-40B4-BE49-F238E27FC236}">
+                <a16:creationId xmlns:a16="http://schemas.microsoft.com/office/drawing/2014/main" id="{7064EFD0-8530-8F59-81D1-90132F328862}"/>
+              </a:ext>
+            </a:extLst>
+          </p:cNvPr>
+          <p:cNvCxnSpPr>
+            <a:cxnSpLocks/>
+          </p:cNvCxnSpPr>
+          <p:nvPr/>
+        </p:nvCxnSpPr>
+        <p:spPr>
+          <a:xfrm flipV="1">
+            <a:off x="8719793" y="1923068"/>
+            <a:ext cx="1253362" cy="329938"/>
+          </a:xfrm>
+          <a:prstGeom prst="straightConnector1">
+            <a:avLst/>
+          </a:prstGeom>
+          <a:ln w="57150">
+            <a:solidFill>
+              <a:schemeClr val="accent1"/>
+            </a:solidFill>
+            <a:tailEnd type="triangle"/>
+          </a:ln>
+        </p:spPr>
+        <p:style>
+          <a:lnRef idx="1">
+            <a:schemeClr val="accent1"/>
+          </a:lnRef>
+          <a:fillRef idx="0">
+            <a:schemeClr val="accent1"/>
+          </a:fillRef>
+          <a:effectRef idx="0">
+            <a:schemeClr val="accent1"/>
+          </a:effectRef>
+          <a:fontRef idx="minor">
+            <a:schemeClr val="tx1"/>
+          </a:fontRef>
+        </p:style>
+      </p:cxnSp>
+      <p:cxnSp>
+        <p:nvCxnSpPr>
+          <p:cNvPr id="14" name="직선 화살표 연결선 24">
+            <a:extLst>
+              <a:ext uri="{FF2B5EF4-FFF2-40B4-BE49-F238E27FC236}">
+                <a16:creationId xmlns:a16="http://schemas.microsoft.com/office/drawing/2014/main" id="{C6F1977A-6D6B-11BE-A1DD-5A6BA5B7B964}"/>
+              </a:ext>
+            </a:extLst>
+          </p:cNvPr>
+          <p:cNvCxnSpPr>
+            <a:cxnSpLocks/>
+          </p:cNvCxnSpPr>
+          <p:nvPr/>
+        </p:nvCxnSpPr>
+        <p:spPr>
+          <a:xfrm>
+            <a:off x="2960016" y="3026004"/>
+            <a:ext cx="447893" cy="2012739"/>
+          </a:xfrm>
+          <a:prstGeom prst="straightConnector1">
+            <a:avLst/>
+          </a:prstGeom>
+          <a:ln w="57150">
+            <a:solidFill>
+              <a:schemeClr val="accent1"/>
+            </a:solidFill>
+            <a:tailEnd type="triangle"/>
+          </a:ln>
+        </p:spPr>
+        <p:style>
+          <a:lnRef idx="1">
+            <a:schemeClr val="accent1"/>
+          </a:lnRef>
+          <a:fillRef idx="0">
+            <a:schemeClr val="accent1"/>
+          </a:fillRef>
+          <a:effectRef idx="0">
+            <a:schemeClr val="accent1"/>
+          </a:effectRef>
+          <a:fontRef idx="minor">
+            <a:schemeClr val="tx1"/>
+          </a:fontRef>
+        </p:style>
+      </p:cxnSp>
+    </p:spTree>
+    <p:extLst>
+      <p:ext uri="{BB962C8B-B14F-4D97-AF65-F5344CB8AC3E}">
+        <p14:creationId xmlns:p14="http://schemas.microsoft.com/office/powerpoint/2010/main" val="3176696980"/>
+      </p:ext>
+    </p:extLst>
+  </p:cSld>
+  <p:clrMapOvr>
+    <a:masterClrMapping/>
+  </p:clrMapOvr>
+</p:sld>
+</file>
+
+<file path=ppt/slides/slide5.xml><?xml version="1.0" encoding="utf-8"?>
+<p:sld xmlns:a="http://schemas.openxmlformats.org/drawingml/2006/main" xmlns:r="http://schemas.openxmlformats.org/officeDocument/2006/relationships" xmlns:p="http://schemas.openxmlformats.org/presentationml/2006/main">
+  <p:cSld>
+    <p:spTree>
+      <p:nvGrpSpPr>
+        <p:cNvPr id="1" name=""/>
+        <p:cNvGrpSpPr/>
+        <p:nvPr/>
+      </p:nvGrpSpPr>
+      <p:grpSpPr>
+        <a:xfrm>
+          <a:off x="0" y="0"/>
+          <a:ext cx="0" cy="0"/>
+          <a:chOff x="0" y="0"/>
+          <a:chExt cx="0" cy="0"/>
+        </a:xfrm>
+      </p:grpSpPr>
+      <p:pic>
+        <p:nvPicPr>
           <p:cNvPr id="5" name="그림 4">
             <a:extLst>
               <a:ext uri="{FF2B5EF4-FFF2-40B4-BE49-F238E27FC236}">
@@ -4666,7 +7043,7 @@
 </p:sld>
 </file>
 
-<file path=ppt/slides/slide5.xml><?xml version="1.0" encoding="utf-8"?>
+<file path=ppt/slides/slide6.xml><?xml version="1.0" encoding="utf-8"?>
 <p:sld xmlns:a="http://schemas.openxmlformats.org/drawingml/2006/main" xmlns:r="http://schemas.openxmlformats.org/officeDocument/2006/relationships" xmlns:p="http://schemas.openxmlformats.org/presentationml/2006/main">
   <p:cSld>
     <p:spTree>
@@ -4726,7 +7103,154 @@
 </p:sld>
 </file>
 
-<file path=ppt/slides/slide6.xml><?xml version="1.0" encoding="utf-8"?>
+<file path=ppt/slides/slide7.xml><?xml version="1.0" encoding="utf-8"?>
+<p:sld xmlns:a="http://schemas.openxmlformats.org/drawingml/2006/main" xmlns:r="http://schemas.openxmlformats.org/officeDocument/2006/relationships" xmlns:p="http://schemas.openxmlformats.org/presentationml/2006/main">
+  <p:cSld>
+    <p:spTree>
+      <p:nvGrpSpPr>
+        <p:cNvPr id="1" name=""/>
+        <p:cNvGrpSpPr/>
+        <p:nvPr/>
+      </p:nvGrpSpPr>
+      <p:grpSpPr>
+        <a:xfrm>
+          <a:off x="0" y="0"/>
+          <a:ext cx="0" cy="0"/>
+          <a:chOff x="0" y="0"/>
+          <a:chExt cx="0" cy="0"/>
+        </a:xfrm>
+      </p:grpSpPr>
+      <p:pic>
+        <p:nvPicPr>
+          <p:cNvPr id="4" name="그림 3">
+            <a:extLst>
+              <a:ext uri="{FF2B5EF4-FFF2-40B4-BE49-F238E27FC236}">
+                <a16:creationId xmlns:a16="http://schemas.microsoft.com/office/drawing/2014/main" id="{16E843D2-3A47-457D-9C50-B717A7534897}"/>
+              </a:ext>
+            </a:extLst>
+          </p:cNvPr>
+          <p:cNvPicPr>
+            <a:picLocks noChangeAspect="1"/>
+          </p:cNvPicPr>
+          <p:nvPr/>
+        </p:nvPicPr>
+        <p:blipFill>
+          <a:blip r:embed="rId2"/>
+          <a:stretch>
+            <a:fillRect/>
+          </a:stretch>
+        </p:blipFill>
+        <p:spPr>
+          <a:xfrm>
+            <a:off x="2540383" y="772998"/>
+            <a:ext cx="7111234" cy="5312004"/>
+          </a:xfrm>
+          <a:prstGeom prst="rect">
+            <a:avLst/>
+          </a:prstGeom>
+        </p:spPr>
+      </p:pic>
+      <p:sp>
+        <p:nvSpPr>
+          <p:cNvPr id="2" name="Rectangle 1">
+            <a:extLst>
+              <a:ext uri="{FF2B5EF4-FFF2-40B4-BE49-F238E27FC236}">
+                <a16:creationId xmlns:a16="http://schemas.microsoft.com/office/drawing/2014/main" id="{41DED98E-121A-83D3-D7F6-DD29693831D9}"/>
+              </a:ext>
+            </a:extLst>
+          </p:cNvPr>
+          <p:cNvSpPr/>
+          <p:nvPr/>
+        </p:nvSpPr>
+        <p:spPr>
+          <a:xfrm>
+            <a:off x="5284763" y="806548"/>
+            <a:ext cx="1735015" cy="323557"/>
+          </a:xfrm>
+          <a:prstGeom prst="rect">
+            <a:avLst/>
+          </a:prstGeom>
+          <a:solidFill>
+            <a:schemeClr val="bg1"/>
+          </a:solidFill>
+          <a:ln>
+            <a:noFill/>
+          </a:ln>
+        </p:spPr>
+        <p:style>
+          <a:lnRef idx="2">
+            <a:schemeClr val="accent1">
+              <a:shade val="50000"/>
+            </a:schemeClr>
+          </a:lnRef>
+          <a:fillRef idx="1">
+            <a:schemeClr val="accent1"/>
+          </a:fillRef>
+          <a:effectRef idx="0">
+            <a:schemeClr val="accent1"/>
+          </a:effectRef>
+          <a:fontRef idx="minor">
+            <a:schemeClr val="lt1"/>
+          </a:fontRef>
+        </p:style>
+        <p:txBody>
+          <a:bodyPr rtlCol="0" anchor="ctr"/>
+          <a:lstStyle/>
+          <a:p>
+            <a:pPr algn="ctr"/>
+            <a:endParaRPr lang="en-US"/>
+          </a:p>
+        </p:txBody>
+      </p:sp>
+      <p:sp>
+        <p:nvSpPr>
+          <p:cNvPr id="3" name="TextBox 2">
+            <a:extLst>
+              <a:ext uri="{FF2B5EF4-FFF2-40B4-BE49-F238E27FC236}">
+                <a16:creationId xmlns:a16="http://schemas.microsoft.com/office/drawing/2014/main" id="{3394678F-7738-85BF-C2E0-B6611F930075}"/>
+              </a:ext>
+            </a:extLst>
+          </p:cNvPr>
+          <p:cNvSpPr txBox="1"/>
+          <p:nvPr/>
+        </p:nvSpPr>
+        <p:spPr>
+          <a:xfrm>
+            <a:off x="5373704" y="726438"/>
+            <a:ext cx="1686680" cy="369332"/>
+          </a:xfrm>
+          <a:prstGeom prst="rect">
+            <a:avLst/>
+          </a:prstGeom>
+          <a:noFill/>
+        </p:spPr>
+        <p:txBody>
+          <a:bodyPr wrap="none" rtlCol="0">
+            <a:spAutoFit/>
+          </a:bodyPr>
+          <a:lstStyle/>
+          <a:p>
+            <a:r>
+              <a:rPr lang="en-US" b="1" dirty="0"/>
+              <a:t>1000 samples</a:t>
+            </a:r>
+          </a:p>
+        </p:txBody>
+      </p:sp>
+    </p:spTree>
+    <p:extLst>
+      <p:ext uri="{BB962C8B-B14F-4D97-AF65-F5344CB8AC3E}">
+        <p14:creationId xmlns:p14="http://schemas.microsoft.com/office/powerpoint/2010/main" val="1001476868"/>
+      </p:ext>
+    </p:extLst>
+  </p:cSld>
+  <p:clrMapOvr>
+    <a:masterClrMapping/>
+  </p:clrMapOvr>
+</p:sld>
+</file>
+
+<file path=ppt/slides/slide8.xml><?xml version="1.0" encoding="utf-8"?>
 <p:sld xmlns:a="http://schemas.openxmlformats.org/drawingml/2006/main" xmlns:r="http://schemas.openxmlformats.org/officeDocument/2006/relationships" xmlns:p="http://schemas.openxmlformats.org/presentationml/2006/main">
   <p:cSld>
     <p:spTree>
@@ -4773,8 +7297,8 @@
           </a:prstGeom>
         </p:spPr>
       </p:pic>
-      <mc:AlternateContent xmlns:mc="http://schemas.openxmlformats.org/markup-compatibility/2006">
-        <mc:Choice xmlns:a14="http://schemas.microsoft.com/office/drawing/2010/main" Requires="a14">
+      <mc:AlternateContent xmlns:mc="http://schemas.openxmlformats.org/markup-compatibility/2006" xmlns:a14="http://schemas.microsoft.com/office/drawing/2010/main">
+        <mc:Choice Requires="a14">
           <p:sp>
             <p:nvSpPr>
               <p:cNvPr id="5" name="TextBox 4">
@@ -4864,7 +7388,7 @@
             </p:txBody>
           </p:sp>
         </mc:Choice>
-        <mc:Fallback>
+        <mc:Fallback xmlns="">
           <p:sp>
             <p:nvSpPr>
               <p:cNvPr id="5" name="TextBox 4">
@@ -4993,651 +7517,6 @@
 </p:sld>
 </file>
 
-<file path=ppt/slides/slide7.xml><?xml version="1.0" encoding="utf-8"?>
-<p:sld xmlns:a="http://schemas.openxmlformats.org/drawingml/2006/main" xmlns:r="http://schemas.openxmlformats.org/officeDocument/2006/relationships" xmlns:p="http://schemas.openxmlformats.org/presentationml/2006/main">
-  <p:cSld>
-    <p:spTree>
-      <p:nvGrpSpPr>
-        <p:cNvPr id="1" name=""/>
-        <p:cNvGrpSpPr/>
-        <p:nvPr/>
-      </p:nvGrpSpPr>
-      <p:grpSpPr>
-        <a:xfrm>
-          <a:off x="0" y="0"/>
-          <a:ext cx="0" cy="0"/>
-          <a:chOff x="0" y="0"/>
-          <a:chExt cx="0" cy="0"/>
-        </a:xfrm>
-      </p:grpSpPr>
-      <p:pic>
-        <p:nvPicPr>
-          <p:cNvPr id="7" name="그림 6">
-            <a:extLst>
-              <a:ext uri="{FF2B5EF4-FFF2-40B4-BE49-F238E27FC236}">
-                <a16:creationId xmlns:a16="http://schemas.microsoft.com/office/drawing/2014/main" id="{12A30D80-B010-407C-8B36-1A268D385644}"/>
-              </a:ext>
-            </a:extLst>
-          </p:cNvPr>
-          <p:cNvPicPr>
-            <a:picLocks noChangeAspect="1"/>
-          </p:cNvPicPr>
-          <p:nvPr/>
-        </p:nvPicPr>
-        <p:blipFill>
-          <a:blip r:embed="rId2"/>
-          <a:stretch>
-            <a:fillRect/>
-          </a:stretch>
-        </p:blipFill>
-        <p:spPr>
-          <a:xfrm>
-            <a:off x="1280184" y="688157"/>
-            <a:ext cx="9631632" cy="5481686"/>
-          </a:xfrm>
-          <a:prstGeom prst="rect">
-            <a:avLst/>
-          </a:prstGeom>
-        </p:spPr>
-      </p:pic>
-      <mc:AlternateContent xmlns:mc="http://schemas.openxmlformats.org/markup-compatibility/2006">
-        <mc:Choice xmlns:a14="http://schemas.microsoft.com/office/drawing/2010/main" Requires="a14">
-          <p:sp>
-            <p:nvSpPr>
-              <p:cNvPr id="5" name="TextBox 4">
-                <a:extLst>
-                  <a:ext uri="{FF2B5EF4-FFF2-40B4-BE49-F238E27FC236}">
-                    <a16:creationId xmlns:a16="http://schemas.microsoft.com/office/drawing/2014/main" id="{655D8B22-3EE2-4BA9-B650-601BB726175A}"/>
-                  </a:ext>
-                </a:extLst>
-              </p:cNvPr>
-              <p:cNvSpPr txBox="1"/>
-              <p:nvPr/>
-            </p:nvSpPr>
-            <p:spPr>
-              <a:xfrm>
-                <a:off x="2545233" y="2450968"/>
-                <a:ext cx="3698000" cy="400110"/>
-              </a:xfrm>
-              <a:prstGeom prst="rect">
-                <a:avLst/>
-              </a:prstGeom>
-              <a:noFill/>
-            </p:spPr>
-            <p:txBody>
-              <a:bodyPr wrap="none" rtlCol="0">
-                <a:spAutoFit/>
-              </a:bodyPr>
-              <a:lstStyle/>
-              <a:p>
-                <a14:m>
-                  <m:oMath xmlns:m="http://schemas.openxmlformats.org/officeDocument/2006/math">
-                    <m:r>
-                      <a:rPr lang="en-US" altLang="ko-KR" sz="2000" b="1" i="1" smtClean="0">
-                        <a:solidFill>
-                          <a:srgbClr val="D95319"/>
-                        </a:solidFill>
-                        <a:latin typeface="Cambria Math" panose="02040503050406030204" pitchFamily="18" charset="0"/>
-                      </a:rPr>
-                      <m:t>𝝁</m:t>
-                    </m:r>
-                    <m:r>
-                      <a:rPr lang="en-US" altLang="ko-KR" sz="2000" b="1" i="1" smtClean="0">
-                        <a:solidFill>
-                          <a:srgbClr val="D95319"/>
-                        </a:solidFill>
-                        <a:latin typeface="Cambria Math" panose="02040503050406030204" pitchFamily="18" charset="0"/>
-                      </a:rPr>
-                      <m:t>=</m:t>
-                    </m:r>
-                    <m:sSub>
-                      <m:sSubPr>
-                        <m:ctrlPr>
-                          <a:rPr lang="en-US" altLang="ko-KR" sz="2000" b="1" i="1" smtClean="0">
-                            <a:solidFill>
-                              <a:srgbClr val="D95319"/>
-                            </a:solidFill>
-                            <a:latin typeface="Cambria Math" panose="02040503050406030204" pitchFamily="18" charset="0"/>
-                          </a:rPr>
-                        </m:ctrlPr>
-                      </m:sSubPr>
-                      <m:e>
-                        <m:r>
-                          <a:rPr lang="en-US" altLang="ko-KR" sz="2000" b="1" i="1" smtClean="0">
-                            <a:solidFill>
-                              <a:srgbClr val="D95319"/>
-                            </a:solidFill>
-                            <a:latin typeface="Cambria Math" panose="02040503050406030204" pitchFamily="18" charset="0"/>
-                          </a:rPr>
-                          <m:t>𝝁</m:t>
-                        </m:r>
-                      </m:e>
-                      <m:sub>
-                        <m:r>
-                          <a:rPr lang="en-US" altLang="ko-KR" sz="2000" b="1" i="1" smtClean="0">
-                            <a:solidFill>
-                              <a:srgbClr val="D95319"/>
-                            </a:solidFill>
-                            <a:latin typeface="Cambria Math" panose="02040503050406030204" pitchFamily="18" charset="0"/>
-                          </a:rPr>
-                          <m:t>𝒐𝒍𝒅</m:t>
-                        </m:r>
-                      </m:sub>
-                    </m:sSub>
-                  </m:oMath>
-                </a14:m>
-                <a:r>
-                  <a:rPr lang="ko-KR" altLang="en-US" sz="2000" b="1" dirty="0">
-                    <a:solidFill>
-                      <a:srgbClr val="D95319"/>
-                    </a:solidFill>
-                  </a:rPr>
-                  <a:t>인 경우의 </a:t>
-                </a:r>
-                <a:r>
-                  <a:rPr lang="en-US" altLang="ko-KR" sz="2000" b="1" dirty="0">
-                    <a:solidFill>
-                      <a:srgbClr val="D95319"/>
-                    </a:solidFill>
-                  </a:rPr>
-                  <a:t>target </a:t>
-                </a:r>
-                <a:r>
-                  <a:rPr lang="ko-KR" altLang="en-US" sz="2000" b="1" dirty="0">
-                    <a:solidFill>
-                      <a:srgbClr val="D95319"/>
-                    </a:solidFill>
-                  </a:rPr>
-                  <a:t>분포</a:t>
-                </a:r>
-              </a:p>
-            </p:txBody>
-          </p:sp>
-        </mc:Choice>
-        <mc:Fallback>
-          <p:sp>
-            <p:nvSpPr>
-              <p:cNvPr id="5" name="TextBox 4">
-                <a:extLst>
-                  <a:ext uri="{FF2B5EF4-FFF2-40B4-BE49-F238E27FC236}">
-                    <a16:creationId xmlns:a16="http://schemas.microsoft.com/office/drawing/2014/main" id="{655D8B22-3EE2-4BA9-B650-601BB726175A}"/>
-                  </a:ext>
-                </a:extLst>
-              </p:cNvPr>
-              <p:cNvSpPr txBox="1">
-                <a:spLocks noRot="1" noChangeAspect="1" noMove="1" noResize="1" noEditPoints="1" noAdjustHandles="1" noChangeArrowheads="1" noChangeShapeType="1" noTextEdit="1"/>
-              </p:cNvSpPr>
-              <p:nvPr/>
-            </p:nvSpPr>
-            <p:spPr>
-              <a:xfrm>
-                <a:off x="2545233" y="2450968"/>
-                <a:ext cx="3698000" cy="400110"/>
-              </a:xfrm>
-              <a:prstGeom prst="rect">
-                <a:avLst/>
-              </a:prstGeom>
-              <a:blipFill>
-                <a:blip r:embed="rId3"/>
-                <a:stretch>
-                  <a:fillRect t="-7576" r="-825" b="-25758"/>
-                </a:stretch>
-              </a:blipFill>
-            </p:spPr>
-            <p:txBody>
-              <a:bodyPr/>
-              <a:lstStyle/>
-              <a:p>
-                <a:r>
-                  <a:rPr lang="ko-KR" altLang="en-US">
-                    <a:noFill/>
-                  </a:rPr>
-                  <a:t> </a:t>
-                </a:r>
-              </a:p>
-            </p:txBody>
-          </p:sp>
-        </mc:Fallback>
-      </mc:AlternateContent>
-      <mc:AlternateContent xmlns:mc="http://schemas.openxmlformats.org/markup-compatibility/2006">
-        <mc:Choice xmlns:a14="http://schemas.microsoft.com/office/drawing/2010/main" Requires="a14">
-          <p:sp>
-            <p:nvSpPr>
-              <p:cNvPr id="6" name="TextBox 5">
-                <a:extLst>
-                  <a:ext uri="{FF2B5EF4-FFF2-40B4-BE49-F238E27FC236}">
-                    <a16:creationId xmlns:a16="http://schemas.microsoft.com/office/drawing/2014/main" id="{460A3BB2-5654-4421-9CB8-AEEF16F65603}"/>
-                  </a:ext>
-                </a:extLst>
-              </p:cNvPr>
-              <p:cNvSpPr txBox="1"/>
-              <p:nvPr/>
-            </p:nvSpPr>
-            <p:spPr>
-              <a:xfrm>
-                <a:off x="6243233" y="2488674"/>
-                <a:ext cx="3773341" cy="400110"/>
-              </a:xfrm>
-              <a:prstGeom prst="rect">
-                <a:avLst/>
-              </a:prstGeom>
-              <a:noFill/>
-            </p:spPr>
-            <p:txBody>
-              <a:bodyPr wrap="none" rtlCol="0">
-                <a:spAutoFit/>
-              </a:bodyPr>
-              <a:lstStyle/>
-              <a:p>
-                <a14:m>
-                  <m:oMath xmlns:m="http://schemas.openxmlformats.org/officeDocument/2006/math">
-                    <m:r>
-                      <a:rPr lang="en-US" altLang="ko-KR" sz="2000" b="1" i="1" smtClean="0">
-                        <a:solidFill>
-                          <a:srgbClr val="0072BD"/>
-                        </a:solidFill>
-                        <a:latin typeface="Cambria Math" panose="02040503050406030204" pitchFamily="18" charset="0"/>
-                      </a:rPr>
-                      <m:t>𝝁</m:t>
-                    </m:r>
-                    <m:r>
-                      <a:rPr lang="en-US" altLang="ko-KR" sz="2000" b="1" i="1" smtClean="0">
-                        <a:solidFill>
-                          <a:srgbClr val="0072BD"/>
-                        </a:solidFill>
-                        <a:latin typeface="Cambria Math" panose="02040503050406030204" pitchFamily="18" charset="0"/>
-                      </a:rPr>
-                      <m:t>=</m:t>
-                    </m:r>
-                    <m:sSub>
-                      <m:sSubPr>
-                        <m:ctrlPr>
-                          <a:rPr lang="en-US" altLang="ko-KR" sz="2000" b="1" i="1" smtClean="0">
-                            <a:solidFill>
-                              <a:srgbClr val="0072BD"/>
-                            </a:solidFill>
-                            <a:latin typeface="Cambria Math" panose="02040503050406030204" pitchFamily="18" charset="0"/>
-                          </a:rPr>
-                        </m:ctrlPr>
-                      </m:sSubPr>
-                      <m:e>
-                        <m:r>
-                          <a:rPr lang="en-US" altLang="ko-KR" sz="2000" b="1" i="1" smtClean="0">
-                            <a:solidFill>
-                              <a:srgbClr val="0072BD"/>
-                            </a:solidFill>
-                            <a:latin typeface="Cambria Math" panose="02040503050406030204" pitchFamily="18" charset="0"/>
-                          </a:rPr>
-                          <m:t>𝝁</m:t>
-                        </m:r>
-                      </m:e>
-                      <m:sub>
-                        <m:r>
-                          <a:rPr lang="en-US" altLang="ko-KR" sz="2000" b="1" i="1" smtClean="0">
-                            <a:solidFill>
-                              <a:srgbClr val="0072BD"/>
-                            </a:solidFill>
-                            <a:latin typeface="Cambria Math" panose="02040503050406030204" pitchFamily="18" charset="0"/>
-                          </a:rPr>
-                          <m:t>𝒏𝒆𝒘</m:t>
-                        </m:r>
-                      </m:sub>
-                    </m:sSub>
-                  </m:oMath>
-                </a14:m>
-                <a:r>
-                  <a:rPr lang="ko-KR" altLang="en-US" sz="2000" b="1" dirty="0">
-                    <a:solidFill>
-                      <a:srgbClr val="0072BD"/>
-                    </a:solidFill>
-                  </a:rPr>
-                  <a:t>인 경우의 </a:t>
-                </a:r>
-                <a:r>
-                  <a:rPr lang="en-US" altLang="ko-KR" sz="2000" b="1" dirty="0">
-                    <a:solidFill>
-                      <a:srgbClr val="0072BD"/>
-                    </a:solidFill>
-                  </a:rPr>
-                  <a:t>target </a:t>
-                </a:r>
-                <a:r>
-                  <a:rPr lang="ko-KR" altLang="en-US" sz="2000" b="1" dirty="0">
-                    <a:solidFill>
-                      <a:srgbClr val="0072BD"/>
-                    </a:solidFill>
-                  </a:rPr>
-                  <a:t>분포</a:t>
-                </a:r>
-              </a:p>
-            </p:txBody>
-          </p:sp>
-        </mc:Choice>
-        <mc:Fallback>
-          <p:sp>
-            <p:nvSpPr>
-              <p:cNvPr id="6" name="TextBox 5">
-                <a:extLst>
-                  <a:ext uri="{FF2B5EF4-FFF2-40B4-BE49-F238E27FC236}">
-                    <a16:creationId xmlns:a16="http://schemas.microsoft.com/office/drawing/2014/main" id="{460A3BB2-5654-4421-9CB8-AEEF16F65603}"/>
-                  </a:ext>
-                </a:extLst>
-              </p:cNvPr>
-              <p:cNvSpPr txBox="1">
-                <a:spLocks noRot="1" noChangeAspect="1" noMove="1" noResize="1" noEditPoints="1" noAdjustHandles="1" noChangeArrowheads="1" noChangeShapeType="1" noTextEdit="1"/>
-              </p:cNvSpPr>
-              <p:nvPr/>
-            </p:nvSpPr>
-            <p:spPr>
-              <a:xfrm>
-                <a:off x="6243233" y="2488674"/>
-                <a:ext cx="3773341" cy="400110"/>
-              </a:xfrm>
-              <a:prstGeom prst="rect">
-                <a:avLst/>
-              </a:prstGeom>
-              <a:blipFill>
-                <a:blip r:embed="rId4"/>
-                <a:stretch>
-                  <a:fillRect t="-7576" r="-969" b="-25758"/>
-                </a:stretch>
-              </a:blipFill>
-            </p:spPr>
-            <p:txBody>
-              <a:bodyPr/>
-              <a:lstStyle/>
-              <a:p>
-                <a:r>
-                  <a:rPr lang="ko-KR" altLang="en-US">
-                    <a:noFill/>
-                  </a:rPr>
-                  <a:t> </a:t>
-                </a:r>
-              </a:p>
-            </p:txBody>
-          </p:sp>
-        </mc:Fallback>
-      </mc:AlternateContent>
-      <p:sp>
-        <p:nvSpPr>
-          <p:cNvPr id="8" name="화살표: 아래로 구부러짐 7">
-            <a:extLst>
-              <a:ext uri="{FF2B5EF4-FFF2-40B4-BE49-F238E27FC236}">
-                <a16:creationId xmlns:a16="http://schemas.microsoft.com/office/drawing/2014/main" id="{21B49D5C-C798-4CC3-91AC-E0A1C099B5F1}"/>
-              </a:ext>
-            </a:extLst>
-          </p:cNvPr>
-          <p:cNvSpPr/>
-          <p:nvPr/>
-        </p:nvSpPr>
-        <p:spPr>
-          <a:xfrm>
-            <a:off x="4751108" y="1681742"/>
-            <a:ext cx="2516957" cy="731520"/>
-          </a:xfrm>
-          <a:prstGeom prst="curvedDownArrow">
-            <a:avLst/>
-          </a:prstGeom>
-          <a:solidFill>
-            <a:schemeClr val="accent4"/>
-          </a:solidFill>
-        </p:spPr>
-        <p:style>
-          <a:lnRef idx="2">
-            <a:schemeClr val="accent1">
-              <a:shade val="50000"/>
-            </a:schemeClr>
-          </a:lnRef>
-          <a:fillRef idx="1">
-            <a:schemeClr val="accent1"/>
-          </a:fillRef>
-          <a:effectRef idx="0">
-            <a:schemeClr val="accent1"/>
-          </a:effectRef>
-          <a:fontRef idx="minor">
-            <a:schemeClr val="lt1"/>
-          </a:fontRef>
-        </p:style>
-        <p:txBody>
-          <a:bodyPr rtlCol="0" anchor="ctr"/>
-          <a:lstStyle/>
-          <a:p>
-            <a:pPr algn="ctr"/>
-            <a:endParaRPr lang="ko-KR" altLang="en-US">
-              <a:solidFill>
-                <a:schemeClr val="tx1"/>
-              </a:solidFill>
-            </a:endParaRPr>
-          </a:p>
-        </p:txBody>
-      </p:sp>
-      <p:sp>
-        <p:nvSpPr>
-          <p:cNvPr id="9" name="TextBox 8">
-            <a:extLst>
-              <a:ext uri="{FF2B5EF4-FFF2-40B4-BE49-F238E27FC236}">
-                <a16:creationId xmlns:a16="http://schemas.microsoft.com/office/drawing/2014/main" id="{4AD6A921-4349-46C5-8DCC-7C6E56512F61}"/>
-              </a:ext>
-            </a:extLst>
-          </p:cNvPr>
-          <p:cNvSpPr txBox="1"/>
-          <p:nvPr/>
-        </p:nvSpPr>
-        <p:spPr>
-          <a:xfrm>
-            <a:off x="4893222" y="1265375"/>
-            <a:ext cx="2232727" cy="369332"/>
-          </a:xfrm>
-          <a:prstGeom prst="rect">
-            <a:avLst/>
-          </a:prstGeom>
-          <a:noFill/>
-        </p:spPr>
-        <p:txBody>
-          <a:bodyPr wrap="none" rtlCol="0">
-            <a:spAutoFit/>
-          </a:bodyPr>
-          <a:lstStyle/>
-          <a:p>
-            <a:r>
-              <a:rPr lang="en-US" altLang="ko-KR" dirty="0">
-                <a:latin typeface="Tium" panose="02000800000000000000" pitchFamily="2" charset="0"/>
-              </a:rPr>
-              <a:t>Accept ? Or Reject?</a:t>
-            </a:r>
-            <a:endParaRPr lang="ko-KR" altLang="en-US" dirty="0">
-              <a:latin typeface="Tium" panose="02000800000000000000" pitchFamily="2" charset="0"/>
-            </a:endParaRPr>
-          </a:p>
-        </p:txBody>
-      </p:sp>
-    </p:spTree>
-    <p:extLst>
-      <p:ext uri="{BB962C8B-B14F-4D97-AF65-F5344CB8AC3E}">
-        <p14:creationId xmlns:p14="http://schemas.microsoft.com/office/powerpoint/2010/main" val="3658946405"/>
-      </p:ext>
-    </p:extLst>
-  </p:cSld>
-  <p:clrMapOvr>
-    <a:masterClrMapping/>
-  </p:clrMapOvr>
-</p:sld>
-</file>
-
-<file path=ppt/slides/slide8.xml><?xml version="1.0" encoding="utf-8"?>
-<p:sld xmlns:a="http://schemas.openxmlformats.org/drawingml/2006/main" xmlns:r="http://schemas.openxmlformats.org/officeDocument/2006/relationships" xmlns:p="http://schemas.openxmlformats.org/presentationml/2006/main">
-  <p:cSld>
-    <p:spTree>
-      <p:nvGrpSpPr>
-        <p:cNvPr id="1" name=""/>
-        <p:cNvGrpSpPr/>
-        <p:nvPr/>
-      </p:nvGrpSpPr>
-      <p:grpSpPr>
-        <a:xfrm>
-          <a:off x="0" y="0"/>
-          <a:ext cx="0" cy="0"/>
-          <a:chOff x="0" y="0"/>
-          <a:chExt cx="0" cy="0"/>
-        </a:xfrm>
-      </p:grpSpPr>
-      <p:grpSp>
-        <p:nvGrpSpPr>
-          <p:cNvPr id="9" name="그룹 8">
-            <a:extLst>
-              <a:ext uri="{FF2B5EF4-FFF2-40B4-BE49-F238E27FC236}">
-                <a16:creationId xmlns:a16="http://schemas.microsoft.com/office/drawing/2014/main" id="{E2F8DDAA-489A-453A-B6FE-6BE581E5607A}"/>
-              </a:ext>
-            </a:extLst>
-          </p:cNvPr>
-          <p:cNvGrpSpPr/>
-          <p:nvPr/>
-        </p:nvGrpSpPr>
-        <p:grpSpPr>
-          <a:xfrm>
-            <a:off x="1715540" y="793054"/>
-            <a:ext cx="8760920" cy="5271892"/>
-            <a:chOff x="2567233" y="793054"/>
-            <a:chExt cx="8760920" cy="5271892"/>
-          </a:xfrm>
-        </p:grpSpPr>
-        <p:pic>
-          <p:nvPicPr>
-            <p:cNvPr id="4" name="그림 3">
-              <a:extLst>
-                <a:ext uri="{FF2B5EF4-FFF2-40B4-BE49-F238E27FC236}">
-                  <a16:creationId xmlns:a16="http://schemas.microsoft.com/office/drawing/2014/main" id="{67F62826-154B-4B49-889B-05340CC4532E}"/>
-                </a:ext>
-              </a:extLst>
-            </p:cNvPr>
-            <p:cNvPicPr>
-              <a:picLocks noChangeAspect="1"/>
-            </p:cNvPicPr>
-            <p:nvPr/>
-          </p:nvPicPr>
-          <p:blipFill>
-            <a:blip r:embed="rId2"/>
-            <a:stretch>
-              <a:fillRect/>
-            </a:stretch>
-          </p:blipFill>
-          <p:spPr>
-            <a:xfrm>
-              <a:off x="2567233" y="793054"/>
-              <a:ext cx="7057534" cy="5271892"/>
-            </a:xfrm>
-            <a:prstGeom prst="rect">
-              <a:avLst/>
-            </a:prstGeom>
-          </p:spPr>
-        </p:pic>
-        <p:cxnSp>
-          <p:nvCxnSpPr>
-            <p:cNvPr id="6" name="직선 화살표 연결선 5">
-              <a:extLst>
-                <a:ext uri="{FF2B5EF4-FFF2-40B4-BE49-F238E27FC236}">
-                  <a16:creationId xmlns:a16="http://schemas.microsoft.com/office/drawing/2014/main" id="{33AC5D38-18D9-4223-89E9-4F2E7AEA104F}"/>
-                </a:ext>
-              </a:extLst>
-            </p:cNvPr>
-            <p:cNvCxnSpPr>
-              <a:cxnSpLocks/>
-            </p:cNvCxnSpPr>
-            <p:nvPr/>
-          </p:nvCxnSpPr>
-          <p:spPr>
-            <a:xfrm flipH="1">
-              <a:off x="9030879" y="1621410"/>
-              <a:ext cx="716436" cy="0"/>
-            </a:xfrm>
-            <a:prstGeom prst="straightConnector1">
-              <a:avLst/>
-            </a:prstGeom>
-            <a:ln w="38100">
-              <a:solidFill>
-                <a:schemeClr val="tx1"/>
-              </a:solidFill>
-              <a:tailEnd type="triangle"/>
-            </a:ln>
-          </p:spPr>
-          <p:style>
-            <a:lnRef idx="1">
-              <a:schemeClr val="accent1"/>
-            </a:lnRef>
-            <a:fillRef idx="0">
-              <a:schemeClr val="accent1"/>
-            </a:fillRef>
-            <a:effectRef idx="0">
-              <a:schemeClr val="accent1"/>
-            </a:effectRef>
-            <a:fontRef idx="minor">
-              <a:schemeClr val="tx1"/>
-            </a:fontRef>
-          </p:style>
-        </p:cxnSp>
-        <p:sp>
-          <p:nvSpPr>
-            <p:cNvPr id="7" name="TextBox 6">
-              <a:extLst>
-                <a:ext uri="{FF2B5EF4-FFF2-40B4-BE49-F238E27FC236}">
-                  <a16:creationId xmlns:a16="http://schemas.microsoft.com/office/drawing/2014/main" id="{8687E63A-6F20-452C-A0F6-CF565DB8A3C2}"/>
-                </a:ext>
-              </a:extLst>
-            </p:cNvPr>
-            <p:cNvSpPr txBox="1"/>
-            <p:nvPr/>
-          </p:nvSpPr>
-          <p:spPr>
-            <a:xfrm>
-              <a:off x="9907571" y="1436744"/>
-              <a:ext cx="1420582" cy="369332"/>
-            </a:xfrm>
-            <a:prstGeom prst="rect">
-              <a:avLst/>
-            </a:prstGeom>
-            <a:noFill/>
-            <a:ln w="38100">
-              <a:solidFill>
-                <a:schemeClr val="tx1"/>
-              </a:solidFill>
-            </a:ln>
-          </p:spPr>
-          <p:txBody>
-            <a:bodyPr wrap="none" rtlCol="0">
-              <a:spAutoFit/>
-            </a:bodyPr>
-            <a:lstStyle/>
-            <a:p>
-              <a:r>
-                <a:rPr lang="ko-KR" altLang="en-US"/>
-                <a:t>실제 </a:t>
-              </a:r>
-              <a:r>
-                <a:rPr lang="ko-KR" altLang="en-US" dirty="0"/>
-                <a:t>모</a:t>
-              </a:r>
-              <a:r>
-                <a:rPr lang="ko-KR" altLang="en-US"/>
-                <a:t>평균</a:t>
-              </a:r>
-              <a:endParaRPr lang="ko-KR" altLang="en-US" dirty="0"/>
-            </a:p>
-          </p:txBody>
-        </p:sp>
-      </p:grpSp>
-    </p:spTree>
-    <p:extLst>
-      <p:ext uri="{BB962C8B-B14F-4D97-AF65-F5344CB8AC3E}">
-        <p14:creationId xmlns:p14="http://schemas.microsoft.com/office/powerpoint/2010/main" val="3982488976"/>
-      </p:ext>
-    </p:extLst>
-  </p:cSld>
-  <p:clrMapOvr>
-    <a:masterClrMapping/>
-  </p:clrMapOvr>
-</p:sld>
-</file>
-
 <file path=ppt/slides/slide9.xml><?xml version="1.0" encoding="utf-8"?>
 <p:sld xmlns:a="http://schemas.openxmlformats.org/drawingml/2006/main" xmlns:r="http://schemas.openxmlformats.org/officeDocument/2006/relationships" xmlns:p="http://schemas.openxmlformats.org/presentationml/2006/main">
   <p:cSld>
@@ -5657,10 +7536,10 @@
       </p:grpSpPr>
       <p:pic>
         <p:nvPicPr>
-          <p:cNvPr id="5" name="그림 4">
-            <a:extLst>
-              <a:ext uri="{FF2B5EF4-FFF2-40B4-BE49-F238E27FC236}">
-                <a16:creationId xmlns:a16="http://schemas.microsoft.com/office/drawing/2014/main" id="{F1847BCF-5BD1-475F-918B-B6DCCE5C7633}"/>
+          <p:cNvPr id="4" name="그림 3">
+            <a:extLst>
+              <a:ext uri="{FF2B5EF4-FFF2-40B4-BE49-F238E27FC236}">
+                <a16:creationId xmlns:a16="http://schemas.microsoft.com/office/drawing/2014/main" id="{E1BF1DF9-D847-4458-94D3-97F362B91986}"/>
               </a:ext>
             </a:extLst>
           </p:cNvPr>
@@ -5677,18 +7556,191 @@
         </p:blipFill>
         <p:spPr>
           <a:xfrm>
-            <a:off x="2567232" y="793054"/>
-            <a:ext cx="7057536" cy="5271892"/>
+            <a:off x="1388882" y="750021"/>
+            <a:ext cx="9414236" cy="5357958"/>
           </a:xfrm>
           <a:prstGeom prst="rect">
             <a:avLst/>
           </a:prstGeom>
         </p:spPr>
       </p:pic>
+      <mc:AlternateContent xmlns:mc="http://schemas.openxmlformats.org/markup-compatibility/2006">
+        <mc:Choice xmlns:a14="http://schemas.microsoft.com/office/drawing/2010/main" Requires="a14">
+          <p:sp>
+            <p:nvSpPr>
+              <p:cNvPr id="5" name="TextBox 4">
+                <a:extLst>
+                  <a:ext uri="{FF2B5EF4-FFF2-40B4-BE49-F238E27FC236}">
+                    <a16:creationId xmlns:a16="http://schemas.microsoft.com/office/drawing/2014/main" id="{9DE7F6E5-9D43-43F7-904D-914D492A2A79}"/>
+                  </a:ext>
+                </a:extLst>
+              </p:cNvPr>
+              <p:cNvSpPr txBox="1"/>
+              <p:nvPr/>
+            </p:nvSpPr>
+            <p:spPr>
+              <a:xfrm>
+                <a:off x="5539819" y="1480008"/>
+                <a:ext cx="3046164" cy="908864"/>
+              </a:xfrm>
+              <a:prstGeom prst="wedgeEllipseCallout">
+                <a:avLst>
+                  <a:gd name="adj1" fmla="val -35140"/>
+                  <a:gd name="adj2" fmla="val 90473"/>
+                </a:avLst>
+              </a:prstGeom>
+              <a:noFill/>
+              <a:ln>
+                <a:solidFill>
+                  <a:schemeClr val="tx1"/>
+                </a:solidFill>
+              </a:ln>
+            </p:spPr>
+            <p:txBody>
+              <a:bodyPr wrap="square" rtlCol="0">
+                <a:spAutoFit/>
+              </a:bodyPr>
+              <a:lstStyle/>
+              <a:p>
+                <a:r>
+                  <a:rPr lang="en-US" altLang="ko-KR" dirty="0">
+                    <a:latin typeface="배달의민족 주아" panose="02020603020101020101" pitchFamily="18" charset="-127"/>
+                    <a:ea typeface="배달의민족 주아" panose="02020603020101020101" pitchFamily="18" charset="-127"/>
+                  </a:rPr>
+                  <a:t>Hmm, the next candidate for </a:t>
+                </a:r>
+                <a14:m>
+                  <m:oMath xmlns:m="http://schemas.openxmlformats.org/officeDocument/2006/math">
+                    <m:r>
+                      <a:rPr lang="en-US" altLang="ko-KR" b="0" i="1" smtClean="0">
+                        <a:latin typeface="Cambria Math" panose="02040503050406030204" pitchFamily="18" charset="0"/>
+                        <a:ea typeface="배달의민족 주아" panose="02020603020101020101" pitchFamily="18" charset="-127"/>
+                      </a:rPr>
+                      <m:t>𝜇</m:t>
+                    </m:r>
+                  </m:oMath>
+                </a14:m>
+                <a:r>
+                  <a:rPr lang="ko-KR" altLang="en-US" dirty="0">
+                    <a:latin typeface="배달의민족 주아" panose="02020603020101020101" pitchFamily="18" charset="-127"/>
+                    <a:ea typeface="배달의민족 주아" panose="02020603020101020101" pitchFamily="18" charset="-127"/>
+                  </a:rPr>
+                  <a:t> </a:t>
+                </a:r>
+                <a:r>
+                  <a:rPr lang="en-US" altLang="ko-KR" dirty="0">
+                    <a:latin typeface="배달의민족 주아" panose="02020603020101020101" pitchFamily="18" charset="-127"/>
+                    <a:ea typeface="배달의민족 주아" panose="02020603020101020101" pitchFamily="18" charset="-127"/>
+                  </a:rPr>
+                  <a:t>is…!</a:t>
+                </a:r>
+                <a:endParaRPr lang="ko-KR" altLang="en-US" dirty="0">
+                  <a:latin typeface="배달의민족 주아" panose="02020603020101020101" pitchFamily="18" charset="-127"/>
+                  <a:ea typeface="배달의민족 주아" panose="02020603020101020101" pitchFamily="18" charset="-127"/>
+                </a:endParaRPr>
+              </a:p>
+            </p:txBody>
+          </p:sp>
+        </mc:Choice>
+        <mc:Fallback>
+          <p:sp>
+            <p:nvSpPr>
+              <p:cNvPr id="5" name="TextBox 4">
+                <a:extLst>
+                  <a:ext uri="{FF2B5EF4-FFF2-40B4-BE49-F238E27FC236}">
+                    <a16:creationId xmlns:a16="http://schemas.microsoft.com/office/drawing/2014/main" id="{9DE7F6E5-9D43-43F7-904D-914D492A2A79}"/>
+                  </a:ext>
+                </a:extLst>
+              </p:cNvPr>
+              <p:cNvSpPr txBox="1">
+                <a:spLocks noRot="1" noChangeAspect="1" noMove="1" noResize="1" noEditPoints="1" noAdjustHandles="1" noChangeArrowheads="1" noChangeShapeType="1" noTextEdit="1"/>
+              </p:cNvSpPr>
+              <p:nvPr/>
+            </p:nvSpPr>
+            <p:spPr>
+              <a:xfrm>
+                <a:off x="5539819" y="1480008"/>
+                <a:ext cx="3046164" cy="908864"/>
+              </a:xfrm>
+              <a:prstGeom prst="wedgeEllipseCallout">
+                <a:avLst>
+                  <a:gd name="adj1" fmla="val -35140"/>
+                  <a:gd name="adj2" fmla="val 90473"/>
+                </a:avLst>
+              </a:prstGeom>
+              <a:blipFill>
+                <a:blip r:embed="rId3"/>
+                <a:stretch>
+                  <a:fillRect/>
+                </a:stretch>
+              </a:blipFill>
+              <a:ln>
+                <a:solidFill>
+                  <a:schemeClr val="tx1"/>
+                </a:solidFill>
+              </a:ln>
+            </p:spPr>
+            <p:txBody>
+              <a:bodyPr/>
+              <a:lstStyle/>
+              <a:p>
+                <a:r>
+                  <a:rPr lang="en-US">
+                    <a:noFill/>
+                  </a:rPr>
+                  <a:t> </a:t>
+                </a:r>
+              </a:p>
+            </p:txBody>
+          </p:sp>
+        </mc:Fallback>
+      </mc:AlternateContent>
+      <p:sp>
+        <p:nvSpPr>
+          <p:cNvPr id="6" name="TextBox 5">
+            <a:extLst>
+              <a:ext uri="{FF2B5EF4-FFF2-40B4-BE49-F238E27FC236}">
+                <a16:creationId xmlns:a16="http://schemas.microsoft.com/office/drawing/2014/main" id="{9F53B707-B48A-4C92-BB6B-B259C38B5636}"/>
+              </a:ext>
+            </a:extLst>
+          </p:cNvPr>
+          <p:cNvSpPr txBox="1"/>
+          <p:nvPr/>
+        </p:nvSpPr>
+        <p:spPr>
+          <a:xfrm>
+            <a:off x="3392587" y="750021"/>
+            <a:ext cx="3337709" cy="369332"/>
+          </a:xfrm>
+          <a:prstGeom prst="rect">
+            <a:avLst/>
+          </a:prstGeom>
+          <a:noFill/>
+        </p:spPr>
+        <p:txBody>
+          <a:bodyPr wrap="none" rtlCol="0">
+            <a:spAutoFit/>
+          </a:bodyPr>
+          <a:lstStyle/>
+          <a:p>
+            <a:r>
+              <a:rPr lang="en-US" altLang="ko-KR" dirty="0">
+                <a:latin typeface="카페24 쑥쑥" pitchFamily="2" charset="-127"/>
+                <a:ea typeface="카페24 쑥쑥" pitchFamily="2" charset="-127"/>
+              </a:rPr>
+              <a:t>Me? I’m proposal distribution.</a:t>
+            </a:r>
+            <a:endParaRPr lang="ko-KR" altLang="en-US" dirty="0">
+              <a:latin typeface="카페24 쑥쑥" pitchFamily="2" charset="-127"/>
+              <a:ea typeface="카페24 쑥쑥" pitchFamily="2" charset="-127"/>
+            </a:endParaRPr>
+          </a:p>
+        </p:txBody>
+      </p:sp>
     </p:spTree>
     <p:extLst>
       <p:ext uri="{BB962C8B-B14F-4D97-AF65-F5344CB8AC3E}">
-        <p14:creationId xmlns:p14="http://schemas.microsoft.com/office/powerpoint/2010/main" val="332106384"/>
+        <p14:creationId xmlns:p14="http://schemas.microsoft.com/office/powerpoint/2010/main" val="3121244264"/>
       </p:ext>
     </p:extLst>
   </p:cSld>
